--- a/FileFolder/系統架構.pptx
+++ b/FileFolder/系統架構.pptx
@@ -2,18 +2,21 @@
 <file path=ppt/presentation.xml><?xml version="1.0" encoding="utf-8"?>
 <p:presentation xmlns:a="http://schemas.openxmlformats.org/drawingml/2006/main" xmlns:r="http://schemas.openxmlformats.org/officeDocument/2006/relationships" xmlns:p="http://schemas.openxmlformats.org/presentationml/2006/main" saveSubsetFonts="1">
   <p:sldMasterIdLst>
-    <p:sldMasterId id="2147483648" r:id="rId1"/>
+    <p:sldMasterId id="2147483660" r:id="rId1"/>
   </p:sldMasterIdLst>
   <p:sldIdLst>
-    <p:sldId id="256" r:id="rId2"/>
+    <p:sldId id="260" r:id="rId2"/>
+    <p:sldId id="263" r:id="rId3"/>
+    <p:sldId id="258" r:id="rId4"/>
+    <p:sldId id="262" r:id="rId5"/>
   </p:sldIdLst>
   <p:sldSz cx="12192000" cy="6858000"/>
   <p:notesSz cx="6858000" cy="9144000"/>
   <p:defaultTextStyle>
     <a:defPPr>
-      <a:defRPr lang="zh-TW"/>
+      <a:defRPr lang="en-US"/>
     </a:defPPr>
-    <a:lvl1pPr marL="0" algn="l" defTabSz="914400" rtl="0" eaLnBrk="1" latinLnBrk="0" hangingPunct="1">
+    <a:lvl1pPr marL="0" algn="l" defTabSz="457200" rtl="0" eaLnBrk="1" latinLnBrk="0" hangingPunct="1">
       <a:defRPr sz="1800" kern="1200">
         <a:solidFill>
           <a:schemeClr val="tx1"/>
@@ -23,7 +26,7 @@
         <a:cs typeface="+mn-cs"/>
       </a:defRPr>
     </a:lvl1pPr>
-    <a:lvl2pPr marL="457200" algn="l" defTabSz="914400" rtl="0" eaLnBrk="1" latinLnBrk="0" hangingPunct="1">
+    <a:lvl2pPr marL="457200" algn="l" defTabSz="457200" rtl="0" eaLnBrk="1" latinLnBrk="0" hangingPunct="1">
       <a:defRPr sz="1800" kern="1200">
         <a:solidFill>
           <a:schemeClr val="tx1"/>
@@ -33,7 +36,7 @@
         <a:cs typeface="+mn-cs"/>
       </a:defRPr>
     </a:lvl2pPr>
-    <a:lvl3pPr marL="914400" algn="l" defTabSz="914400" rtl="0" eaLnBrk="1" latinLnBrk="0" hangingPunct="1">
+    <a:lvl3pPr marL="914400" algn="l" defTabSz="457200" rtl="0" eaLnBrk="1" latinLnBrk="0" hangingPunct="1">
       <a:defRPr sz="1800" kern="1200">
         <a:solidFill>
           <a:schemeClr val="tx1"/>
@@ -43,7 +46,7 @@
         <a:cs typeface="+mn-cs"/>
       </a:defRPr>
     </a:lvl3pPr>
-    <a:lvl4pPr marL="1371600" algn="l" defTabSz="914400" rtl="0" eaLnBrk="1" latinLnBrk="0" hangingPunct="1">
+    <a:lvl4pPr marL="1371600" algn="l" defTabSz="457200" rtl="0" eaLnBrk="1" latinLnBrk="0" hangingPunct="1">
       <a:defRPr sz="1800" kern="1200">
         <a:solidFill>
           <a:schemeClr val="tx1"/>
@@ -53,7 +56,7 @@
         <a:cs typeface="+mn-cs"/>
       </a:defRPr>
     </a:lvl4pPr>
-    <a:lvl5pPr marL="1828800" algn="l" defTabSz="914400" rtl="0" eaLnBrk="1" latinLnBrk="0" hangingPunct="1">
+    <a:lvl5pPr marL="1828800" algn="l" defTabSz="457200" rtl="0" eaLnBrk="1" latinLnBrk="0" hangingPunct="1">
       <a:defRPr sz="1800" kern="1200">
         <a:solidFill>
           <a:schemeClr val="tx1"/>
@@ -63,7 +66,7 @@
         <a:cs typeface="+mn-cs"/>
       </a:defRPr>
     </a:lvl5pPr>
-    <a:lvl6pPr marL="2286000" algn="l" defTabSz="914400" rtl="0" eaLnBrk="1" latinLnBrk="0" hangingPunct="1">
+    <a:lvl6pPr marL="2286000" algn="l" defTabSz="457200" rtl="0" eaLnBrk="1" latinLnBrk="0" hangingPunct="1">
       <a:defRPr sz="1800" kern="1200">
         <a:solidFill>
           <a:schemeClr val="tx1"/>
@@ -73,7 +76,7 @@
         <a:cs typeface="+mn-cs"/>
       </a:defRPr>
     </a:lvl6pPr>
-    <a:lvl7pPr marL="2743200" algn="l" defTabSz="914400" rtl="0" eaLnBrk="1" latinLnBrk="0" hangingPunct="1">
+    <a:lvl7pPr marL="2743200" algn="l" defTabSz="457200" rtl="0" eaLnBrk="1" latinLnBrk="0" hangingPunct="1">
       <a:defRPr sz="1800" kern="1200">
         <a:solidFill>
           <a:schemeClr val="tx1"/>
@@ -83,7 +86,7 @@
         <a:cs typeface="+mn-cs"/>
       </a:defRPr>
     </a:lvl7pPr>
-    <a:lvl8pPr marL="3200400" algn="l" defTabSz="914400" rtl="0" eaLnBrk="1" latinLnBrk="0" hangingPunct="1">
+    <a:lvl8pPr marL="3200400" algn="l" defTabSz="457200" rtl="0" eaLnBrk="1" latinLnBrk="0" hangingPunct="1">
       <a:defRPr sz="1800" kern="1200">
         <a:solidFill>
           <a:schemeClr val="tx1"/>
@@ -93,7 +96,7 @@
         <a:cs typeface="+mn-cs"/>
       </a:defRPr>
     </a:lvl8pPr>
-    <a:lvl9pPr marL="3657600" algn="l" defTabSz="914400" rtl="0" eaLnBrk="1" latinLnBrk="0" hangingPunct="1">
+    <a:lvl9pPr marL="3657600" algn="l" defTabSz="457200" rtl="0" eaLnBrk="1" latinLnBrk="0" hangingPunct="1">
       <a:defRPr sz="1800" kern="1200">
         <a:solidFill>
           <a:schemeClr val="tx1"/>
@@ -104,11 +107,16 @@
       </a:defRPr>
     </a:lvl9pPr>
   </p:defaultTextStyle>
+  <p:extLst>
+    <p:ext uri="{EFAFB233-063F-42B5-8137-9DF3F51BA10A}">
+      <p15:sldGuideLst xmlns:p15="http://schemas.microsoft.com/office/powerpoint/2012/main"/>
+    </p:ext>
+  </p:extLst>
 </p:presentation>
 </file>
 
 <file path=ppt/slideLayouts/slideLayout1.xml><?xml version="1.0" encoding="utf-8"?>
-<p:sldLayout xmlns:a="http://schemas.openxmlformats.org/drawingml/2006/main" xmlns:r="http://schemas.openxmlformats.org/officeDocument/2006/relationships" xmlns:p="http://schemas.openxmlformats.org/presentationml/2006/main" type="title" preserve="1">
+<p:sldLayout xmlns:a="http://schemas.openxmlformats.org/drawingml/2006/main" xmlns:r="http://schemas.openxmlformats.org/officeDocument/2006/relationships" xmlns:p="http://schemas.openxmlformats.org/presentationml/2006/main" showMasterSp="0" type="title" preserve="1">
   <p:cSld name="標題投影片">
     <p:spTree>
       <p:nvGrpSpPr>
@@ -126,31 +134,291 @@
       </p:grpSpPr>
       <p:sp>
         <p:nvSpPr>
-          <p:cNvPr id="2" name="標題 1">
-            <a:extLst>
-              <a:ext uri="{FF2B5EF4-FFF2-40B4-BE49-F238E27FC236}">
-                <a16:creationId xmlns:a16="http://schemas.microsoft.com/office/drawing/2014/main" id="{D3D62AA0-E1FA-7123-412F-7F689F2ED3FB}"/>
-              </a:ext>
-            </a:extLst>
-          </p:cNvPr>
-          <p:cNvSpPr>
-            <a:spLocks noGrp="1"/>
-          </p:cNvSpPr>
-          <p:nvPr>
-            <p:ph type="ctrTitle"/>
-          </p:nvPr>
+          <p:cNvPr id="7" name="Rectangle 6"/>
+          <p:cNvSpPr/>
+          <p:nvPr/>
         </p:nvSpPr>
         <p:spPr>
           <a:xfrm>
-            <a:off x="1524000" y="1122363"/>
-            <a:ext cx="9144000" cy="2387600"/>
+            <a:off x="920834" y="1346946"/>
+            <a:ext cx="10222992" cy="80683"/>
+          </a:xfrm>
+          <a:prstGeom prst="rect">
+            <a:avLst/>
+          </a:prstGeom>
+          <a:blipFill dpi="0" rotWithShape="1">
+            <a:blip r:embed="rId2">
+              <a:alphaModFix amt="85000"/>
+              <a:lum bright="70000" contrast="-70000"/>
+              <a:extLst>
+                <a:ext uri="{BEBA8EAE-BF5A-486C-A8C5-ECC9F3942E4B}">
+                  <a14:imgProps xmlns:a14="http://schemas.microsoft.com/office/drawing/2010/main">
+                    <a14:imgLayer r:embed="rId3">
+                      <a14:imgEffect>
+                        <a14:sharpenSoften amount="61000"/>
+                      </a14:imgEffect>
+                    </a14:imgLayer>
+                  </a14:imgProps>
+                </a:ext>
+                <a:ext uri="{28A0092B-C50C-407E-A947-70E740481C1C}">
+                  <a14:useLocalDpi xmlns:a14="http://schemas.microsoft.com/office/drawing/2010/main" val="0"/>
+                </a:ext>
+              </a:extLst>
+            </a:blip>
+            <a:srcRect/>
+            <a:tile tx="0" ty="-762000" sx="92000" sy="89000" flip="xy" algn="ctr"/>
+          </a:blipFill>
+          <a:ln>
+            <a:noFill/>
+          </a:ln>
+        </p:spPr>
+        <p:style>
+          <a:lnRef idx="2">
+            <a:schemeClr val="accent1">
+              <a:shade val="50000"/>
+            </a:schemeClr>
+          </a:lnRef>
+          <a:fillRef idx="1">
+            <a:schemeClr val="accent1"/>
+          </a:fillRef>
+          <a:effectRef idx="0">
+            <a:schemeClr val="accent1"/>
+          </a:effectRef>
+          <a:fontRef idx="minor">
+            <a:schemeClr val="lt1"/>
+          </a:fontRef>
+        </p:style>
+      </p:sp>
+      <p:sp>
+        <p:nvSpPr>
+          <p:cNvPr id="8" name="Rectangle 7"/>
+          <p:cNvSpPr/>
+          <p:nvPr/>
+        </p:nvSpPr>
+        <p:spPr>
+          <a:xfrm>
+            <a:off x="920834" y="4299696"/>
+            <a:ext cx="10222992" cy="80683"/>
+          </a:xfrm>
+          <a:prstGeom prst="rect">
+            <a:avLst/>
+          </a:prstGeom>
+          <a:blipFill dpi="0" rotWithShape="1">
+            <a:blip r:embed="rId2">
+              <a:alphaModFix amt="85000"/>
+              <a:lum bright="70000" contrast="-70000"/>
+              <a:extLst>
+                <a:ext uri="{BEBA8EAE-BF5A-486C-A8C5-ECC9F3942E4B}">
+                  <a14:imgProps xmlns:a14="http://schemas.microsoft.com/office/drawing/2010/main">
+                    <a14:imgLayer r:embed="rId3">
+                      <a14:imgEffect>
+                        <a14:sharpenSoften amount="61000"/>
+                      </a14:imgEffect>
+                    </a14:imgLayer>
+                  </a14:imgProps>
+                </a:ext>
+                <a:ext uri="{28A0092B-C50C-407E-A947-70E740481C1C}">
+                  <a14:useLocalDpi xmlns:a14="http://schemas.microsoft.com/office/drawing/2010/main" val="0"/>
+                </a:ext>
+              </a:extLst>
+            </a:blip>
+            <a:srcRect/>
+            <a:tile tx="0" ty="-717550" sx="92000" sy="89000" flip="xy" algn="ctr"/>
+          </a:blipFill>
+          <a:ln>
+            <a:noFill/>
+          </a:ln>
+        </p:spPr>
+        <p:style>
+          <a:lnRef idx="2">
+            <a:schemeClr val="accent1">
+              <a:shade val="50000"/>
+            </a:schemeClr>
+          </a:lnRef>
+          <a:fillRef idx="1">
+            <a:schemeClr val="accent1"/>
+          </a:fillRef>
+          <a:effectRef idx="0">
+            <a:schemeClr val="accent1"/>
+          </a:effectRef>
+          <a:fontRef idx="minor">
+            <a:schemeClr val="lt1"/>
+          </a:fontRef>
+        </p:style>
+      </p:sp>
+      <p:sp>
+        <p:nvSpPr>
+          <p:cNvPr id="9" name="Rectangle 8"/>
+          <p:cNvSpPr/>
+          <p:nvPr/>
+        </p:nvSpPr>
+        <p:spPr>
+          <a:xfrm>
+            <a:off x="920834" y="1484779"/>
+            <a:ext cx="10222992" cy="2743200"/>
+          </a:xfrm>
+          <a:prstGeom prst="rect">
+            <a:avLst/>
+          </a:prstGeom>
+          <a:blipFill dpi="0" rotWithShape="1">
+            <a:blip r:embed="rId2">
+              <a:alphaModFix amt="85000"/>
+              <a:lum bright="70000" contrast="-70000"/>
+              <a:extLst>
+                <a:ext uri="{BEBA8EAE-BF5A-486C-A8C5-ECC9F3942E4B}">
+                  <a14:imgProps xmlns:a14="http://schemas.microsoft.com/office/drawing/2010/main">
+                    <a14:imgLayer r:embed="rId3">
+                      <a14:imgEffect>
+                        <a14:sharpenSoften amount="61000"/>
+                      </a14:imgEffect>
+                    </a14:imgLayer>
+                  </a14:imgProps>
+                </a:ext>
+                <a:ext uri="{28A0092B-C50C-407E-A947-70E740481C1C}">
+                  <a14:useLocalDpi xmlns:a14="http://schemas.microsoft.com/office/drawing/2010/main" val="0"/>
+                </a:ext>
+              </a:extLst>
+            </a:blip>
+            <a:srcRect/>
+            <a:tile tx="0" ty="-704850" sx="92000" sy="89000" flip="xy" algn="ctr"/>
+          </a:blipFill>
+          <a:ln>
+            <a:noFill/>
+          </a:ln>
+        </p:spPr>
+        <p:style>
+          <a:lnRef idx="2">
+            <a:schemeClr val="accent1">
+              <a:shade val="50000"/>
+            </a:schemeClr>
+          </a:lnRef>
+          <a:fillRef idx="1">
+            <a:schemeClr val="accent1"/>
+          </a:fillRef>
+          <a:effectRef idx="0">
+            <a:schemeClr val="accent1"/>
+          </a:effectRef>
+          <a:fontRef idx="minor">
+            <a:schemeClr val="lt1"/>
+          </a:fontRef>
+        </p:style>
+      </p:sp>
+      <p:grpSp>
+        <p:nvGrpSpPr>
+          <p:cNvPr id="10" name="Group 9"/>
+          <p:cNvGrpSpPr/>
+          <p:nvPr/>
+        </p:nvGrpSpPr>
+        <p:grpSpPr>
+          <a:xfrm>
+            <a:off x="9649215" y="4068923"/>
+            <a:ext cx="1080904" cy="1080902"/>
+            <a:chOff x="9685338" y="4460675"/>
+            <a:chExt cx="1080904" cy="1080902"/>
+          </a:xfrm>
+        </p:grpSpPr>
+        <p:sp>
+          <p:nvSpPr>
+            <p:cNvPr id="11" name="Oval 10"/>
+            <p:cNvSpPr/>
+            <p:nvPr/>
+          </p:nvSpPr>
+          <p:spPr>
+            <a:xfrm>
+              <a:off x="9685338" y="4460675"/>
+              <a:ext cx="1080904" cy="1080902"/>
+            </a:xfrm>
+            <a:prstGeom prst="ellipse">
+              <a:avLst/>
+            </a:prstGeom>
+            <a:blipFill dpi="0" rotWithShape="1">
+              <a:blip r:embed="rId4">
+                <a:duotone>
+                  <a:schemeClr val="accent1">
+                    <a:shade val="45000"/>
+                    <a:satMod val="135000"/>
+                  </a:schemeClr>
+                  <a:prstClr val="white"/>
+                </a:duotone>
+                <a:extLst>
+                  <a:ext uri="{BEBA8EAE-BF5A-486C-A8C5-ECC9F3942E4B}">
+                    <a14:imgProps xmlns:a14="http://schemas.microsoft.com/office/drawing/2010/main">
+                      <a14:imgLayer r:embed="rId5">
+                        <a14:imgEffect>
+                          <a14:saturation sat="95000"/>
+                        </a14:imgEffect>
+                      </a14:imgLayer>
+                    </a14:imgProps>
+                  </a:ext>
+                </a:extLst>
+              </a:blip>
+              <a:srcRect/>
+              <a:tile tx="0" ty="0" sx="85000" sy="85000" flip="none" algn="tl"/>
+            </a:blipFill>
+            <a:ln w="25400" cap="flat" cmpd="sng" algn="ctr">
+              <a:noFill/>
+              <a:prstDash val="solid"/>
+            </a:ln>
+            <a:effectLst/>
+          </p:spPr>
+        </p:sp>
+        <p:sp>
+          <p:nvSpPr>
+            <p:cNvPr id="12" name="Oval 11"/>
+            <p:cNvSpPr/>
+            <p:nvPr/>
+          </p:nvSpPr>
+          <p:spPr>
+            <a:xfrm>
+              <a:off x="9793429" y="4568765"/>
+              <a:ext cx="864723" cy="864722"/>
+            </a:xfrm>
+            <a:prstGeom prst="ellipse">
+              <a:avLst/>
+            </a:prstGeom>
+            <a:noFill/>
+            <a:ln w="25400" cap="flat" cmpd="sng" algn="ctr">
+              <a:solidFill>
+                <a:sysClr val="window" lastClr="FFFFFF"/>
+              </a:solidFill>
+              <a:prstDash val="solid"/>
+            </a:ln>
+            <a:effectLst/>
+          </p:spPr>
+        </p:sp>
+      </p:grpSp>
+      <p:sp>
+        <p:nvSpPr>
+          <p:cNvPr id="2" name="Title 1"/>
+          <p:cNvSpPr>
+            <a:spLocks noGrp="1"/>
+          </p:cNvSpPr>
+          <p:nvPr>
+            <p:ph type="ctrTitle"/>
+          </p:nvPr>
+        </p:nvSpPr>
+        <p:spPr>
+          <a:xfrm>
+            <a:off x="1051560" y="1432223"/>
+            <a:ext cx="9966960" cy="3035808"/>
           </a:xfrm>
         </p:spPr>
         <p:txBody>
-          <a:bodyPr anchor="b"/>
+          <a:bodyPr anchor="ctr">
+            <a:noAutofit/>
+          </a:bodyPr>
           <a:lstStyle>
-            <a:lvl1pPr algn="ctr">
-              <a:defRPr sz="6000"/>
+            <a:lvl1pPr algn="l">
+              <a:lnSpc>
+                <a:spcPct val="80000"/>
+              </a:lnSpc>
+              <a:defRPr sz="9600" cap="all" baseline="0">
+                <a:blipFill dpi="0" rotWithShape="1">
+                  <a:blip r:embed="rId4"/>
+                  <a:srcRect/>
+                  <a:tile tx="6350" ty="-127000" sx="65000" sy="64000" flip="none" algn="tl"/>
+                </a:blipFill>
+              </a:defRPr>
             </a:lvl1pPr>
           </a:lstStyle>
           <a:p>
@@ -158,18 +426,13 @@
               <a:rPr lang="zh-TW" altLang="en-US"/>
               <a:t>按一下以編輯母片標題樣式</a:t>
             </a:r>
-          </a:p>
-        </p:txBody>
-      </p:sp>
-      <p:sp>
-        <p:nvSpPr>
-          <p:cNvPr id="3" name="副標題 2">
-            <a:extLst>
-              <a:ext uri="{FF2B5EF4-FFF2-40B4-BE49-F238E27FC236}">
-                <a16:creationId xmlns:a16="http://schemas.microsoft.com/office/drawing/2014/main" id="{7CBA6DB5-CEE2-6A96-B5DC-0F35E74EB89C}"/>
-              </a:ext>
-            </a:extLst>
-          </p:cNvPr>
+            <a:endParaRPr lang="en-US" dirty="0"/>
+          </a:p>
+        </p:txBody>
+      </p:sp>
+      <p:sp>
+        <p:nvSpPr>
+          <p:cNvPr id="3" name="Subtitle 2"/>
           <p:cNvSpPr>
             <a:spLocks noGrp="1"/>
           </p:cNvSpPr>
@@ -179,132 +442,130 @@
         </p:nvSpPr>
         <p:spPr>
           <a:xfrm>
-            <a:off x="1524000" y="3602038"/>
-            <a:ext cx="9144000" cy="1655762"/>
+            <a:off x="1069848" y="4389120"/>
+            <a:ext cx="7891272" cy="1069848"/>
           </a:xfrm>
         </p:spPr>
         <p:txBody>
+          <a:bodyPr>
+            <a:normAutofit/>
+          </a:bodyPr>
+          <a:lstStyle>
+            <a:lvl1pPr marL="0" indent="0" algn="l">
+              <a:buNone/>
+              <a:defRPr sz="2200">
+                <a:solidFill>
+                  <a:schemeClr val="tx1"/>
+                </a:solidFill>
+              </a:defRPr>
+            </a:lvl1pPr>
+            <a:lvl2pPr marL="457200" indent="0" algn="ctr">
+              <a:buNone/>
+              <a:defRPr sz="2200"/>
+            </a:lvl2pPr>
+            <a:lvl3pPr marL="914400" indent="0" algn="ctr">
+              <a:buNone/>
+              <a:defRPr sz="2200"/>
+            </a:lvl3pPr>
+            <a:lvl4pPr marL="1371600" indent="0" algn="ctr">
+              <a:buNone/>
+              <a:defRPr sz="2000"/>
+            </a:lvl4pPr>
+            <a:lvl5pPr marL="1828800" indent="0" algn="ctr">
+              <a:buNone/>
+              <a:defRPr sz="2000"/>
+            </a:lvl5pPr>
+            <a:lvl6pPr marL="2286000" indent="0" algn="ctr">
+              <a:buNone/>
+              <a:defRPr sz="2000"/>
+            </a:lvl6pPr>
+            <a:lvl7pPr marL="2743200" indent="0" algn="ctr">
+              <a:buNone/>
+              <a:defRPr sz="2000"/>
+            </a:lvl7pPr>
+            <a:lvl8pPr marL="3200400" indent="0" algn="ctr">
+              <a:buNone/>
+              <a:defRPr sz="2000"/>
+            </a:lvl8pPr>
+            <a:lvl9pPr marL="3657600" indent="0" algn="ctr">
+              <a:buNone/>
+              <a:defRPr sz="2000"/>
+            </a:lvl9pPr>
+          </a:lstStyle>
+          <a:p>
+            <a:r>
+              <a:rPr lang="zh-TW" altLang="en-US"/>
+              <a:t>按一下以編輯母片子標題樣式</a:t>
+            </a:r>
+            <a:endParaRPr lang="en-US" dirty="0"/>
+          </a:p>
+        </p:txBody>
+      </p:sp>
+      <p:sp>
+        <p:nvSpPr>
+          <p:cNvPr id="4" name="Date Placeholder 3"/>
+          <p:cNvSpPr>
+            <a:spLocks noGrp="1"/>
+          </p:cNvSpPr>
+          <p:nvPr>
+            <p:ph type="dt" sz="half" idx="10"/>
+          </p:nvPr>
+        </p:nvSpPr>
+        <p:spPr/>
+        <p:txBody>
+          <a:bodyPr/>
+          <a:lstStyle/>
+          <a:p>
+            <a:fld id="{6AEF6AE5-874E-463D-BCB4-1779E90BCAF3}" type="datetimeFigureOut">
+              <a:rPr lang="zh-TW" altLang="en-US" smtClean="0"/>
+              <a:t>2022/7/26</a:t>
+            </a:fld>
+            <a:endParaRPr lang="zh-TW" altLang="en-US"/>
+          </a:p>
+        </p:txBody>
+      </p:sp>
+      <p:sp>
+        <p:nvSpPr>
+          <p:cNvPr id="5" name="Footer Placeholder 4"/>
+          <p:cNvSpPr>
+            <a:spLocks noGrp="1"/>
+          </p:cNvSpPr>
+          <p:nvPr>
+            <p:ph type="ftr" sz="quarter" idx="11"/>
+          </p:nvPr>
+        </p:nvSpPr>
+        <p:spPr/>
+        <p:txBody>
+          <a:bodyPr/>
+          <a:lstStyle/>
+          <a:p>
+            <a:endParaRPr lang="zh-TW" altLang="en-US"/>
+          </a:p>
+        </p:txBody>
+      </p:sp>
+      <p:sp>
+        <p:nvSpPr>
+          <p:cNvPr id="6" name="Slide Number Placeholder 5"/>
+          <p:cNvSpPr>
+            <a:spLocks noGrp="1"/>
+          </p:cNvSpPr>
+          <p:nvPr>
+            <p:ph type="sldNum" sz="quarter" idx="12"/>
+          </p:nvPr>
+        </p:nvSpPr>
+        <p:spPr>
+          <a:xfrm>
+            <a:off x="9592733" y="4289334"/>
+            <a:ext cx="1193868" cy="640080"/>
+          </a:xfrm>
+        </p:spPr>
+        <p:txBody>
           <a:bodyPr/>
           <a:lstStyle>
-            <a:lvl1pPr marL="0" indent="0" algn="ctr">
-              <a:buNone/>
-              <a:defRPr sz="2400"/>
+            <a:lvl1pPr>
+              <a:defRPr sz="2800"/>
             </a:lvl1pPr>
-            <a:lvl2pPr marL="457200" indent="0" algn="ctr">
-              <a:buNone/>
-              <a:defRPr sz="2000"/>
-            </a:lvl2pPr>
-            <a:lvl3pPr marL="914400" indent="0" algn="ctr">
-              <a:buNone/>
-              <a:defRPr sz="1800"/>
-            </a:lvl3pPr>
-            <a:lvl4pPr marL="1371600" indent="0" algn="ctr">
-              <a:buNone/>
-              <a:defRPr sz="1600"/>
-            </a:lvl4pPr>
-            <a:lvl5pPr marL="1828800" indent="0" algn="ctr">
-              <a:buNone/>
-              <a:defRPr sz="1600"/>
-            </a:lvl5pPr>
-            <a:lvl6pPr marL="2286000" indent="0" algn="ctr">
-              <a:buNone/>
-              <a:defRPr sz="1600"/>
-            </a:lvl6pPr>
-            <a:lvl7pPr marL="2743200" indent="0" algn="ctr">
-              <a:buNone/>
-              <a:defRPr sz="1600"/>
-            </a:lvl7pPr>
-            <a:lvl8pPr marL="3200400" indent="0" algn="ctr">
-              <a:buNone/>
-              <a:defRPr sz="1600"/>
-            </a:lvl8pPr>
-            <a:lvl9pPr marL="3657600" indent="0" algn="ctr">
-              <a:buNone/>
-              <a:defRPr sz="1600"/>
-            </a:lvl9pPr>
           </a:lstStyle>
-          <a:p>
-            <a:r>
-              <a:rPr lang="zh-TW" altLang="en-US"/>
-              <a:t>按一下以編輯母片子標題樣式</a:t>
-            </a:r>
-          </a:p>
-        </p:txBody>
-      </p:sp>
-      <p:sp>
-        <p:nvSpPr>
-          <p:cNvPr id="4" name="日期版面配置區 3">
-            <a:extLst>
-              <a:ext uri="{FF2B5EF4-FFF2-40B4-BE49-F238E27FC236}">
-                <a16:creationId xmlns:a16="http://schemas.microsoft.com/office/drawing/2014/main" id="{E433D606-F8F4-8DD3-D540-74DB2B0E9ED3}"/>
-              </a:ext>
-            </a:extLst>
-          </p:cNvPr>
-          <p:cNvSpPr>
-            <a:spLocks noGrp="1"/>
-          </p:cNvSpPr>
-          <p:nvPr>
-            <p:ph type="dt" sz="half" idx="10"/>
-          </p:nvPr>
-        </p:nvSpPr>
-        <p:spPr/>
-        <p:txBody>
-          <a:bodyPr/>
-          <a:lstStyle/>
-          <a:p>
-            <a:fld id="{6AEF6AE5-874E-463D-BCB4-1779E90BCAF3}" type="datetimeFigureOut">
-              <a:rPr lang="zh-TW" altLang="en-US" smtClean="0"/>
-              <a:t>2022/6/30</a:t>
-            </a:fld>
-            <a:endParaRPr lang="zh-TW" altLang="en-US"/>
-          </a:p>
-        </p:txBody>
-      </p:sp>
-      <p:sp>
-        <p:nvSpPr>
-          <p:cNvPr id="5" name="頁尾版面配置區 4">
-            <a:extLst>
-              <a:ext uri="{FF2B5EF4-FFF2-40B4-BE49-F238E27FC236}">
-                <a16:creationId xmlns:a16="http://schemas.microsoft.com/office/drawing/2014/main" id="{1E90294D-F1D3-E723-C593-1B5156151377}"/>
-              </a:ext>
-            </a:extLst>
-          </p:cNvPr>
-          <p:cNvSpPr>
-            <a:spLocks noGrp="1"/>
-          </p:cNvSpPr>
-          <p:nvPr>
-            <p:ph type="ftr" sz="quarter" idx="11"/>
-          </p:nvPr>
-        </p:nvSpPr>
-        <p:spPr/>
-        <p:txBody>
-          <a:bodyPr/>
-          <a:lstStyle/>
-          <a:p>
-            <a:endParaRPr lang="zh-TW" altLang="en-US"/>
-          </a:p>
-        </p:txBody>
-      </p:sp>
-      <p:sp>
-        <p:nvSpPr>
-          <p:cNvPr id="6" name="投影片編號版面配置區 5">
-            <a:extLst>
-              <a:ext uri="{FF2B5EF4-FFF2-40B4-BE49-F238E27FC236}">
-                <a16:creationId xmlns:a16="http://schemas.microsoft.com/office/drawing/2014/main" id="{4776795D-73B6-66B3-C77E-1AF5E5F191C9}"/>
-              </a:ext>
-            </a:extLst>
-          </p:cNvPr>
-          <p:cNvSpPr>
-            <a:spLocks noGrp="1"/>
-          </p:cNvSpPr>
-          <p:nvPr>
-            <p:ph type="sldNum" sz="quarter" idx="12"/>
-          </p:nvPr>
-        </p:nvSpPr>
-        <p:spPr/>
-        <p:txBody>
-          <a:bodyPr/>
-          <a:lstStyle/>
           <a:p>
             <a:fld id="{22D5F4B7-2642-4453-B083-1EB76BA65C2F}" type="slidenum">
               <a:rPr lang="zh-TW" altLang="en-US" smtClean="0"/>
@@ -317,7 +578,7 @@
     </p:spTree>
     <p:extLst>
       <p:ext uri="{BB962C8B-B14F-4D97-AF65-F5344CB8AC3E}">
-        <p14:creationId xmlns:p14="http://schemas.microsoft.com/office/powerpoint/2010/main" val="761595443"/>
+        <p14:creationId xmlns:p14="http://schemas.microsoft.com/office/powerpoint/2010/main" val="3956885021"/>
       </p:ext>
     </p:extLst>
   </p:cSld>
@@ -346,13 +607,7 @@
       </p:grpSpPr>
       <p:sp>
         <p:nvSpPr>
-          <p:cNvPr id="2" name="標題 1">
-            <a:extLst>
-              <a:ext uri="{FF2B5EF4-FFF2-40B4-BE49-F238E27FC236}">
-                <a16:creationId xmlns:a16="http://schemas.microsoft.com/office/drawing/2014/main" id="{F08B0907-BB69-4985-1CD8-DEF599E3DC9E}"/>
-              </a:ext>
-            </a:extLst>
-          </p:cNvPr>
+          <p:cNvPr id="2" name="Title 1"/>
           <p:cNvSpPr>
             <a:spLocks noGrp="1"/>
           </p:cNvSpPr>
@@ -369,18 +624,13 @@
               <a:rPr lang="zh-TW" altLang="en-US"/>
               <a:t>按一下以編輯母片標題樣式</a:t>
             </a:r>
-          </a:p>
-        </p:txBody>
-      </p:sp>
-      <p:sp>
-        <p:nvSpPr>
-          <p:cNvPr id="3" name="直排文字版面配置區 2">
-            <a:extLst>
-              <a:ext uri="{FF2B5EF4-FFF2-40B4-BE49-F238E27FC236}">
-                <a16:creationId xmlns:a16="http://schemas.microsoft.com/office/drawing/2014/main" id="{CA753CEC-4B9E-5933-B91B-B537B8B82552}"/>
-              </a:ext>
-            </a:extLst>
-          </p:cNvPr>
+            <a:endParaRPr lang="en-US" dirty="0"/>
+          </a:p>
+        </p:txBody>
+      </p:sp>
+      <p:sp>
+        <p:nvSpPr>
+          <p:cNvPr id="3" name="Vertical Text Placeholder 2"/>
           <p:cNvSpPr>
             <a:spLocks noGrp="1"/>
           </p:cNvSpPr>
@@ -426,18 +676,13 @@
               <a:rPr lang="zh-TW" altLang="en-US"/>
               <a:t>第五層</a:t>
             </a:r>
-          </a:p>
-        </p:txBody>
-      </p:sp>
-      <p:sp>
-        <p:nvSpPr>
-          <p:cNvPr id="4" name="日期版面配置區 3">
-            <a:extLst>
-              <a:ext uri="{FF2B5EF4-FFF2-40B4-BE49-F238E27FC236}">
-                <a16:creationId xmlns:a16="http://schemas.microsoft.com/office/drawing/2014/main" id="{B827DF7E-999E-0136-2494-346DBBFB4F40}"/>
-              </a:ext>
-            </a:extLst>
-          </p:cNvPr>
+            <a:endParaRPr lang="en-US" dirty="0"/>
+          </a:p>
+        </p:txBody>
+      </p:sp>
+      <p:sp>
+        <p:nvSpPr>
+          <p:cNvPr id="4" name="Date Placeholder 3"/>
           <p:cNvSpPr>
             <a:spLocks noGrp="1"/>
           </p:cNvSpPr>
@@ -452,7 +697,7 @@
           <a:p>
             <a:fld id="{6AEF6AE5-874E-463D-BCB4-1779E90BCAF3}" type="datetimeFigureOut">
               <a:rPr lang="zh-TW" altLang="en-US" smtClean="0"/>
-              <a:t>2022/6/30</a:t>
+              <a:t>2022/7/26</a:t>
             </a:fld>
             <a:endParaRPr lang="zh-TW" altLang="en-US"/>
           </a:p>
@@ -460,13 +705,7 @@
       </p:sp>
       <p:sp>
         <p:nvSpPr>
-          <p:cNvPr id="5" name="頁尾版面配置區 4">
-            <a:extLst>
-              <a:ext uri="{FF2B5EF4-FFF2-40B4-BE49-F238E27FC236}">
-                <a16:creationId xmlns:a16="http://schemas.microsoft.com/office/drawing/2014/main" id="{155AC0F5-D3B6-4DEC-C4FE-489D823823B6}"/>
-              </a:ext>
-            </a:extLst>
-          </p:cNvPr>
+          <p:cNvPr id="5" name="Footer Placeholder 4"/>
           <p:cNvSpPr>
             <a:spLocks noGrp="1"/>
           </p:cNvSpPr>
@@ -485,13 +724,7 @@
       </p:sp>
       <p:sp>
         <p:nvSpPr>
-          <p:cNvPr id="6" name="投影片編號版面配置區 5">
-            <a:extLst>
-              <a:ext uri="{FF2B5EF4-FFF2-40B4-BE49-F238E27FC236}">
-                <a16:creationId xmlns:a16="http://schemas.microsoft.com/office/drawing/2014/main" id="{A57BBA33-A957-5DEA-94D4-905939C78FC9}"/>
-              </a:ext>
-            </a:extLst>
-          </p:cNvPr>
+          <p:cNvPr id="6" name="Slide Number Placeholder 5"/>
           <p:cNvSpPr>
             <a:spLocks noGrp="1"/>
           </p:cNvSpPr>
@@ -515,7 +748,7 @@
     </p:spTree>
     <p:extLst>
       <p:ext uri="{BB962C8B-B14F-4D97-AF65-F5344CB8AC3E}">
-        <p14:creationId xmlns:p14="http://schemas.microsoft.com/office/powerpoint/2010/main" val="2820647594"/>
+        <p14:creationId xmlns:p14="http://schemas.microsoft.com/office/powerpoint/2010/main" val="1249167392"/>
       </p:ext>
     </p:extLst>
   </p:cSld>
@@ -544,13 +777,7 @@
       </p:grpSpPr>
       <p:sp>
         <p:nvSpPr>
-          <p:cNvPr id="2" name="直排標題 1">
-            <a:extLst>
-              <a:ext uri="{FF2B5EF4-FFF2-40B4-BE49-F238E27FC236}">
-                <a16:creationId xmlns:a16="http://schemas.microsoft.com/office/drawing/2014/main" id="{04A6D639-7E6C-394E-E415-DA48279AFA2F}"/>
-              </a:ext>
-            </a:extLst>
-          </p:cNvPr>
+          <p:cNvPr id="2" name="Vertical Title 1"/>
           <p:cNvSpPr>
             <a:spLocks noGrp="1"/>
           </p:cNvSpPr>
@@ -560,8 +787,8 @@
         </p:nvSpPr>
         <p:spPr>
           <a:xfrm>
-            <a:off x="8724900" y="365125"/>
-            <a:ext cx="2628900" cy="5811838"/>
+            <a:off x="8724900" y="533400"/>
+            <a:ext cx="2552700" cy="5638800"/>
           </a:xfrm>
         </p:spPr>
         <p:txBody>
@@ -572,18 +799,13 @@
               <a:rPr lang="zh-TW" altLang="en-US"/>
               <a:t>按一下以編輯母片標題樣式</a:t>
             </a:r>
-          </a:p>
-        </p:txBody>
-      </p:sp>
-      <p:sp>
-        <p:nvSpPr>
-          <p:cNvPr id="3" name="直排文字版面配置區 2">
-            <a:extLst>
-              <a:ext uri="{FF2B5EF4-FFF2-40B4-BE49-F238E27FC236}">
-                <a16:creationId xmlns:a16="http://schemas.microsoft.com/office/drawing/2014/main" id="{A7615E02-BBDE-9F20-6935-0E05F9565DF4}"/>
-              </a:ext>
-            </a:extLst>
-          </p:cNvPr>
+            <a:endParaRPr lang="en-US" dirty="0"/>
+          </a:p>
+        </p:txBody>
+      </p:sp>
+      <p:sp>
+        <p:nvSpPr>
+          <p:cNvPr id="3" name="Vertical Text Placeholder 2"/>
           <p:cNvSpPr>
             <a:spLocks noGrp="1"/>
           </p:cNvSpPr>
@@ -593,8 +815,8 @@
         </p:nvSpPr>
         <p:spPr>
           <a:xfrm>
-            <a:off x="838200" y="365125"/>
-            <a:ext cx="7734300" cy="5811838"/>
+            <a:off x="1066800" y="533400"/>
+            <a:ext cx="7505700" cy="5638800"/>
           </a:xfrm>
         </p:spPr>
         <p:txBody>
@@ -634,18 +856,13 @@
               <a:rPr lang="zh-TW" altLang="en-US"/>
               <a:t>第五層</a:t>
             </a:r>
-          </a:p>
-        </p:txBody>
-      </p:sp>
-      <p:sp>
-        <p:nvSpPr>
-          <p:cNvPr id="4" name="日期版面配置區 3">
-            <a:extLst>
-              <a:ext uri="{FF2B5EF4-FFF2-40B4-BE49-F238E27FC236}">
-                <a16:creationId xmlns:a16="http://schemas.microsoft.com/office/drawing/2014/main" id="{13E54452-932C-43D3-9E6F-A1017C0A5CDC}"/>
-              </a:ext>
-            </a:extLst>
-          </p:cNvPr>
+            <a:endParaRPr lang="en-US" dirty="0"/>
+          </a:p>
+        </p:txBody>
+      </p:sp>
+      <p:sp>
+        <p:nvSpPr>
+          <p:cNvPr id="4" name="Date Placeholder 3"/>
           <p:cNvSpPr>
             <a:spLocks noGrp="1"/>
           </p:cNvSpPr>
@@ -660,7 +877,7 @@
           <a:p>
             <a:fld id="{6AEF6AE5-874E-463D-BCB4-1779E90BCAF3}" type="datetimeFigureOut">
               <a:rPr lang="zh-TW" altLang="en-US" smtClean="0"/>
-              <a:t>2022/6/30</a:t>
+              <a:t>2022/7/26</a:t>
             </a:fld>
             <a:endParaRPr lang="zh-TW" altLang="en-US"/>
           </a:p>
@@ -668,13 +885,7 @@
       </p:sp>
       <p:sp>
         <p:nvSpPr>
-          <p:cNvPr id="5" name="頁尾版面配置區 4">
-            <a:extLst>
-              <a:ext uri="{FF2B5EF4-FFF2-40B4-BE49-F238E27FC236}">
-                <a16:creationId xmlns:a16="http://schemas.microsoft.com/office/drawing/2014/main" id="{6367B178-9838-C769-F9EE-23CA4A489419}"/>
-              </a:ext>
-            </a:extLst>
-          </p:cNvPr>
+          <p:cNvPr id="5" name="Footer Placeholder 4"/>
           <p:cNvSpPr>
             <a:spLocks noGrp="1"/>
           </p:cNvSpPr>
@@ -693,13 +904,7 @@
       </p:sp>
       <p:sp>
         <p:nvSpPr>
-          <p:cNvPr id="6" name="投影片編號版面配置區 5">
-            <a:extLst>
-              <a:ext uri="{FF2B5EF4-FFF2-40B4-BE49-F238E27FC236}">
-                <a16:creationId xmlns:a16="http://schemas.microsoft.com/office/drawing/2014/main" id="{C64A2927-828B-DB6D-D1F9-F22910F61E63}"/>
-              </a:ext>
-            </a:extLst>
-          </p:cNvPr>
+          <p:cNvPr id="6" name="Slide Number Placeholder 5"/>
           <p:cNvSpPr>
             <a:spLocks noGrp="1"/>
           </p:cNvSpPr>
@@ -723,7 +928,7 @@
     </p:spTree>
     <p:extLst>
       <p:ext uri="{BB962C8B-B14F-4D97-AF65-F5344CB8AC3E}">
-        <p14:creationId xmlns:p14="http://schemas.microsoft.com/office/powerpoint/2010/main" val="2884439875"/>
+        <p14:creationId xmlns:p14="http://schemas.microsoft.com/office/powerpoint/2010/main" val="1490233275"/>
       </p:ext>
     </p:extLst>
   </p:cSld>
@@ -752,13 +957,7 @@
       </p:grpSpPr>
       <p:sp>
         <p:nvSpPr>
-          <p:cNvPr id="2" name="標題 1">
-            <a:extLst>
-              <a:ext uri="{FF2B5EF4-FFF2-40B4-BE49-F238E27FC236}">
-                <a16:creationId xmlns:a16="http://schemas.microsoft.com/office/drawing/2014/main" id="{1C30F747-E2DE-C494-588A-F2B9E8FD96B3}"/>
-              </a:ext>
-            </a:extLst>
-          </p:cNvPr>
+          <p:cNvPr id="2" name="Title 1"/>
           <p:cNvSpPr>
             <a:spLocks noGrp="1"/>
           </p:cNvSpPr>
@@ -775,18 +974,13 @@
               <a:rPr lang="zh-TW" altLang="en-US"/>
               <a:t>按一下以編輯母片標題樣式</a:t>
             </a:r>
-          </a:p>
-        </p:txBody>
-      </p:sp>
-      <p:sp>
-        <p:nvSpPr>
-          <p:cNvPr id="3" name="內容版面配置區 2">
-            <a:extLst>
-              <a:ext uri="{FF2B5EF4-FFF2-40B4-BE49-F238E27FC236}">
-                <a16:creationId xmlns:a16="http://schemas.microsoft.com/office/drawing/2014/main" id="{1C6EBE91-9D67-210A-2C0A-B51EE94AAFA5}"/>
-              </a:ext>
-            </a:extLst>
-          </p:cNvPr>
+            <a:endParaRPr lang="en-US" dirty="0"/>
+          </a:p>
+        </p:txBody>
+      </p:sp>
+      <p:sp>
+        <p:nvSpPr>
+          <p:cNvPr id="3" name="Content Placeholder 2"/>
           <p:cNvSpPr>
             <a:spLocks noGrp="1"/>
           </p:cNvSpPr>
@@ -832,18 +1026,13 @@
               <a:rPr lang="zh-TW" altLang="en-US"/>
               <a:t>第五層</a:t>
             </a:r>
-          </a:p>
-        </p:txBody>
-      </p:sp>
-      <p:sp>
-        <p:nvSpPr>
-          <p:cNvPr id="4" name="日期版面配置區 3">
-            <a:extLst>
-              <a:ext uri="{FF2B5EF4-FFF2-40B4-BE49-F238E27FC236}">
-                <a16:creationId xmlns:a16="http://schemas.microsoft.com/office/drawing/2014/main" id="{8279A823-C84B-E7E8-ED75-367D05AC17BE}"/>
-              </a:ext>
-            </a:extLst>
-          </p:cNvPr>
+            <a:endParaRPr lang="en-US" dirty="0"/>
+          </a:p>
+        </p:txBody>
+      </p:sp>
+      <p:sp>
+        <p:nvSpPr>
+          <p:cNvPr id="4" name="Date Placeholder 3"/>
           <p:cNvSpPr>
             <a:spLocks noGrp="1"/>
           </p:cNvSpPr>
@@ -858,7 +1047,7 @@
           <a:p>
             <a:fld id="{6AEF6AE5-874E-463D-BCB4-1779E90BCAF3}" type="datetimeFigureOut">
               <a:rPr lang="zh-TW" altLang="en-US" smtClean="0"/>
-              <a:t>2022/6/30</a:t>
+              <a:t>2022/7/26</a:t>
             </a:fld>
             <a:endParaRPr lang="zh-TW" altLang="en-US"/>
           </a:p>
@@ -866,13 +1055,7 @@
       </p:sp>
       <p:sp>
         <p:nvSpPr>
-          <p:cNvPr id="5" name="頁尾版面配置區 4">
-            <a:extLst>
-              <a:ext uri="{FF2B5EF4-FFF2-40B4-BE49-F238E27FC236}">
-                <a16:creationId xmlns:a16="http://schemas.microsoft.com/office/drawing/2014/main" id="{BFBB7776-FE02-5A18-069E-B47E6C9C395E}"/>
-              </a:ext>
-            </a:extLst>
-          </p:cNvPr>
+          <p:cNvPr id="5" name="Footer Placeholder 4"/>
           <p:cNvSpPr>
             <a:spLocks noGrp="1"/>
           </p:cNvSpPr>
@@ -891,13 +1074,7 @@
       </p:sp>
       <p:sp>
         <p:nvSpPr>
-          <p:cNvPr id="6" name="投影片編號版面配置區 5">
-            <a:extLst>
-              <a:ext uri="{FF2B5EF4-FFF2-40B4-BE49-F238E27FC236}">
-                <a16:creationId xmlns:a16="http://schemas.microsoft.com/office/drawing/2014/main" id="{3986B696-39FF-41C0-1333-C27C3FE55337}"/>
-              </a:ext>
-            </a:extLst>
-          </p:cNvPr>
+          <p:cNvPr id="6" name="Slide Number Placeholder 5"/>
           <p:cNvSpPr>
             <a:spLocks noGrp="1"/>
           </p:cNvSpPr>
@@ -921,7 +1098,7 @@
     </p:spTree>
     <p:extLst>
       <p:ext uri="{BB962C8B-B14F-4D97-AF65-F5344CB8AC3E}">
-        <p14:creationId xmlns:p14="http://schemas.microsoft.com/office/powerpoint/2010/main" val="2088577109"/>
+        <p14:creationId xmlns:p14="http://schemas.microsoft.com/office/powerpoint/2010/main" val="4033812767"/>
       </p:ext>
     </p:extLst>
   </p:cSld>
@@ -932,7 +1109,7 @@
 </file>
 
 <file path=ppt/slideLayouts/slideLayout3.xml><?xml version="1.0" encoding="utf-8"?>
-<p:sldLayout xmlns:a="http://schemas.openxmlformats.org/drawingml/2006/main" xmlns:r="http://schemas.openxmlformats.org/officeDocument/2006/relationships" xmlns:p="http://schemas.openxmlformats.org/presentationml/2006/main" type="secHead" preserve="1">
+<p:sldLayout xmlns:a="http://schemas.openxmlformats.org/drawingml/2006/main" xmlns:r="http://schemas.openxmlformats.org/officeDocument/2006/relationships" xmlns:p="http://schemas.openxmlformats.org/presentationml/2006/main" showMasterSp="0" type="secHead" preserve="1">
   <p:cSld name="章節標題">
     <p:spTree>
       <p:nvGrpSpPr>
@@ -950,31 +1127,87 @@
       </p:grpSpPr>
       <p:sp>
         <p:nvSpPr>
-          <p:cNvPr id="2" name="標題 1">
-            <a:extLst>
-              <a:ext uri="{FF2B5EF4-FFF2-40B4-BE49-F238E27FC236}">
-                <a16:creationId xmlns:a16="http://schemas.microsoft.com/office/drawing/2014/main" id="{05227CBE-151A-54FC-4366-943C20EA9BE5}"/>
-              </a:ext>
-            </a:extLst>
-          </p:cNvPr>
-          <p:cNvSpPr>
-            <a:spLocks noGrp="1"/>
-          </p:cNvSpPr>
-          <p:nvPr>
-            <p:ph type="title"/>
-          </p:nvPr>
+          <p:cNvPr id="7" name="Rectangle 6"/>
+          <p:cNvSpPr/>
+          <p:nvPr/>
         </p:nvSpPr>
         <p:spPr>
           <a:xfrm>
-            <a:off x="831850" y="1709738"/>
-            <a:ext cx="10515600" cy="2852737"/>
+            <a:off x="0" y="4917989"/>
+            <a:ext cx="12192000" cy="1940010"/>
+          </a:xfrm>
+          <a:prstGeom prst="rect">
+            <a:avLst/>
+          </a:prstGeom>
+          <a:blipFill dpi="0" rotWithShape="1">
+            <a:blip r:embed="rId2">
+              <a:alphaModFix amt="85000"/>
+              <a:lum bright="70000" contrast="-70000"/>
+              <a:extLst>
+                <a:ext uri="{BEBA8EAE-BF5A-486C-A8C5-ECC9F3942E4B}">
+                  <a14:imgProps xmlns:a14="http://schemas.microsoft.com/office/drawing/2010/main">
+                    <a14:imgLayer r:embed="rId3">
+                      <a14:imgEffect>
+                        <a14:sharpenSoften amount="61000"/>
+                      </a14:imgEffect>
+                    </a14:imgLayer>
+                  </a14:imgProps>
+                </a:ext>
+                <a:ext uri="{28A0092B-C50C-407E-A947-70E740481C1C}">
+                  <a14:useLocalDpi xmlns:a14="http://schemas.microsoft.com/office/drawing/2010/main" val="0"/>
+                </a:ext>
+              </a:extLst>
+            </a:blip>
+            <a:srcRect/>
+            <a:tile tx="0" ty="-704850" sx="92000" sy="89000" flip="xy" algn="ctr"/>
+          </a:blipFill>
+          <a:ln>
+            <a:noFill/>
+          </a:ln>
+        </p:spPr>
+        <p:style>
+          <a:lnRef idx="2">
+            <a:schemeClr val="accent1">
+              <a:shade val="50000"/>
+            </a:schemeClr>
+          </a:lnRef>
+          <a:fillRef idx="1">
+            <a:schemeClr val="accent1"/>
+          </a:fillRef>
+          <a:effectRef idx="0">
+            <a:schemeClr val="accent1"/>
+          </a:effectRef>
+          <a:fontRef idx="minor">
+            <a:schemeClr val="lt1"/>
+          </a:fontRef>
+        </p:style>
+      </p:sp>
+      <p:sp>
+        <p:nvSpPr>
+          <p:cNvPr id="2" name="Title 1"/>
+          <p:cNvSpPr>
+            <a:spLocks noGrp="1"/>
+          </p:cNvSpPr>
+          <p:nvPr>
+            <p:ph type="title"/>
+          </p:nvPr>
+        </p:nvSpPr>
+        <p:spPr>
+          <a:xfrm>
+            <a:off x="2167128" y="1225296"/>
+            <a:ext cx="9281160" cy="3520440"/>
           </a:xfrm>
         </p:spPr>
         <p:txBody>
-          <a:bodyPr anchor="b"/>
+          <a:bodyPr anchor="ctr">
+            <a:normAutofit/>
+          </a:bodyPr>
           <a:lstStyle>
             <a:lvl1pPr>
-              <a:defRPr sz="6000"/>
+              <a:lnSpc>
+                <a:spcPct val="80000"/>
+              </a:lnSpc>
+              <a:defRPr sz="8000" b="0"/>
             </a:lvl1pPr>
           </a:lstStyle>
           <a:p>
@@ -982,18 +1215,13 @@
               <a:rPr lang="zh-TW" altLang="en-US"/>
               <a:t>按一下以編輯母片標題樣式</a:t>
             </a:r>
-          </a:p>
-        </p:txBody>
-      </p:sp>
-      <p:sp>
-        <p:nvSpPr>
-          <p:cNvPr id="3" name="文字版面配置區 2">
-            <a:extLst>
-              <a:ext uri="{FF2B5EF4-FFF2-40B4-BE49-F238E27FC236}">
-                <a16:creationId xmlns:a16="http://schemas.microsoft.com/office/drawing/2014/main" id="{C8E38455-3455-9D21-9501-CB7482E102AC}"/>
-              </a:ext>
-            </a:extLst>
-          </p:cNvPr>
+            <a:endParaRPr lang="en-US" dirty="0"/>
+          </a:p>
+        </p:txBody>
+      </p:sp>
+      <p:sp>
+        <p:nvSpPr>
+          <p:cNvPr id="3" name="Text Placeholder 2"/>
           <p:cNvSpPr>
             <a:spLocks noGrp="1"/>
           </p:cNvSpPr>
@@ -1003,26 +1231,26 @@
         </p:nvSpPr>
         <p:spPr>
           <a:xfrm>
-            <a:off x="831850" y="4589463"/>
-            <a:ext cx="10515600" cy="1500187"/>
+            <a:off x="2165774" y="5020056"/>
+            <a:ext cx="9052560" cy="1066800"/>
           </a:xfrm>
         </p:spPr>
         <p:txBody>
-          <a:bodyPr/>
+          <a:bodyPr anchor="t">
+            <a:normAutofit/>
+          </a:bodyPr>
           <a:lstStyle>
             <a:lvl1pPr marL="0" indent="0">
               <a:buNone/>
-              <a:defRPr sz="2400">
+              <a:defRPr sz="2000">
                 <a:solidFill>
-                  <a:schemeClr val="tx1">
-                    <a:tint val="75000"/>
-                  </a:schemeClr>
+                  <a:schemeClr val="tx1"/>
                 </a:solidFill>
               </a:defRPr>
             </a:lvl1pPr>
             <a:lvl2pPr marL="457200" indent="0">
               <a:buNone/>
-              <a:defRPr sz="2000">
+              <a:defRPr sz="1800">
                 <a:solidFill>
                   <a:schemeClr val="tx1">
                     <a:tint val="75000"/>
@@ -1032,7 +1260,7 @@
             </a:lvl2pPr>
             <a:lvl3pPr marL="914400" indent="0">
               <a:buNone/>
-              <a:defRPr sz="1800">
+              <a:defRPr sz="1600">
                 <a:solidFill>
                   <a:schemeClr val="tx1">
                     <a:tint val="75000"/>
@@ -1042,7 +1270,7 @@
             </a:lvl3pPr>
             <a:lvl4pPr marL="1371600" indent="0">
               <a:buNone/>
-              <a:defRPr sz="1600">
+              <a:defRPr sz="1400">
                 <a:solidFill>
                   <a:schemeClr val="tx1">
                     <a:tint val="75000"/>
@@ -1052,7 +1280,7 @@
             </a:lvl4pPr>
             <a:lvl5pPr marL="1828800" indent="0">
               <a:buNone/>
-              <a:defRPr sz="1600">
+              <a:defRPr sz="1400">
                 <a:solidFill>
                   <a:schemeClr val="tx1">
                     <a:tint val="75000"/>
@@ -1062,7 +1290,7 @@
             </a:lvl5pPr>
             <a:lvl6pPr marL="2286000" indent="0">
               <a:buNone/>
-              <a:defRPr sz="1600">
+              <a:defRPr sz="1400">
                 <a:solidFill>
                   <a:schemeClr val="tx1">
                     <a:tint val="75000"/>
@@ -1072,7 +1300,7 @@
             </a:lvl6pPr>
             <a:lvl7pPr marL="2743200" indent="0">
               <a:buNone/>
-              <a:defRPr sz="1600">
+              <a:defRPr sz="1400">
                 <a:solidFill>
                   <a:schemeClr val="tx1">
                     <a:tint val="75000"/>
@@ -1082,7 +1310,7 @@
             </a:lvl7pPr>
             <a:lvl8pPr marL="3200400" indent="0">
               <a:buNone/>
-              <a:defRPr sz="1600">
+              <a:defRPr sz="1400">
                 <a:solidFill>
                   <a:schemeClr val="tx1">
                     <a:tint val="75000"/>
@@ -1092,7 +1320,7 @@
             </a:lvl8pPr>
             <a:lvl9pPr marL="3657600" indent="0">
               <a:buNone/>
-              <a:defRPr sz="1600">
+              <a:defRPr sz="1400">
                 <a:solidFill>
                   <a:schemeClr val="tx1">
                     <a:tint val="75000"/>
@@ -1112,13 +1340,7 @@
       </p:sp>
       <p:sp>
         <p:nvSpPr>
-          <p:cNvPr id="4" name="日期版面配置區 3">
-            <a:extLst>
-              <a:ext uri="{FF2B5EF4-FFF2-40B4-BE49-F238E27FC236}">
-                <a16:creationId xmlns:a16="http://schemas.microsoft.com/office/drawing/2014/main" id="{39C6C7B4-15F0-A282-6EC5-0BAAEDB155F7}"/>
-              </a:ext>
-            </a:extLst>
-          </p:cNvPr>
+          <p:cNvPr id="4" name="Date Placeholder 3"/>
           <p:cNvSpPr>
             <a:spLocks noGrp="1"/>
           </p:cNvSpPr>
@@ -1126,14 +1348,19 @@
             <p:ph type="dt" sz="half" idx="10"/>
           </p:nvPr>
         </p:nvSpPr>
-        <p:spPr/>
+        <p:spPr>
+          <a:xfrm>
+            <a:off x="8593667" y="6272784"/>
+            <a:ext cx="2644309" cy="365125"/>
+          </a:xfrm>
+        </p:spPr>
         <p:txBody>
           <a:bodyPr/>
           <a:lstStyle/>
           <a:p>
             <a:fld id="{6AEF6AE5-874E-463D-BCB4-1779E90BCAF3}" type="datetimeFigureOut">
               <a:rPr lang="zh-TW" altLang="en-US" smtClean="0"/>
-              <a:t>2022/6/30</a:t>
+              <a:t>2022/7/26</a:t>
             </a:fld>
             <a:endParaRPr lang="zh-TW" altLang="en-US"/>
           </a:p>
@@ -1141,13 +1368,7 @@
       </p:sp>
       <p:sp>
         <p:nvSpPr>
-          <p:cNvPr id="5" name="頁尾版面配置區 4">
-            <a:extLst>
-              <a:ext uri="{FF2B5EF4-FFF2-40B4-BE49-F238E27FC236}">
-                <a16:creationId xmlns:a16="http://schemas.microsoft.com/office/drawing/2014/main" id="{59896CB8-1740-57A8-0593-4B90D73D6E9D}"/>
-              </a:ext>
-            </a:extLst>
-          </p:cNvPr>
+          <p:cNvPr id="5" name="Footer Placeholder 4"/>
           <p:cNvSpPr>
             <a:spLocks noGrp="1"/>
           </p:cNvSpPr>
@@ -1155,7 +1376,12 @@
             <p:ph type="ftr" sz="quarter" idx="11"/>
           </p:nvPr>
         </p:nvSpPr>
-        <p:spPr/>
+        <p:spPr>
+          <a:xfrm>
+            <a:off x="2182708" y="6272784"/>
+            <a:ext cx="6327648" cy="365125"/>
+          </a:xfrm>
+        </p:spPr>
         <p:txBody>
           <a:bodyPr/>
           <a:lstStyle/>
@@ -1164,15 +1390,93 @@
           </a:p>
         </p:txBody>
       </p:sp>
-      <p:sp>
-        <p:nvSpPr>
-          <p:cNvPr id="6" name="投影片編號版面配置區 5">
-            <a:extLst>
-              <a:ext uri="{FF2B5EF4-FFF2-40B4-BE49-F238E27FC236}">
-                <a16:creationId xmlns:a16="http://schemas.microsoft.com/office/drawing/2014/main" id="{7ED642B5-E3F5-EACA-876B-946A91DE1A75}"/>
-              </a:ext>
-            </a:extLst>
-          </p:cNvPr>
+      <p:grpSp>
+        <p:nvGrpSpPr>
+          <p:cNvPr id="8" name="Group 7"/>
+          <p:cNvGrpSpPr/>
+          <p:nvPr/>
+        </p:nvGrpSpPr>
+        <p:grpSpPr>
+          <a:xfrm>
+            <a:off x="897399" y="2325848"/>
+            <a:ext cx="1080904" cy="1080902"/>
+            <a:chOff x="9685338" y="4460675"/>
+            <a:chExt cx="1080904" cy="1080902"/>
+          </a:xfrm>
+        </p:grpSpPr>
+        <p:sp>
+          <p:nvSpPr>
+            <p:cNvPr id="9" name="Oval 8"/>
+            <p:cNvSpPr/>
+            <p:nvPr/>
+          </p:nvSpPr>
+          <p:spPr>
+            <a:xfrm>
+              <a:off x="9685338" y="4460675"/>
+              <a:ext cx="1080904" cy="1080902"/>
+            </a:xfrm>
+            <a:prstGeom prst="ellipse">
+              <a:avLst/>
+            </a:prstGeom>
+            <a:blipFill dpi="0" rotWithShape="1">
+              <a:blip r:embed="rId4">
+                <a:duotone>
+                  <a:schemeClr val="accent1">
+                    <a:shade val="45000"/>
+                    <a:satMod val="135000"/>
+                  </a:schemeClr>
+                  <a:prstClr val="white"/>
+                </a:duotone>
+                <a:extLst>
+                  <a:ext uri="{BEBA8EAE-BF5A-486C-A8C5-ECC9F3942E4B}">
+                    <a14:imgProps xmlns:a14="http://schemas.microsoft.com/office/drawing/2010/main">
+                      <a14:imgLayer r:embed="rId5">
+                        <a14:imgEffect>
+                          <a14:saturation sat="95000"/>
+                        </a14:imgEffect>
+                      </a14:imgLayer>
+                    </a14:imgProps>
+                  </a:ext>
+                </a:extLst>
+              </a:blip>
+              <a:srcRect/>
+              <a:tile tx="0" ty="0" sx="85000" sy="85000" flip="none" algn="tl"/>
+            </a:blipFill>
+            <a:ln w="25400" cap="flat" cmpd="sng" algn="ctr">
+              <a:noFill/>
+              <a:prstDash val="solid"/>
+            </a:ln>
+            <a:effectLst/>
+          </p:spPr>
+        </p:sp>
+        <p:sp>
+          <p:nvSpPr>
+            <p:cNvPr id="10" name="Oval 9"/>
+            <p:cNvSpPr/>
+            <p:nvPr/>
+          </p:nvSpPr>
+          <p:spPr>
+            <a:xfrm>
+              <a:off x="9793429" y="4568765"/>
+              <a:ext cx="864723" cy="864722"/>
+            </a:xfrm>
+            <a:prstGeom prst="ellipse">
+              <a:avLst/>
+            </a:prstGeom>
+            <a:noFill/>
+            <a:ln w="25400" cap="flat" cmpd="sng" algn="ctr">
+              <a:solidFill>
+                <a:sysClr val="window" lastClr="FFFFFF"/>
+              </a:solidFill>
+              <a:prstDash val="solid"/>
+            </a:ln>
+            <a:effectLst/>
+          </p:spPr>
+        </p:sp>
+      </p:grpSp>
+      <p:sp>
+        <p:nvSpPr>
+          <p:cNvPr id="6" name="Slide Number Placeholder 5"/>
           <p:cNvSpPr>
             <a:spLocks noGrp="1"/>
           </p:cNvSpPr>
@@ -1180,10 +1484,19 @@
             <p:ph type="sldNum" sz="quarter" idx="12"/>
           </p:nvPr>
         </p:nvSpPr>
-        <p:spPr/>
+        <p:spPr>
+          <a:xfrm>
+            <a:off x="843702" y="2506133"/>
+            <a:ext cx="1188298" cy="720332"/>
+          </a:xfrm>
+        </p:spPr>
         <p:txBody>
           <a:bodyPr/>
-          <a:lstStyle/>
+          <a:lstStyle>
+            <a:lvl1pPr>
+              <a:defRPr sz="2800"/>
+            </a:lvl1pPr>
+          </a:lstStyle>
           <a:p>
             <a:fld id="{22D5F4B7-2642-4453-B083-1EB76BA65C2F}" type="slidenum">
               <a:rPr lang="zh-TW" altLang="en-US" smtClean="0"/>
@@ -1196,7 +1509,7 @@
     </p:spTree>
     <p:extLst>
       <p:ext uri="{BB962C8B-B14F-4D97-AF65-F5344CB8AC3E}">
-        <p14:creationId xmlns:p14="http://schemas.microsoft.com/office/powerpoint/2010/main" val="645602043"/>
+        <p14:creationId xmlns:p14="http://schemas.microsoft.com/office/powerpoint/2010/main" val="3669438299"/>
       </p:ext>
     </p:extLst>
   </p:cSld>
@@ -1225,13 +1538,7 @@
       </p:grpSpPr>
       <p:sp>
         <p:nvSpPr>
-          <p:cNvPr id="2" name="標題 1">
-            <a:extLst>
-              <a:ext uri="{FF2B5EF4-FFF2-40B4-BE49-F238E27FC236}">
-                <a16:creationId xmlns:a16="http://schemas.microsoft.com/office/drawing/2014/main" id="{69014FFD-20F3-59EA-28EE-0CD0520B39F5}"/>
-              </a:ext>
-            </a:extLst>
-          </p:cNvPr>
+          <p:cNvPr id="2" name="Title 1"/>
           <p:cNvSpPr>
             <a:spLocks noGrp="1"/>
           </p:cNvSpPr>
@@ -1248,18 +1555,13 @@
               <a:rPr lang="zh-TW" altLang="en-US"/>
               <a:t>按一下以編輯母片標題樣式</a:t>
             </a:r>
-          </a:p>
-        </p:txBody>
-      </p:sp>
-      <p:sp>
-        <p:nvSpPr>
-          <p:cNvPr id="3" name="內容版面配置區 2">
-            <a:extLst>
-              <a:ext uri="{FF2B5EF4-FFF2-40B4-BE49-F238E27FC236}">
-                <a16:creationId xmlns:a16="http://schemas.microsoft.com/office/drawing/2014/main" id="{A603D0CE-02C2-D51C-A402-CC5D7E517306}"/>
-              </a:ext>
-            </a:extLst>
-          </p:cNvPr>
+            <a:endParaRPr lang="en-US" dirty="0"/>
+          </a:p>
+        </p:txBody>
+      </p:sp>
+      <p:sp>
+        <p:nvSpPr>
+          <p:cNvPr id="3" name="Content Placeholder 2"/>
           <p:cNvSpPr>
             <a:spLocks noGrp="1"/>
           </p:cNvSpPr>
@@ -1269,13 +1571,41 @@
         </p:nvSpPr>
         <p:spPr>
           <a:xfrm>
-            <a:off x="838200" y="1825625"/>
-            <a:ext cx="5181600" cy="4351338"/>
+            <a:off x="1069848" y="2194560"/>
+            <a:ext cx="4754880" cy="3977640"/>
           </a:xfrm>
         </p:spPr>
         <p:txBody>
           <a:bodyPr/>
-          <a:lstStyle/>
+          <a:lstStyle>
+            <a:lvl1pPr>
+              <a:defRPr sz="2000"/>
+            </a:lvl1pPr>
+            <a:lvl2pPr>
+              <a:defRPr sz="1800"/>
+            </a:lvl2pPr>
+            <a:lvl3pPr>
+              <a:defRPr sz="1600"/>
+            </a:lvl3pPr>
+            <a:lvl4pPr>
+              <a:defRPr sz="1600"/>
+            </a:lvl4pPr>
+            <a:lvl5pPr>
+              <a:defRPr sz="1600"/>
+            </a:lvl5pPr>
+            <a:lvl6pPr>
+              <a:defRPr sz="1600"/>
+            </a:lvl6pPr>
+            <a:lvl7pPr>
+              <a:defRPr sz="1600"/>
+            </a:lvl7pPr>
+            <a:lvl8pPr>
+              <a:defRPr sz="1600"/>
+            </a:lvl8pPr>
+            <a:lvl9pPr>
+              <a:defRPr sz="1600"/>
+            </a:lvl9pPr>
+          </a:lstStyle>
           <a:p>
             <a:pPr lvl="0"/>
             <a:r>
@@ -1310,18 +1640,13 @@
               <a:rPr lang="zh-TW" altLang="en-US"/>
               <a:t>第五層</a:t>
             </a:r>
-          </a:p>
-        </p:txBody>
-      </p:sp>
-      <p:sp>
-        <p:nvSpPr>
-          <p:cNvPr id="4" name="內容版面配置區 3">
-            <a:extLst>
-              <a:ext uri="{FF2B5EF4-FFF2-40B4-BE49-F238E27FC236}">
-                <a16:creationId xmlns:a16="http://schemas.microsoft.com/office/drawing/2014/main" id="{557CA2A3-F977-AFF5-5C0C-AF347DE23808}"/>
-              </a:ext>
-            </a:extLst>
-          </p:cNvPr>
+            <a:endParaRPr lang="en-US" dirty="0"/>
+          </a:p>
+        </p:txBody>
+      </p:sp>
+      <p:sp>
+        <p:nvSpPr>
+          <p:cNvPr id="4" name="Content Placeholder 3"/>
           <p:cNvSpPr>
             <a:spLocks noGrp="1"/>
           </p:cNvSpPr>
@@ -1331,13 +1656,41 @@
         </p:nvSpPr>
         <p:spPr>
           <a:xfrm>
-            <a:off x="6172200" y="1825625"/>
-            <a:ext cx="5181600" cy="4351338"/>
+            <a:off x="6364224" y="2194560"/>
+            <a:ext cx="4754880" cy="3977640"/>
           </a:xfrm>
         </p:spPr>
         <p:txBody>
           <a:bodyPr/>
-          <a:lstStyle/>
+          <a:lstStyle>
+            <a:lvl1pPr>
+              <a:defRPr sz="2000"/>
+            </a:lvl1pPr>
+            <a:lvl2pPr>
+              <a:defRPr sz="1800"/>
+            </a:lvl2pPr>
+            <a:lvl3pPr>
+              <a:defRPr sz="1600"/>
+            </a:lvl3pPr>
+            <a:lvl4pPr>
+              <a:defRPr sz="1600"/>
+            </a:lvl4pPr>
+            <a:lvl5pPr>
+              <a:defRPr sz="1600"/>
+            </a:lvl5pPr>
+            <a:lvl6pPr>
+              <a:defRPr sz="1600"/>
+            </a:lvl6pPr>
+            <a:lvl7pPr>
+              <a:defRPr sz="1600"/>
+            </a:lvl7pPr>
+            <a:lvl8pPr>
+              <a:defRPr sz="1600"/>
+            </a:lvl8pPr>
+            <a:lvl9pPr>
+              <a:defRPr sz="1600"/>
+            </a:lvl9pPr>
+          </a:lstStyle>
           <a:p>
             <a:pPr lvl="0"/>
             <a:r>
@@ -1372,18 +1725,13 @@
               <a:rPr lang="zh-TW" altLang="en-US"/>
               <a:t>第五層</a:t>
             </a:r>
-          </a:p>
-        </p:txBody>
-      </p:sp>
-      <p:sp>
-        <p:nvSpPr>
-          <p:cNvPr id="5" name="日期版面配置區 4">
-            <a:extLst>
-              <a:ext uri="{FF2B5EF4-FFF2-40B4-BE49-F238E27FC236}">
-                <a16:creationId xmlns:a16="http://schemas.microsoft.com/office/drawing/2014/main" id="{540A8BD3-2E19-C686-B8CB-9F2BCADD04E9}"/>
-              </a:ext>
-            </a:extLst>
-          </p:cNvPr>
+            <a:endParaRPr lang="en-US" dirty="0"/>
+          </a:p>
+        </p:txBody>
+      </p:sp>
+      <p:sp>
+        <p:nvSpPr>
+          <p:cNvPr id="5" name="Date Placeholder 4"/>
           <p:cNvSpPr>
             <a:spLocks noGrp="1"/>
           </p:cNvSpPr>
@@ -1398,7 +1746,7 @@
           <a:p>
             <a:fld id="{6AEF6AE5-874E-463D-BCB4-1779E90BCAF3}" type="datetimeFigureOut">
               <a:rPr lang="zh-TW" altLang="en-US" smtClean="0"/>
-              <a:t>2022/6/30</a:t>
+              <a:t>2022/7/26</a:t>
             </a:fld>
             <a:endParaRPr lang="zh-TW" altLang="en-US"/>
           </a:p>
@@ -1406,13 +1754,7 @@
       </p:sp>
       <p:sp>
         <p:nvSpPr>
-          <p:cNvPr id="6" name="頁尾版面配置區 5">
-            <a:extLst>
-              <a:ext uri="{FF2B5EF4-FFF2-40B4-BE49-F238E27FC236}">
-                <a16:creationId xmlns:a16="http://schemas.microsoft.com/office/drawing/2014/main" id="{26E8A4F5-211F-19D2-2A71-B3FD1541386B}"/>
-              </a:ext>
-            </a:extLst>
-          </p:cNvPr>
+          <p:cNvPr id="6" name="Footer Placeholder 5"/>
           <p:cNvSpPr>
             <a:spLocks noGrp="1"/>
           </p:cNvSpPr>
@@ -1431,13 +1773,7 @@
       </p:sp>
       <p:sp>
         <p:nvSpPr>
-          <p:cNvPr id="7" name="投影片編號版面配置區 6">
-            <a:extLst>
-              <a:ext uri="{FF2B5EF4-FFF2-40B4-BE49-F238E27FC236}">
-                <a16:creationId xmlns:a16="http://schemas.microsoft.com/office/drawing/2014/main" id="{F904B66C-D0D3-65F7-409B-A4AA6B25FF51}"/>
-              </a:ext>
-            </a:extLst>
-          </p:cNvPr>
+          <p:cNvPr id="7" name="Slide Number Placeholder 6"/>
           <p:cNvSpPr>
             <a:spLocks noGrp="1"/>
           </p:cNvSpPr>
@@ -1461,7 +1797,7 @@
     </p:spTree>
     <p:extLst>
       <p:ext uri="{BB962C8B-B14F-4D97-AF65-F5344CB8AC3E}">
-        <p14:creationId xmlns:p14="http://schemas.microsoft.com/office/powerpoint/2010/main" val="1611558523"/>
+        <p14:creationId xmlns:p14="http://schemas.microsoft.com/office/powerpoint/2010/main" val="2616297597"/>
       </p:ext>
     </p:extLst>
   </p:cSld>
@@ -1490,65 +1826,57 @@
       </p:grpSpPr>
       <p:sp>
         <p:nvSpPr>
-          <p:cNvPr id="2" name="標題 1">
-            <a:extLst>
-              <a:ext uri="{FF2B5EF4-FFF2-40B4-BE49-F238E27FC236}">
-                <a16:creationId xmlns:a16="http://schemas.microsoft.com/office/drawing/2014/main" id="{0080F252-4A2A-EDD1-EE7F-3DFAABD86245}"/>
-              </a:ext>
-            </a:extLst>
-          </p:cNvPr>
+          <p:cNvPr id="10" name="Title 9"/>
           <p:cNvSpPr>
             <a:spLocks noGrp="1"/>
           </p:cNvSpPr>
           <p:nvPr>
             <p:ph type="title"/>
+          </p:nvPr>
+        </p:nvSpPr>
+        <p:spPr/>
+        <p:txBody>
+          <a:bodyPr/>
+          <a:lstStyle/>
+          <a:p>
+            <a:r>
+              <a:rPr lang="zh-TW" altLang="en-US"/>
+              <a:t>按一下以編輯母片標題樣式</a:t>
+            </a:r>
+            <a:endParaRPr lang="en-US" dirty="0"/>
+          </a:p>
+        </p:txBody>
+      </p:sp>
+      <p:sp>
+        <p:nvSpPr>
+          <p:cNvPr id="3" name="Text Placeholder 2"/>
+          <p:cNvSpPr>
+            <a:spLocks noGrp="1"/>
+          </p:cNvSpPr>
+          <p:nvPr>
+            <p:ph type="body" idx="1"/>
           </p:nvPr>
         </p:nvSpPr>
         <p:spPr>
           <a:xfrm>
-            <a:off x="839788" y="365125"/>
-            <a:ext cx="10515600" cy="1325563"/>
+            <a:off x="1066800" y="2048256"/>
+            <a:ext cx="4754880" cy="640080"/>
           </a:xfrm>
         </p:spPr>
         <p:txBody>
-          <a:bodyPr/>
-          <a:lstStyle/>
-          <a:p>
-            <a:r>
-              <a:rPr lang="zh-TW" altLang="en-US"/>
-              <a:t>按一下以編輯母片標題樣式</a:t>
-            </a:r>
-          </a:p>
-        </p:txBody>
-      </p:sp>
-      <p:sp>
-        <p:nvSpPr>
-          <p:cNvPr id="3" name="文字版面配置區 2">
-            <a:extLst>
-              <a:ext uri="{FF2B5EF4-FFF2-40B4-BE49-F238E27FC236}">
-                <a16:creationId xmlns:a16="http://schemas.microsoft.com/office/drawing/2014/main" id="{2FDE81E9-9D08-BBDC-AA6C-74D94C9D9F36}"/>
-              </a:ext>
-            </a:extLst>
-          </p:cNvPr>
-          <p:cNvSpPr>
-            <a:spLocks noGrp="1"/>
-          </p:cNvSpPr>
-          <p:nvPr>
-            <p:ph type="body" idx="1"/>
-          </p:nvPr>
-        </p:nvSpPr>
-        <p:spPr>
-          <a:xfrm>
-            <a:off x="839788" y="1681163"/>
-            <a:ext cx="5157787" cy="823912"/>
-          </a:xfrm>
-        </p:spPr>
-        <p:txBody>
-          <a:bodyPr anchor="b"/>
+          <a:bodyPr anchor="ctr">
+            <a:normAutofit/>
+          </a:bodyPr>
           <a:lstStyle>
             <a:lvl1pPr marL="0" indent="0">
               <a:buNone/>
-              <a:defRPr sz="2400" b="1"/>
+              <a:defRPr sz="2000" b="1">
+                <a:solidFill>
+                  <a:schemeClr val="accent1">
+                    <a:lumMod val="75000"/>
+                  </a:schemeClr>
+                </a:solidFill>
+              </a:defRPr>
             </a:lvl1pPr>
             <a:lvl2pPr marL="457200" indent="0">
               <a:buNone/>
@@ -1594,13 +1922,7 @@
       </p:sp>
       <p:sp>
         <p:nvSpPr>
-          <p:cNvPr id="4" name="內容版面配置區 3">
-            <a:extLst>
-              <a:ext uri="{FF2B5EF4-FFF2-40B4-BE49-F238E27FC236}">
-                <a16:creationId xmlns:a16="http://schemas.microsoft.com/office/drawing/2014/main" id="{F21D9E5F-8D8C-62DB-1056-6264388522AD}"/>
-              </a:ext>
-            </a:extLst>
-          </p:cNvPr>
+          <p:cNvPr id="4" name="Content Placeholder 3"/>
           <p:cNvSpPr>
             <a:spLocks noGrp="1"/>
           </p:cNvSpPr>
@@ -1610,13 +1932,41 @@
         </p:nvSpPr>
         <p:spPr>
           <a:xfrm>
-            <a:off x="839788" y="2505075"/>
-            <a:ext cx="5157787" cy="3684588"/>
+            <a:off x="1069848" y="2743200"/>
+            <a:ext cx="4754880" cy="3291840"/>
           </a:xfrm>
         </p:spPr>
         <p:txBody>
           <a:bodyPr/>
-          <a:lstStyle/>
+          <a:lstStyle>
+            <a:lvl1pPr>
+              <a:defRPr sz="2000"/>
+            </a:lvl1pPr>
+            <a:lvl2pPr>
+              <a:defRPr sz="1800"/>
+            </a:lvl2pPr>
+            <a:lvl3pPr>
+              <a:defRPr sz="1600"/>
+            </a:lvl3pPr>
+            <a:lvl4pPr>
+              <a:defRPr sz="1600"/>
+            </a:lvl4pPr>
+            <a:lvl5pPr>
+              <a:defRPr sz="1600"/>
+            </a:lvl5pPr>
+            <a:lvl6pPr>
+              <a:defRPr sz="1600"/>
+            </a:lvl6pPr>
+            <a:lvl7pPr>
+              <a:defRPr sz="1600"/>
+            </a:lvl7pPr>
+            <a:lvl8pPr>
+              <a:defRPr sz="1600"/>
+            </a:lvl8pPr>
+            <a:lvl9pPr>
+              <a:defRPr sz="1600"/>
+            </a:lvl9pPr>
+          </a:lstStyle>
           <a:p>
             <a:pPr lvl="0"/>
             <a:r>
@@ -1651,18 +2001,13 @@
               <a:rPr lang="zh-TW" altLang="en-US"/>
               <a:t>第五層</a:t>
             </a:r>
-          </a:p>
-        </p:txBody>
-      </p:sp>
-      <p:sp>
-        <p:nvSpPr>
-          <p:cNvPr id="5" name="文字版面配置區 4">
-            <a:extLst>
-              <a:ext uri="{FF2B5EF4-FFF2-40B4-BE49-F238E27FC236}">
-                <a16:creationId xmlns:a16="http://schemas.microsoft.com/office/drawing/2014/main" id="{E97277A8-436C-7AA8-1C90-DED3D9F9EA20}"/>
-              </a:ext>
-            </a:extLst>
-          </p:cNvPr>
+            <a:endParaRPr lang="en-US" dirty="0"/>
+          </a:p>
+        </p:txBody>
+      </p:sp>
+      <p:sp>
+        <p:nvSpPr>
+          <p:cNvPr id="5" name="Text Placeholder 4"/>
           <p:cNvSpPr>
             <a:spLocks noGrp="1"/>
           </p:cNvSpPr>
@@ -1672,16 +2017,24 @@
         </p:nvSpPr>
         <p:spPr>
           <a:xfrm>
-            <a:off x="6172200" y="1681163"/>
-            <a:ext cx="5183188" cy="823912"/>
+            <a:off x="6364224" y="2048256"/>
+            <a:ext cx="4754880" cy="640080"/>
           </a:xfrm>
         </p:spPr>
         <p:txBody>
-          <a:bodyPr anchor="b"/>
+          <a:bodyPr anchor="ctr">
+            <a:normAutofit/>
+          </a:bodyPr>
           <a:lstStyle>
             <a:lvl1pPr marL="0" indent="0">
               <a:buNone/>
-              <a:defRPr sz="2400" b="1"/>
+              <a:defRPr sz="2000" b="1">
+                <a:solidFill>
+                  <a:schemeClr val="accent1">
+                    <a:lumMod val="75000"/>
+                  </a:schemeClr>
+                </a:solidFill>
+              </a:defRPr>
             </a:lvl1pPr>
             <a:lvl2pPr marL="457200" indent="0">
               <a:buNone/>
@@ -1727,13 +2080,7 @@
       </p:sp>
       <p:sp>
         <p:nvSpPr>
-          <p:cNvPr id="6" name="內容版面配置區 5">
-            <a:extLst>
-              <a:ext uri="{FF2B5EF4-FFF2-40B4-BE49-F238E27FC236}">
-                <a16:creationId xmlns:a16="http://schemas.microsoft.com/office/drawing/2014/main" id="{093B4622-EE98-5E19-3920-DE18A2C70F9A}"/>
-              </a:ext>
-            </a:extLst>
-          </p:cNvPr>
+          <p:cNvPr id="6" name="Content Placeholder 5"/>
           <p:cNvSpPr>
             <a:spLocks noGrp="1"/>
           </p:cNvSpPr>
@@ -1743,13 +2090,41 @@
         </p:nvSpPr>
         <p:spPr>
           <a:xfrm>
-            <a:off x="6172200" y="2505075"/>
-            <a:ext cx="5183188" cy="3684588"/>
+            <a:off x="6364224" y="2743200"/>
+            <a:ext cx="4754880" cy="3291840"/>
           </a:xfrm>
         </p:spPr>
         <p:txBody>
           <a:bodyPr/>
-          <a:lstStyle/>
+          <a:lstStyle>
+            <a:lvl1pPr>
+              <a:defRPr sz="2000"/>
+            </a:lvl1pPr>
+            <a:lvl2pPr>
+              <a:defRPr sz="1800"/>
+            </a:lvl2pPr>
+            <a:lvl3pPr>
+              <a:defRPr sz="1600"/>
+            </a:lvl3pPr>
+            <a:lvl4pPr>
+              <a:defRPr sz="1600"/>
+            </a:lvl4pPr>
+            <a:lvl5pPr>
+              <a:defRPr sz="1600"/>
+            </a:lvl5pPr>
+            <a:lvl6pPr>
+              <a:defRPr sz="1600"/>
+            </a:lvl6pPr>
+            <a:lvl7pPr>
+              <a:defRPr sz="1600"/>
+            </a:lvl7pPr>
+            <a:lvl8pPr>
+              <a:defRPr sz="1600"/>
+            </a:lvl8pPr>
+            <a:lvl9pPr>
+              <a:defRPr sz="1600"/>
+            </a:lvl9pPr>
+          </a:lstStyle>
           <a:p>
             <a:pPr lvl="0"/>
             <a:r>
@@ -1784,18 +2159,13 @@
               <a:rPr lang="zh-TW" altLang="en-US"/>
               <a:t>第五層</a:t>
             </a:r>
-          </a:p>
-        </p:txBody>
-      </p:sp>
-      <p:sp>
-        <p:nvSpPr>
-          <p:cNvPr id="7" name="日期版面配置區 6">
-            <a:extLst>
-              <a:ext uri="{FF2B5EF4-FFF2-40B4-BE49-F238E27FC236}">
-                <a16:creationId xmlns:a16="http://schemas.microsoft.com/office/drawing/2014/main" id="{61A2500B-466B-204C-0359-E87AFE71CAD9}"/>
-              </a:ext>
-            </a:extLst>
-          </p:cNvPr>
+            <a:endParaRPr lang="en-US" dirty="0"/>
+          </a:p>
+        </p:txBody>
+      </p:sp>
+      <p:sp>
+        <p:nvSpPr>
+          <p:cNvPr id="7" name="Date Placeholder 6"/>
           <p:cNvSpPr>
             <a:spLocks noGrp="1"/>
           </p:cNvSpPr>
@@ -1810,7 +2180,7 @@
           <a:p>
             <a:fld id="{6AEF6AE5-874E-463D-BCB4-1779E90BCAF3}" type="datetimeFigureOut">
               <a:rPr lang="zh-TW" altLang="en-US" smtClean="0"/>
-              <a:t>2022/6/30</a:t>
+              <a:t>2022/7/26</a:t>
             </a:fld>
             <a:endParaRPr lang="zh-TW" altLang="en-US"/>
           </a:p>
@@ -1818,13 +2188,7 @@
       </p:sp>
       <p:sp>
         <p:nvSpPr>
-          <p:cNvPr id="8" name="頁尾版面配置區 7">
-            <a:extLst>
-              <a:ext uri="{FF2B5EF4-FFF2-40B4-BE49-F238E27FC236}">
-                <a16:creationId xmlns:a16="http://schemas.microsoft.com/office/drawing/2014/main" id="{A22CB4B1-8D56-7404-2A21-6D1C5CA44E97}"/>
-              </a:ext>
-            </a:extLst>
-          </p:cNvPr>
+          <p:cNvPr id="8" name="Footer Placeholder 7"/>
           <p:cNvSpPr>
             <a:spLocks noGrp="1"/>
           </p:cNvSpPr>
@@ -1843,13 +2207,7 @@
       </p:sp>
       <p:sp>
         <p:nvSpPr>
-          <p:cNvPr id="9" name="投影片編號版面配置區 8">
-            <a:extLst>
-              <a:ext uri="{FF2B5EF4-FFF2-40B4-BE49-F238E27FC236}">
-                <a16:creationId xmlns:a16="http://schemas.microsoft.com/office/drawing/2014/main" id="{FDAE3D5E-BF46-BBF1-B63E-095565622EA0}"/>
-              </a:ext>
-            </a:extLst>
-          </p:cNvPr>
+          <p:cNvPr id="9" name="Slide Number Placeholder 8"/>
           <p:cNvSpPr>
             <a:spLocks noGrp="1"/>
           </p:cNvSpPr>
@@ -1873,7 +2231,7 @@
     </p:spTree>
     <p:extLst>
       <p:ext uri="{BB962C8B-B14F-4D97-AF65-F5344CB8AC3E}">
-        <p14:creationId xmlns:p14="http://schemas.microsoft.com/office/powerpoint/2010/main" val="2326837205"/>
+        <p14:creationId xmlns:p14="http://schemas.microsoft.com/office/powerpoint/2010/main" val="3234797835"/>
       </p:ext>
     </p:extLst>
   </p:cSld>
@@ -1902,13 +2260,7 @@
       </p:grpSpPr>
       <p:sp>
         <p:nvSpPr>
-          <p:cNvPr id="2" name="標題 1">
-            <a:extLst>
-              <a:ext uri="{FF2B5EF4-FFF2-40B4-BE49-F238E27FC236}">
-                <a16:creationId xmlns:a16="http://schemas.microsoft.com/office/drawing/2014/main" id="{55A2DCD7-760A-EF32-8AED-B3AD0D0C73DA}"/>
-              </a:ext>
-            </a:extLst>
-          </p:cNvPr>
+          <p:cNvPr id="6" name="Title 5"/>
           <p:cNvSpPr>
             <a:spLocks noGrp="1"/>
           </p:cNvSpPr>
@@ -1925,18 +2277,13 @@
               <a:rPr lang="zh-TW" altLang="en-US"/>
               <a:t>按一下以編輯母片標題樣式</a:t>
             </a:r>
-          </a:p>
-        </p:txBody>
-      </p:sp>
-      <p:sp>
-        <p:nvSpPr>
-          <p:cNvPr id="3" name="日期版面配置區 2">
-            <a:extLst>
-              <a:ext uri="{FF2B5EF4-FFF2-40B4-BE49-F238E27FC236}">
-                <a16:creationId xmlns:a16="http://schemas.microsoft.com/office/drawing/2014/main" id="{A7B66F9D-155C-48CB-1E48-B1BE56AC53E7}"/>
-              </a:ext>
-            </a:extLst>
-          </p:cNvPr>
+            <a:endParaRPr lang="en-US" dirty="0"/>
+          </a:p>
+        </p:txBody>
+      </p:sp>
+      <p:sp>
+        <p:nvSpPr>
+          <p:cNvPr id="3" name="Date Placeholder 2"/>
           <p:cNvSpPr>
             <a:spLocks noGrp="1"/>
           </p:cNvSpPr>
@@ -1951,7 +2298,7 @@
           <a:p>
             <a:fld id="{6AEF6AE5-874E-463D-BCB4-1779E90BCAF3}" type="datetimeFigureOut">
               <a:rPr lang="zh-TW" altLang="en-US" smtClean="0"/>
-              <a:t>2022/6/30</a:t>
+              <a:t>2022/7/26</a:t>
             </a:fld>
             <a:endParaRPr lang="zh-TW" altLang="en-US"/>
           </a:p>
@@ -1959,13 +2306,7 @@
       </p:sp>
       <p:sp>
         <p:nvSpPr>
-          <p:cNvPr id="4" name="頁尾版面配置區 3">
-            <a:extLst>
-              <a:ext uri="{FF2B5EF4-FFF2-40B4-BE49-F238E27FC236}">
-                <a16:creationId xmlns:a16="http://schemas.microsoft.com/office/drawing/2014/main" id="{DB9893EC-DE2D-73F8-92B7-82F628FCB831}"/>
-              </a:ext>
-            </a:extLst>
-          </p:cNvPr>
+          <p:cNvPr id="4" name="Footer Placeholder 3"/>
           <p:cNvSpPr>
             <a:spLocks noGrp="1"/>
           </p:cNvSpPr>
@@ -1984,13 +2325,7 @@
       </p:sp>
       <p:sp>
         <p:nvSpPr>
-          <p:cNvPr id="5" name="投影片編號版面配置區 4">
-            <a:extLst>
-              <a:ext uri="{FF2B5EF4-FFF2-40B4-BE49-F238E27FC236}">
-                <a16:creationId xmlns:a16="http://schemas.microsoft.com/office/drawing/2014/main" id="{499F7B26-12DD-DCD3-4D3A-D8F91302E97B}"/>
-              </a:ext>
-            </a:extLst>
-          </p:cNvPr>
+          <p:cNvPr id="5" name="Slide Number Placeholder 4"/>
           <p:cNvSpPr>
             <a:spLocks noGrp="1"/>
           </p:cNvSpPr>
@@ -2014,7 +2349,7 @@
     </p:spTree>
     <p:extLst>
       <p:ext uri="{BB962C8B-B14F-4D97-AF65-F5344CB8AC3E}">
-        <p14:creationId xmlns:p14="http://schemas.microsoft.com/office/powerpoint/2010/main" val="367087869"/>
+        <p14:creationId xmlns:p14="http://schemas.microsoft.com/office/powerpoint/2010/main" val="2087360305"/>
       </p:ext>
     </p:extLst>
   </p:cSld>
@@ -2043,13 +2378,7 @@
       </p:grpSpPr>
       <p:sp>
         <p:nvSpPr>
-          <p:cNvPr id="2" name="日期版面配置區 1">
-            <a:extLst>
-              <a:ext uri="{FF2B5EF4-FFF2-40B4-BE49-F238E27FC236}">
-                <a16:creationId xmlns:a16="http://schemas.microsoft.com/office/drawing/2014/main" id="{836C287C-65A2-3CB8-68CD-27D4F654F243}"/>
-              </a:ext>
-            </a:extLst>
-          </p:cNvPr>
+          <p:cNvPr id="2" name="Date Placeholder 1"/>
           <p:cNvSpPr>
             <a:spLocks noGrp="1"/>
           </p:cNvSpPr>
@@ -2064,7 +2393,7 @@
           <a:p>
             <a:fld id="{6AEF6AE5-874E-463D-BCB4-1779E90BCAF3}" type="datetimeFigureOut">
               <a:rPr lang="zh-TW" altLang="en-US" smtClean="0"/>
-              <a:t>2022/6/30</a:t>
+              <a:t>2022/7/26</a:t>
             </a:fld>
             <a:endParaRPr lang="zh-TW" altLang="en-US"/>
           </a:p>
@@ -2072,13 +2401,7 @@
       </p:sp>
       <p:sp>
         <p:nvSpPr>
-          <p:cNvPr id="3" name="頁尾版面配置區 2">
-            <a:extLst>
-              <a:ext uri="{FF2B5EF4-FFF2-40B4-BE49-F238E27FC236}">
-                <a16:creationId xmlns:a16="http://schemas.microsoft.com/office/drawing/2014/main" id="{0AA89E15-D949-77E3-D4D0-548F6AFD891F}"/>
-              </a:ext>
-            </a:extLst>
-          </p:cNvPr>
+          <p:cNvPr id="3" name="Footer Placeholder 2"/>
           <p:cNvSpPr>
             <a:spLocks noGrp="1"/>
           </p:cNvSpPr>
@@ -2097,13 +2420,7 @@
       </p:sp>
       <p:sp>
         <p:nvSpPr>
-          <p:cNvPr id="4" name="投影片編號版面配置區 3">
-            <a:extLst>
-              <a:ext uri="{FF2B5EF4-FFF2-40B4-BE49-F238E27FC236}">
-                <a16:creationId xmlns:a16="http://schemas.microsoft.com/office/drawing/2014/main" id="{3E32933C-3067-2EEB-3D5F-FBEB452F1BCC}"/>
-              </a:ext>
-            </a:extLst>
-          </p:cNvPr>
+          <p:cNvPr id="4" name="Slide Number Placeholder 3"/>
           <p:cNvSpPr>
             <a:spLocks noGrp="1"/>
           </p:cNvSpPr>
@@ -2127,7 +2444,7 @@
     </p:spTree>
     <p:extLst>
       <p:ext uri="{BB962C8B-B14F-4D97-AF65-F5344CB8AC3E}">
-        <p14:creationId xmlns:p14="http://schemas.microsoft.com/office/powerpoint/2010/main" val="1925773527"/>
+        <p14:creationId xmlns:p14="http://schemas.microsoft.com/office/powerpoint/2010/main" val="3215917641"/>
       </p:ext>
     </p:extLst>
   </p:cSld>
@@ -2138,7 +2455,7 @@
 </file>
 
 <file path=ppt/slideLayouts/slideLayout8.xml><?xml version="1.0" encoding="utf-8"?>
-<p:sldLayout xmlns:a="http://schemas.openxmlformats.org/drawingml/2006/main" xmlns:r="http://schemas.openxmlformats.org/officeDocument/2006/relationships" xmlns:p="http://schemas.openxmlformats.org/presentationml/2006/main" type="objTx" preserve="1">
+<p:sldLayout xmlns:a="http://schemas.openxmlformats.org/drawingml/2006/main" xmlns:r="http://schemas.openxmlformats.org/officeDocument/2006/relationships" xmlns:p="http://schemas.openxmlformats.org/presentationml/2006/main" showMasterSp="0" type="objTx" preserve="1">
   <p:cSld name="含輔助字幕的內容">
     <p:spTree>
       <p:nvGrpSpPr>
@@ -2156,31 +2473,84 @@
       </p:grpSpPr>
       <p:sp>
         <p:nvSpPr>
-          <p:cNvPr id="2" name="標題 1">
-            <a:extLst>
-              <a:ext uri="{FF2B5EF4-FFF2-40B4-BE49-F238E27FC236}">
-                <a16:creationId xmlns:a16="http://schemas.microsoft.com/office/drawing/2014/main" id="{0B1B51F4-9BE8-E7AC-F6A5-5F1EB68CDC9E}"/>
-              </a:ext>
-            </a:extLst>
-          </p:cNvPr>
-          <p:cNvSpPr>
-            <a:spLocks noGrp="1"/>
-          </p:cNvSpPr>
-          <p:nvPr>
-            <p:ph type="title"/>
-          </p:nvPr>
+          <p:cNvPr id="8" name="Rectangle 7"/>
+          <p:cNvSpPr/>
+          <p:nvPr/>
         </p:nvSpPr>
         <p:spPr>
           <a:xfrm>
-            <a:off x="839788" y="457200"/>
-            <a:ext cx="3932237" cy="1600200"/>
+            <a:off x="8303740" y="0"/>
+            <a:ext cx="3888259" cy="6857999"/>
+          </a:xfrm>
+          <a:prstGeom prst="rect">
+            <a:avLst/>
+          </a:prstGeom>
+          <a:blipFill dpi="0" rotWithShape="1">
+            <a:blip r:embed="rId2">
+              <a:alphaModFix amt="60000"/>
+              <a:lum bright="70000" contrast="-70000"/>
+              <a:extLst>
+                <a:ext uri="{BEBA8EAE-BF5A-486C-A8C5-ECC9F3942E4B}">
+                  <a14:imgProps xmlns:a14="http://schemas.microsoft.com/office/drawing/2010/main">
+                    <a14:imgLayer r:embed="rId3">
+                      <a14:imgEffect>
+                        <a14:sharpenSoften amount="61000"/>
+                      </a14:imgEffect>
+                    </a14:imgLayer>
+                  </a14:imgProps>
+                </a:ext>
+                <a:ext uri="{28A0092B-C50C-407E-A947-70E740481C1C}">
+                  <a14:useLocalDpi xmlns:a14="http://schemas.microsoft.com/office/drawing/2010/main" val="0"/>
+                </a:ext>
+              </a:extLst>
+            </a:blip>
+            <a:srcRect/>
+            <a:tile tx="0" ty="-704850" sx="92000" sy="89000" flip="xy" algn="ctr"/>
+          </a:blipFill>
+          <a:ln>
+            <a:noFill/>
+          </a:ln>
+        </p:spPr>
+        <p:style>
+          <a:lnRef idx="2">
+            <a:schemeClr val="accent1">
+              <a:shade val="50000"/>
+            </a:schemeClr>
+          </a:lnRef>
+          <a:fillRef idx="1">
+            <a:schemeClr val="accent1"/>
+          </a:fillRef>
+          <a:effectRef idx="0">
+            <a:schemeClr val="accent1"/>
+          </a:effectRef>
+          <a:fontRef idx="minor">
+            <a:schemeClr val="lt1"/>
+          </a:fontRef>
+        </p:style>
+      </p:sp>
+      <p:sp>
+        <p:nvSpPr>
+          <p:cNvPr id="2" name="Title 1"/>
+          <p:cNvSpPr>
+            <a:spLocks noGrp="1"/>
+          </p:cNvSpPr>
+          <p:nvPr>
+            <p:ph type="title"/>
+          </p:nvPr>
+        </p:nvSpPr>
+        <p:spPr>
+          <a:xfrm>
+            <a:off x="8549640" y="685800"/>
+            <a:ext cx="3200400" cy="1737360"/>
           </a:xfrm>
         </p:spPr>
         <p:txBody>
-          <a:bodyPr anchor="b"/>
+          <a:bodyPr anchor="b">
+            <a:normAutofit/>
+          </a:bodyPr>
           <a:lstStyle>
             <a:lvl1pPr>
-              <a:defRPr sz="3200"/>
+              <a:defRPr sz="3200" b="1"/>
             </a:lvl1pPr>
           </a:lstStyle>
           <a:p>
@@ -2188,18 +2558,13 @@
               <a:rPr lang="zh-TW" altLang="en-US"/>
               <a:t>按一下以編輯母片標題樣式</a:t>
             </a:r>
-          </a:p>
-        </p:txBody>
-      </p:sp>
-      <p:sp>
-        <p:nvSpPr>
-          <p:cNvPr id="3" name="內容版面配置區 2">
-            <a:extLst>
-              <a:ext uri="{FF2B5EF4-FFF2-40B4-BE49-F238E27FC236}">
-                <a16:creationId xmlns:a16="http://schemas.microsoft.com/office/drawing/2014/main" id="{F4B3317C-0BC5-B350-2216-417DA15D95DD}"/>
-              </a:ext>
-            </a:extLst>
-          </p:cNvPr>
+            <a:endParaRPr lang="en-US" dirty="0"/>
+          </a:p>
+        </p:txBody>
+      </p:sp>
+      <p:sp>
+        <p:nvSpPr>
+          <p:cNvPr id="3" name="Content Placeholder 2"/>
           <p:cNvSpPr>
             <a:spLocks noGrp="1"/>
           </p:cNvSpPr>
@@ -2209,39 +2574,39 @@
         </p:nvSpPr>
         <p:spPr>
           <a:xfrm>
-            <a:off x="5183188" y="987425"/>
-            <a:ext cx="6172200" cy="4873625"/>
+            <a:off x="838200" y="685800"/>
+            <a:ext cx="6711696" cy="5020056"/>
           </a:xfrm>
         </p:spPr>
         <p:txBody>
           <a:bodyPr/>
           <a:lstStyle>
             <a:lvl1pPr>
-              <a:defRPr sz="3200"/>
+              <a:defRPr sz="2000"/>
             </a:lvl1pPr>
             <a:lvl2pPr>
-              <a:defRPr sz="2800"/>
+              <a:defRPr sz="1800"/>
             </a:lvl2pPr>
             <a:lvl3pPr>
-              <a:defRPr sz="2400"/>
+              <a:defRPr sz="1600"/>
             </a:lvl3pPr>
             <a:lvl4pPr>
-              <a:defRPr sz="2000"/>
+              <a:defRPr sz="1600"/>
             </a:lvl4pPr>
             <a:lvl5pPr>
-              <a:defRPr sz="2000"/>
+              <a:defRPr sz="1600"/>
             </a:lvl5pPr>
             <a:lvl6pPr>
-              <a:defRPr sz="2000"/>
+              <a:defRPr sz="1600"/>
             </a:lvl6pPr>
             <a:lvl7pPr>
-              <a:defRPr sz="2000"/>
+              <a:defRPr sz="1600"/>
             </a:lvl7pPr>
             <a:lvl8pPr>
-              <a:defRPr sz="2000"/>
+              <a:defRPr sz="1600"/>
             </a:lvl8pPr>
             <a:lvl9pPr>
-              <a:defRPr sz="2000"/>
+              <a:defRPr sz="1600"/>
             </a:lvl9pPr>
           </a:lstStyle>
           <a:p>
@@ -2278,18 +2643,13 @@
               <a:rPr lang="zh-TW" altLang="en-US"/>
               <a:t>第五層</a:t>
             </a:r>
-          </a:p>
-        </p:txBody>
-      </p:sp>
-      <p:sp>
-        <p:nvSpPr>
-          <p:cNvPr id="4" name="文字版面配置區 3">
-            <a:extLst>
-              <a:ext uri="{FF2B5EF4-FFF2-40B4-BE49-F238E27FC236}">
-                <a16:creationId xmlns:a16="http://schemas.microsoft.com/office/drawing/2014/main" id="{70E5E277-C902-372E-997C-D8D44E0E5127}"/>
-              </a:ext>
-            </a:extLst>
-          </p:cNvPr>
+            <a:endParaRPr lang="en-US" dirty="0"/>
+          </a:p>
+        </p:txBody>
+      </p:sp>
+      <p:sp>
+        <p:nvSpPr>
+          <p:cNvPr id="4" name="Text Placeholder 3"/>
           <p:cNvSpPr>
             <a:spLocks noGrp="1"/>
           </p:cNvSpPr>
@@ -2299,48 +2659,62 @@
         </p:nvSpPr>
         <p:spPr>
           <a:xfrm>
-            <a:off x="839788" y="2057400"/>
-            <a:ext cx="3932237" cy="3811588"/>
+            <a:off x="8549640" y="2423160"/>
+            <a:ext cx="3200400" cy="3291840"/>
           </a:xfrm>
         </p:spPr>
         <p:txBody>
-          <a:bodyPr/>
+          <a:bodyPr>
+            <a:normAutofit/>
+          </a:bodyPr>
           <a:lstStyle>
             <a:lvl1pPr marL="0" indent="0">
-              <a:buNone/>
-              <a:defRPr sz="1600"/>
+              <a:lnSpc>
+                <a:spcPct val="100000"/>
+              </a:lnSpc>
+              <a:spcBef>
+                <a:spcPts val="1000"/>
+              </a:spcBef>
+              <a:buNone/>
+              <a:defRPr sz="1400">
+                <a:solidFill>
+                  <a:schemeClr val="accent1">
+                    <a:lumMod val="75000"/>
+                  </a:schemeClr>
+                </a:solidFill>
+              </a:defRPr>
             </a:lvl1pPr>
             <a:lvl2pPr marL="457200" indent="0">
               <a:buNone/>
-              <a:defRPr sz="1400"/>
+              <a:defRPr sz="1200"/>
             </a:lvl2pPr>
             <a:lvl3pPr marL="914400" indent="0">
               <a:buNone/>
-              <a:defRPr sz="1200"/>
+              <a:defRPr sz="1000"/>
             </a:lvl3pPr>
             <a:lvl4pPr marL="1371600" indent="0">
               <a:buNone/>
-              <a:defRPr sz="1000"/>
+              <a:defRPr sz="900"/>
             </a:lvl4pPr>
             <a:lvl5pPr marL="1828800" indent="0">
               <a:buNone/>
-              <a:defRPr sz="1000"/>
+              <a:defRPr sz="900"/>
             </a:lvl5pPr>
             <a:lvl6pPr marL="2286000" indent="0">
               <a:buNone/>
-              <a:defRPr sz="1000"/>
+              <a:defRPr sz="900"/>
             </a:lvl6pPr>
             <a:lvl7pPr marL="2743200" indent="0">
               <a:buNone/>
-              <a:defRPr sz="1000"/>
+              <a:defRPr sz="900"/>
             </a:lvl7pPr>
             <a:lvl8pPr marL="3200400" indent="0">
               <a:buNone/>
-              <a:defRPr sz="1000"/>
+              <a:defRPr sz="900"/>
             </a:lvl8pPr>
             <a:lvl9pPr marL="3657600" indent="0">
               <a:buNone/>
-              <a:defRPr sz="1000"/>
+              <a:defRPr sz="900"/>
             </a:lvl9pPr>
           </a:lstStyle>
           <a:p>
@@ -2354,13 +2728,7 @@
       </p:sp>
       <p:sp>
         <p:nvSpPr>
-          <p:cNvPr id="5" name="日期版面配置區 4">
-            <a:extLst>
-              <a:ext uri="{FF2B5EF4-FFF2-40B4-BE49-F238E27FC236}">
-                <a16:creationId xmlns:a16="http://schemas.microsoft.com/office/drawing/2014/main" id="{56EDD7C9-C68B-0898-B5E7-2C5A02E29118}"/>
-              </a:ext>
-            </a:extLst>
-          </p:cNvPr>
+          <p:cNvPr id="5" name="Date Placeholder 4"/>
           <p:cNvSpPr>
             <a:spLocks noGrp="1"/>
           </p:cNvSpPr>
@@ -2375,7 +2743,7 @@
           <a:p>
             <a:fld id="{6AEF6AE5-874E-463D-BCB4-1779E90BCAF3}" type="datetimeFigureOut">
               <a:rPr lang="zh-TW" altLang="en-US" smtClean="0"/>
-              <a:t>2022/6/30</a:t>
+              <a:t>2022/7/26</a:t>
             </a:fld>
             <a:endParaRPr lang="zh-TW" altLang="en-US"/>
           </a:p>
@@ -2383,13 +2751,7 @@
       </p:sp>
       <p:sp>
         <p:nvSpPr>
-          <p:cNvPr id="6" name="頁尾版面配置區 5">
-            <a:extLst>
-              <a:ext uri="{FF2B5EF4-FFF2-40B4-BE49-F238E27FC236}">
-                <a16:creationId xmlns:a16="http://schemas.microsoft.com/office/drawing/2014/main" id="{D4317EE3-D891-5027-68CE-93248D14F211}"/>
-              </a:ext>
-            </a:extLst>
-          </p:cNvPr>
+          <p:cNvPr id="6" name="Footer Placeholder 5"/>
           <p:cNvSpPr>
             <a:spLocks noGrp="1"/>
           </p:cNvSpPr>
@@ -2406,15 +2768,98 @@
           </a:p>
         </p:txBody>
       </p:sp>
-      <p:sp>
-        <p:nvSpPr>
-          <p:cNvPr id="7" name="投影片編號版面配置區 6">
-            <a:extLst>
-              <a:ext uri="{FF2B5EF4-FFF2-40B4-BE49-F238E27FC236}">
-                <a16:creationId xmlns:a16="http://schemas.microsoft.com/office/drawing/2014/main" id="{5CE7D8F7-EA39-A15F-2BA0-234C89803714}"/>
-              </a:ext>
-            </a:extLst>
-          </p:cNvPr>
+      <p:grpSp>
+        <p:nvGrpSpPr>
+          <p:cNvPr id="9" name="Group 8"/>
+          <p:cNvGrpSpPr>
+            <a:grpSpLocks noChangeAspect="1"/>
+          </p:cNvGrpSpPr>
+          <p:nvPr/>
+        </p:nvGrpSpPr>
+        <p:grpSpPr>
+          <a:xfrm>
+            <a:off x="11401725" y="6229681"/>
+            <a:ext cx="457200" cy="457200"/>
+            <a:chOff x="11361456" y="6195813"/>
+            <a:chExt cx="548640" cy="548640"/>
+          </a:xfrm>
+        </p:grpSpPr>
+        <p:sp>
+          <p:nvSpPr>
+            <p:cNvPr id="10" name="Oval 9"/>
+            <p:cNvSpPr/>
+            <p:nvPr/>
+          </p:nvSpPr>
+          <p:spPr>
+            <a:xfrm>
+              <a:off x="11361456" y="6195813"/>
+              <a:ext cx="548640" cy="548640"/>
+            </a:xfrm>
+            <a:prstGeom prst="ellipse">
+              <a:avLst/>
+            </a:prstGeom>
+            <a:blipFill dpi="0" rotWithShape="1">
+              <a:blip r:embed="rId4">
+                <a:duotone>
+                  <a:schemeClr val="accent1">
+                    <a:shade val="45000"/>
+                    <a:satMod val="135000"/>
+                  </a:schemeClr>
+                  <a:prstClr val="white"/>
+                </a:duotone>
+                <a:extLst>
+                  <a:ext uri="{BEBA8EAE-BF5A-486C-A8C5-ECC9F3942E4B}">
+                    <a14:imgProps xmlns:a14="http://schemas.microsoft.com/office/drawing/2010/main">
+                      <a14:imgLayer r:embed="rId5">
+                        <a14:imgEffect>
+                          <a14:saturation sat="95000"/>
+                        </a14:imgEffect>
+                        <a14:imgEffect>
+                          <a14:brightnessContrast bright="-40000" contrast="20000"/>
+                        </a14:imgEffect>
+                      </a14:imgLayer>
+                    </a14:imgProps>
+                  </a:ext>
+                </a:extLst>
+              </a:blip>
+              <a:srcRect/>
+              <a:tile tx="50800" ty="0" sx="85000" sy="85000" flip="none" algn="tl"/>
+            </a:blipFill>
+            <a:ln w="25400" cap="flat" cmpd="sng" algn="ctr">
+              <a:noFill/>
+              <a:prstDash val="solid"/>
+            </a:ln>
+            <a:effectLst/>
+          </p:spPr>
+        </p:sp>
+        <p:sp>
+          <p:nvSpPr>
+            <p:cNvPr id="11" name="Oval 10"/>
+            <p:cNvSpPr/>
+            <p:nvPr/>
+          </p:nvSpPr>
+          <p:spPr>
+            <a:xfrm>
+              <a:off x="11396488" y="6230844"/>
+              <a:ext cx="478576" cy="478578"/>
+            </a:xfrm>
+            <a:prstGeom prst="ellipse">
+              <a:avLst/>
+            </a:prstGeom>
+            <a:noFill/>
+            <a:ln w="12700" cap="flat" cmpd="sng" algn="ctr">
+              <a:solidFill>
+                <a:sysClr val="window" lastClr="FFFFFF"/>
+              </a:solidFill>
+              <a:prstDash val="solid"/>
+            </a:ln>
+            <a:effectLst/>
+          </p:spPr>
+        </p:sp>
+      </p:grpSp>
+      <p:sp>
+        <p:nvSpPr>
+          <p:cNvPr id="7" name="Slide Number Placeholder 6"/>
           <p:cNvSpPr>
             <a:spLocks noGrp="1"/>
           </p:cNvSpPr>
@@ -2438,7 +2883,7 @@
     </p:spTree>
     <p:extLst>
       <p:ext uri="{BB962C8B-B14F-4D97-AF65-F5344CB8AC3E}">
-        <p14:creationId xmlns:p14="http://schemas.microsoft.com/office/powerpoint/2010/main" val="3087851761"/>
+        <p14:creationId xmlns:p14="http://schemas.microsoft.com/office/powerpoint/2010/main" val="3389382125"/>
       </p:ext>
     </p:extLst>
   </p:cSld>
@@ -2449,7 +2894,7 @@
 </file>
 
 <file path=ppt/slideLayouts/slideLayout9.xml><?xml version="1.0" encoding="utf-8"?>
-<p:sldLayout xmlns:a="http://schemas.openxmlformats.org/drawingml/2006/main" xmlns:r="http://schemas.openxmlformats.org/officeDocument/2006/relationships" xmlns:p="http://schemas.openxmlformats.org/presentationml/2006/main" type="picTx" preserve="1">
+<p:sldLayout xmlns:a="http://schemas.openxmlformats.org/drawingml/2006/main" xmlns:r="http://schemas.openxmlformats.org/officeDocument/2006/relationships" xmlns:p="http://schemas.openxmlformats.org/presentationml/2006/main" showMasterSp="0" type="picTx" preserve="1">
   <p:cSld name="含輔助字幕的圖片">
     <p:spTree>
       <p:nvGrpSpPr>
@@ -2467,31 +2912,84 @@
       </p:grpSpPr>
       <p:sp>
         <p:nvSpPr>
-          <p:cNvPr id="2" name="標題 1">
-            <a:extLst>
-              <a:ext uri="{FF2B5EF4-FFF2-40B4-BE49-F238E27FC236}">
-                <a16:creationId xmlns:a16="http://schemas.microsoft.com/office/drawing/2014/main" id="{9017D4B7-896A-F455-D780-E95344385E3C}"/>
-              </a:ext>
-            </a:extLst>
-          </p:cNvPr>
-          <p:cNvSpPr>
-            <a:spLocks noGrp="1"/>
-          </p:cNvSpPr>
-          <p:nvPr>
-            <p:ph type="title"/>
-          </p:nvPr>
+          <p:cNvPr id="11" name="Rectangle 10"/>
+          <p:cNvSpPr/>
+          <p:nvPr/>
         </p:nvSpPr>
         <p:spPr>
           <a:xfrm>
-            <a:off x="839788" y="457200"/>
-            <a:ext cx="3932237" cy="1600200"/>
+            <a:off x="8303740" y="0"/>
+            <a:ext cx="3888259" cy="6857999"/>
+          </a:xfrm>
+          <a:prstGeom prst="rect">
+            <a:avLst/>
+          </a:prstGeom>
+          <a:blipFill dpi="0" rotWithShape="1">
+            <a:blip r:embed="rId2">
+              <a:alphaModFix amt="60000"/>
+              <a:lum bright="70000" contrast="-70000"/>
+              <a:extLst>
+                <a:ext uri="{BEBA8EAE-BF5A-486C-A8C5-ECC9F3942E4B}">
+                  <a14:imgProps xmlns:a14="http://schemas.microsoft.com/office/drawing/2010/main">
+                    <a14:imgLayer r:embed="rId3">
+                      <a14:imgEffect>
+                        <a14:sharpenSoften amount="61000"/>
+                      </a14:imgEffect>
+                    </a14:imgLayer>
+                  </a14:imgProps>
+                </a:ext>
+                <a:ext uri="{28A0092B-C50C-407E-A947-70E740481C1C}">
+                  <a14:useLocalDpi xmlns:a14="http://schemas.microsoft.com/office/drawing/2010/main" val="0"/>
+                </a:ext>
+              </a:extLst>
+            </a:blip>
+            <a:srcRect/>
+            <a:tile tx="0" ty="-704850" sx="92000" sy="89000" flip="xy" algn="ctr"/>
+          </a:blipFill>
+          <a:ln>
+            <a:noFill/>
+          </a:ln>
+        </p:spPr>
+        <p:style>
+          <a:lnRef idx="2">
+            <a:schemeClr val="accent1">
+              <a:shade val="50000"/>
+            </a:schemeClr>
+          </a:lnRef>
+          <a:fillRef idx="1">
+            <a:schemeClr val="accent1"/>
+          </a:fillRef>
+          <a:effectRef idx="0">
+            <a:schemeClr val="accent1"/>
+          </a:effectRef>
+          <a:fontRef idx="minor">
+            <a:schemeClr val="lt1"/>
+          </a:fontRef>
+        </p:style>
+      </p:sp>
+      <p:sp>
+        <p:nvSpPr>
+          <p:cNvPr id="2" name="Title 1"/>
+          <p:cNvSpPr>
+            <a:spLocks noGrp="1"/>
+          </p:cNvSpPr>
+          <p:nvPr>
+            <p:ph type="title"/>
+          </p:nvPr>
+        </p:nvSpPr>
+        <p:spPr>
+          <a:xfrm>
+            <a:off x="8549640" y="685800"/>
+            <a:ext cx="3200400" cy="1737360"/>
           </a:xfrm>
         </p:spPr>
         <p:txBody>
-          <a:bodyPr anchor="b"/>
+          <a:bodyPr anchor="b">
+            <a:normAutofit/>
+          </a:bodyPr>
           <a:lstStyle>
             <a:lvl1pPr>
-              <a:defRPr sz="3200"/>
+              <a:defRPr sz="3200" b="1"/>
             </a:lvl1pPr>
           </a:lstStyle>
           <a:p>
@@ -2499,20 +2997,15 @@
               <a:rPr lang="zh-TW" altLang="en-US"/>
               <a:t>按一下以編輯母片標題樣式</a:t>
             </a:r>
-          </a:p>
-        </p:txBody>
-      </p:sp>
-      <p:sp>
-        <p:nvSpPr>
-          <p:cNvPr id="3" name="圖片版面配置區 2">
-            <a:extLst>
-              <a:ext uri="{FF2B5EF4-FFF2-40B4-BE49-F238E27FC236}">
-                <a16:creationId xmlns:a16="http://schemas.microsoft.com/office/drawing/2014/main" id="{D861DEE4-07A0-8612-F0C0-7F0EA4EE115D}"/>
-              </a:ext>
-            </a:extLst>
-          </p:cNvPr>
-          <p:cNvSpPr>
-            <a:spLocks noGrp="1"/>
+            <a:endParaRPr lang="en-US" dirty="0"/>
+          </a:p>
+        </p:txBody>
+      </p:sp>
+      <p:sp>
+        <p:nvSpPr>
+          <p:cNvPr id="3" name="Picture Placeholder 2"/>
+          <p:cNvSpPr>
+            <a:spLocks noGrp="1" noChangeAspect="1"/>
           </p:cNvSpPr>
           <p:nvPr>
             <p:ph type="pic" idx="1"/>
@@ -2520,12 +3013,18 @@
         </p:nvSpPr>
         <p:spPr>
           <a:xfrm>
-            <a:off x="5183188" y="987425"/>
-            <a:ext cx="6172200" cy="4873625"/>
+            <a:off x="0" y="0"/>
+            <a:ext cx="8303740" cy="6858000"/>
           </a:xfrm>
+          <a:solidFill>
+            <a:schemeClr val="tx2">
+              <a:lumMod val="20000"/>
+              <a:lumOff val="80000"/>
+            </a:schemeClr>
+          </a:solidFill>
         </p:spPr>
         <p:txBody>
-          <a:bodyPr/>
+          <a:bodyPr anchor="t"/>
           <a:lstStyle>
             <a:lvl1pPr marL="0" indent="0">
               <a:buNone/>
@@ -2565,19 +3064,17 @@
             </a:lvl9pPr>
           </a:lstStyle>
           <a:p>
-            <a:endParaRPr lang="zh-TW" altLang="en-US"/>
-          </a:p>
-        </p:txBody>
-      </p:sp>
-      <p:sp>
-        <p:nvSpPr>
-          <p:cNvPr id="4" name="文字版面配置區 3">
-            <a:extLst>
-              <a:ext uri="{FF2B5EF4-FFF2-40B4-BE49-F238E27FC236}">
-                <a16:creationId xmlns:a16="http://schemas.microsoft.com/office/drawing/2014/main" id="{ECA5E4F1-FFE5-0DFD-0772-496B58A622FD}"/>
-              </a:ext>
-            </a:extLst>
-          </p:cNvPr>
+            <a:r>
+              <a:rPr lang="zh-TW" altLang="en-US"/>
+              <a:t>按一下圖示以新增圖片</a:t>
+            </a:r>
+            <a:endParaRPr lang="en-US" dirty="0"/>
+          </a:p>
+        </p:txBody>
+      </p:sp>
+      <p:sp>
+        <p:nvSpPr>
+          <p:cNvPr id="4" name="Text Placeholder 3"/>
           <p:cNvSpPr>
             <a:spLocks noGrp="1"/>
           </p:cNvSpPr>
@@ -2587,48 +3084,62 @@
         </p:nvSpPr>
         <p:spPr>
           <a:xfrm>
-            <a:off x="839788" y="2057400"/>
-            <a:ext cx="3932237" cy="3811588"/>
+            <a:off x="8549640" y="2423160"/>
+            <a:ext cx="3200400" cy="3291840"/>
           </a:xfrm>
         </p:spPr>
         <p:txBody>
-          <a:bodyPr/>
+          <a:bodyPr>
+            <a:normAutofit/>
+          </a:bodyPr>
           <a:lstStyle>
             <a:lvl1pPr marL="0" indent="0">
-              <a:buNone/>
-              <a:defRPr sz="1600"/>
+              <a:lnSpc>
+                <a:spcPct val="100000"/>
+              </a:lnSpc>
+              <a:spcBef>
+                <a:spcPts val="1000"/>
+              </a:spcBef>
+              <a:buNone/>
+              <a:defRPr sz="1400">
+                <a:solidFill>
+                  <a:schemeClr val="accent1">
+                    <a:lumMod val="75000"/>
+                  </a:schemeClr>
+                </a:solidFill>
+              </a:defRPr>
             </a:lvl1pPr>
             <a:lvl2pPr marL="457200" indent="0">
               <a:buNone/>
-              <a:defRPr sz="1400"/>
+              <a:defRPr sz="1200"/>
             </a:lvl2pPr>
             <a:lvl3pPr marL="914400" indent="0">
               <a:buNone/>
-              <a:defRPr sz="1200"/>
+              <a:defRPr sz="1000"/>
             </a:lvl3pPr>
             <a:lvl4pPr marL="1371600" indent="0">
               <a:buNone/>
-              <a:defRPr sz="1000"/>
+              <a:defRPr sz="900"/>
             </a:lvl4pPr>
             <a:lvl5pPr marL="1828800" indent="0">
               <a:buNone/>
-              <a:defRPr sz="1000"/>
+              <a:defRPr sz="900"/>
             </a:lvl5pPr>
             <a:lvl6pPr marL="2286000" indent="0">
               <a:buNone/>
-              <a:defRPr sz="1000"/>
+              <a:defRPr sz="900"/>
             </a:lvl6pPr>
             <a:lvl7pPr marL="2743200" indent="0">
               <a:buNone/>
-              <a:defRPr sz="1000"/>
+              <a:defRPr sz="900"/>
             </a:lvl7pPr>
             <a:lvl8pPr marL="3200400" indent="0">
               <a:buNone/>
-              <a:defRPr sz="1000"/>
+              <a:defRPr sz="900"/>
             </a:lvl8pPr>
             <a:lvl9pPr marL="3657600" indent="0">
               <a:buNone/>
-              <a:defRPr sz="1000"/>
+              <a:defRPr sz="900"/>
             </a:lvl9pPr>
           </a:lstStyle>
           <a:p>
@@ -2642,13 +3153,7 @@
       </p:sp>
       <p:sp>
         <p:nvSpPr>
-          <p:cNvPr id="5" name="日期版面配置區 4">
-            <a:extLst>
-              <a:ext uri="{FF2B5EF4-FFF2-40B4-BE49-F238E27FC236}">
-                <a16:creationId xmlns:a16="http://schemas.microsoft.com/office/drawing/2014/main" id="{98415B8A-5A51-F678-920E-8542DE0365DA}"/>
-              </a:ext>
-            </a:extLst>
-          </p:cNvPr>
+          <p:cNvPr id="5" name="Date Placeholder 4"/>
           <p:cNvSpPr>
             <a:spLocks noGrp="1"/>
           </p:cNvSpPr>
@@ -2663,46 +3168,104 @@
           <a:p>
             <a:fld id="{6AEF6AE5-874E-463D-BCB4-1779E90BCAF3}" type="datetimeFigureOut">
               <a:rPr lang="zh-TW" altLang="en-US" smtClean="0"/>
-              <a:t>2022/6/30</a:t>
+              <a:t>2022/7/26</a:t>
             </a:fld>
             <a:endParaRPr lang="zh-TW" altLang="en-US"/>
           </a:p>
         </p:txBody>
       </p:sp>
-      <p:sp>
-        <p:nvSpPr>
-          <p:cNvPr id="6" name="頁尾版面配置區 5">
-            <a:extLst>
-              <a:ext uri="{FF2B5EF4-FFF2-40B4-BE49-F238E27FC236}">
-                <a16:creationId xmlns:a16="http://schemas.microsoft.com/office/drawing/2014/main" id="{F08A9D8B-1CE2-4623-81E5-5107FB4905B5}"/>
-              </a:ext>
-            </a:extLst>
-          </p:cNvPr>
-          <p:cNvSpPr>
-            <a:spLocks noGrp="1"/>
-          </p:cNvSpPr>
-          <p:nvPr>
-            <p:ph type="ftr" sz="quarter" idx="11"/>
-          </p:nvPr>
-        </p:nvSpPr>
-        <p:spPr/>
-        <p:txBody>
-          <a:bodyPr/>
-          <a:lstStyle/>
-          <a:p>
-            <a:endParaRPr lang="zh-TW" altLang="en-US"/>
-          </a:p>
-        </p:txBody>
-      </p:sp>
-      <p:sp>
-        <p:nvSpPr>
-          <p:cNvPr id="7" name="投影片編號版面配置區 6">
-            <a:extLst>
-              <a:ext uri="{FF2B5EF4-FFF2-40B4-BE49-F238E27FC236}">
-                <a16:creationId xmlns:a16="http://schemas.microsoft.com/office/drawing/2014/main" id="{E67FBCD6-0BB5-A38E-0E69-1A41984CA3DE}"/>
-              </a:ext>
-            </a:extLst>
-          </p:cNvPr>
+      <p:grpSp>
+        <p:nvGrpSpPr>
+          <p:cNvPr id="8" name="Group 7"/>
+          <p:cNvGrpSpPr>
+            <a:grpSpLocks noChangeAspect="1"/>
+          </p:cNvGrpSpPr>
+          <p:nvPr/>
+        </p:nvGrpSpPr>
+        <p:grpSpPr>
+          <a:xfrm>
+            <a:off x="11401725" y="6229681"/>
+            <a:ext cx="457200" cy="457200"/>
+            <a:chOff x="11361456" y="6195813"/>
+            <a:chExt cx="548640" cy="548640"/>
+          </a:xfrm>
+        </p:grpSpPr>
+        <p:sp>
+          <p:nvSpPr>
+            <p:cNvPr id="9" name="Oval 8"/>
+            <p:cNvSpPr/>
+            <p:nvPr/>
+          </p:nvSpPr>
+          <p:spPr>
+            <a:xfrm>
+              <a:off x="11361456" y="6195813"/>
+              <a:ext cx="548640" cy="548640"/>
+            </a:xfrm>
+            <a:prstGeom prst="ellipse">
+              <a:avLst/>
+            </a:prstGeom>
+            <a:blipFill dpi="0" rotWithShape="1">
+              <a:blip r:embed="rId4">
+                <a:duotone>
+                  <a:schemeClr val="accent1">
+                    <a:shade val="45000"/>
+                    <a:satMod val="135000"/>
+                  </a:schemeClr>
+                  <a:prstClr val="white"/>
+                </a:duotone>
+                <a:extLst>
+                  <a:ext uri="{BEBA8EAE-BF5A-486C-A8C5-ECC9F3942E4B}">
+                    <a14:imgProps xmlns:a14="http://schemas.microsoft.com/office/drawing/2010/main">
+                      <a14:imgLayer r:embed="rId5">
+                        <a14:imgEffect>
+                          <a14:saturation sat="95000"/>
+                        </a14:imgEffect>
+                        <a14:imgEffect>
+                          <a14:brightnessContrast bright="-40000" contrast="20000"/>
+                        </a14:imgEffect>
+                      </a14:imgLayer>
+                    </a14:imgProps>
+                  </a:ext>
+                </a:extLst>
+              </a:blip>
+              <a:srcRect/>
+              <a:tile tx="50800" ty="0" sx="85000" sy="85000" flip="none" algn="tl"/>
+            </a:blipFill>
+            <a:ln w="25400" cap="flat" cmpd="sng" algn="ctr">
+              <a:noFill/>
+              <a:prstDash val="solid"/>
+            </a:ln>
+            <a:effectLst/>
+          </p:spPr>
+        </p:sp>
+        <p:sp>
+          <p:nvSpPr>
+            <p:cNvPr id="10" name="Oval 9"/>
+            <p:cNvSpPr/>
+            <p:nvPr/>
+          </p:nvSpPr>
+          <p:spPr>
+            <a:xfrm>
+              <a:off x="11396488" y="6230844"/>
+              <a:ext cx="478576" cy="478578"/>
+            </a:xfrm>
+            <a:prstGeom prst="ellipse">
+              <a:avLst/>
+            </a:prstGeom>
+            <a:noFill/>
+            <a:ln w="12700" cap="flat" cmpd="sng" algn="ctr">
+              <a:solidFill>
+                <a:sysClr val="window" lastClr="FFFFFF"/>
+              </a:solidFill>
+              <a:prstDash val="solid"/>
+            </a:ln>
+            <a:effectLst/>
+          </p:spPr>
+        </p:sp>
+      </p:grpSp>
+      <p:sp>
+        <p:nvSpPr>
+          <p:cNvPr id="7" name="Slide Number Placeholder 6"/>
           <p:cNvSpPr>
             <a:spLocks noGrp="1"/>
           </p:cNvSpPr>
@@ -2726,7 +3289,7 @@
     </p:spTree>
     <p:extLst>
       <p:ext uri="{BB962C8B-B14F-4D97-AF65-F5344CB8AC3E}">
-        <p14:creationId xmlns:p14="http://schemas.microsoft.com/office/powerpoint/2010/main" val="2505202982"/>
+        <p14:creationId xmlns:p14="http://schemas.microsoft.com/office/powerpoint/2010/main" val="2949660391"/>
       </p:ext>
     </p:extLst>
   </p:cSld>
@@ -2760,13 +3323,7 @@
       </p:grpSpPr>
       <p:sp>
         <p:nvSpPr>
-          <p:cNvPr id="2" name="標題版面配置區 1">
-            <a:extLst>
-              <a:ext uri="{FF2B5EF4-FFF2-40B4-BE49-F238E27FC236}">
-                <a16:creationId xmlns:a16="http://schemas.microsoft.com/office/drawing/2014/main" id="{5DC3A7E9-806F-5296-9A86-DBA8E18462F6}"/>
-              </a:ext>
-            </a:extLst>
-          </p:cNvPr>
+          <p:cNvPr id="2" name="Title Placeholder 1"/>
           <p:cNvSpPr>
             <a:spLocks noGrp="1"/>
           </p:cNvSpPr>
@@ -2776,8 +3333,8 @@
         </p:nvSpPr>
         <p:spPr>
           <a:xfrm>
-            <a:off x="838200" y="365125"/>
-            <a:ext cx="10515600" cy="1325563"/>
+            <a:off x="1069848" y="484632"/>
+            <a:ext cx="10058400" cy="1609344"/>
           </a:xfrm>
           <a:prstGeom prst="rect">
             <a:avLst/>
@@ -2793,18 +3350,13 @@
               <a:rPr lang="zh-TW" altLang="en-US"/>
               <a:t>按一下以編輯母片標題樣式</a:t>
             </a:r>
-          </a:p>
-        </p:txBody>
-      </p:sp>
-      <p:sp>
-        <p:nvSpPr>
-          <p:cNvPr id="3" name="文字版面配置區 2">
-            <a:extLst>
-              <a:ext uri="{FF2B5EF4-FFF2-40B4-BE49-F238E27FC236}">
-                <a16:creationId xmlns:a16="http://schemas.microsoft.com/office/drawing/2014/main" id="{73ECB33B-88F5-ED6A-6C52-A5400688BDC6}"/>
-              </a:ext>
-            </a:extLst>
-          </p:cNvPr>
+            <a:endParaRPr lang="en-US" dirty="0"/>
+          </a:p>
+        </p:txBody>
+      </p:sp>
+      <p:sp>
+        <p:nvSpPr>
+          <p:cNvPr id="3" name="Text Placeholder 2"/>
           <p:cNvSpPr>
             <a:spLocks noGrp="1"/>
           </p:cNvSpPr>
@@ -2814,8 +3366,8 @@
         </p:nvSpPr>
         <p:spPr>
           <a:xfrm>
-            <a:off x="838200" y="1825625"/>
-            <a:ext cx="10515600" cy="4351338"/>
+            <a:off x="1069848" y="2121408"/>
+            <a:ext cx="10058400" cy="4050792"/>
           </a:xfrm>
           <a:prstGeom prst="rect">
             <a:avLst/>
@@ -2860,18 +3412,13 @@
               <a:rPr lang="zh-TW" altLang="en-US"/>
               <a:t>第五層</a:t>
             </a:r>
-          </a:p>
-        </p:txBody>
-      </p:sp>
-      <p:sp>
-        <p:nvSpPr>
-          <p:cNvPr id="4" name="日期版面配置區 3">
-            <a:extLst>
-              <a:ext uri="{FF2B5EF4-FFF2-40B4-BE49-F238E27FC236}">
-                <a16:creationId xmlns:a16="http://schemas.microsoft.com/office/drawing/2014/main" id="{8A000CFB-B80E-E73F-ECE0-6AD6A7C13893}"/>
-              </a:ext>
-            </a:extLst>
-          </p:cNvPr>
+            <a:endParaRPr lang="en-US" dirty="0"/>
+          </a:p>
+        </p:txBody>
+      </p:sp>
+      <p:sp>
+        <p:nvSpPr>
+          <p:cNvPr id="4" name="Date Placeholder 3"/>
           <p:cNvSpPr>
             <a:spLocks noGrp="1"/>
           </p:cNvSpPr>
@@ -2881,8 +3428,8 @@
         </p:nvSpPr>
         <p:spPr>
           <a:xfrm>
-            <a:off x="838200" y="6356350"/>
-            <a:ext cx="2743200" cy="365125"/>
+            <a:off x="7964424" y="6272784"/>
+            <a:ext cx="3273552" cy="365125"/>
           </a:xfrm>
           <a:prstGeom prst="rect">
             <a:avLst/>
@@ -2891,12 +3438,10 @@
         <p:txBody>
           <a:bodyPr vert="horz" lIns="91440" tIns="45720" rIns="91440" bIns="45720" rtlCol="0" anchor="ctr"/>
           <a:lstStyle>
-            <a:lvl1pPr algn="l">
-              <a:defRPr sz="1200">
+            <a:lvl1pPr algn="r">
+              <a:defRPr sz="1100">
                 <a:solidFill>
-                  <a:schemeClr val="tx1">
-                    <a:tint val="75000"/>
-                  </a:schemeClr>
+                  <a:schemeClr val="tx2"/>
                 </a:solidFill>
               </a:defRPr>
             </a:lvl1pPr>
@@ -2904,7 +3449,7 @@
           <a:p>
             <a:fld id="{6AEF6AE5-874E-463D-BCB4-1779E90BCAF3}" type="datetimeFigureOut">
               <a:rPr lang="zh-TW" altLang="en-US" smtClean="0"/>
-              <a:t>2022/6/30</a:t>
+              <a:t>2022/7/26</a:t>
             </a:fld>
             <a:endParaRPr lang="zh-TW" altLang="en-US"/>
           </a:p>
@@ -2912,13 +3457,7 @@
       </p:sp>
       <p:sp>
         <p:nvSpPr>
-          <p:cNvPr id="5" name="頁尾版面配置區 4">
-            <a:extLst>
-              <a:ext uri="{FF2B5EF4-FFF2-40B4-BE49-F238E27FC236}">
-                <a16:creationId xmlns:a16="http://schemas.microsoft.com/office/drawing/2014/main" id="{0F7C9D69-DD69-140D-6A9D-32DB24C9C7B8}"/>
-              </a:ext>
-            </a:extLst>
-          </p:cNvPr>
+          <p:cNvPr id="5" name="Footer Placeholder 4"/>
           <p:cNvSpPr>
             <a:spLocks noGrp="1"/>
           </p:cNvSpPr>
@@ -2928,8 +3467,8 @@
         </p:nvSpPr>
         <p:spPr>
           <a:xfrm>
-            <a:off x="4038600" y="6356350"/>
-            <a:ext cx="4114800" cy="365125"/>
+            <a:off x="1088136" y="6272784"/>
+            <a:ext cx="6327648" cy="365125"/>
           </a:xfrm>
           <a:prstGeom prst="rect">
             <a:avLst/>
@@ -2938,12 +3477,10 @@
         <p:txBody>
           <a:bodyPr vert="horz" lIns="91440" tIns="45720" rIns="91440" bIns="45720" rtlCol="0" anchor="ctr"/>
           <a:lstStyle>
-            <a:lvl1pPr algn="ctr">
-              <a:defRPr sz="1200">
+            <a:lvl1pPr algn="l">
+              <a:defRPr sz="1100">
                 <a:solidFill>
-                  <a:schemeClr val="tx1">
-                    <a:tint val="75000"/>
-                  </a:schemeClr>
+                  <a:schemeClr val="tx2"/>
                 </a:solidFill>
               </a:defRPr>
             </a:lvl1pPr>
@@ -2953,15 +3490,98 @@
           </a:p>
         </p:txBody>
       </p:sp>
-      <p:sp>
-        <p:nvSpPr>
-          <p:cNvPr id="6" name="投影片編號版面配置區 5">
-            <a:extLst>
-              <a:ext uri="{FF2B5EF4-FFF2-40B4-BE49-F238E27FC236}">
-                <a16:creationId xmlns:a16="http://schemas.microsoft.com/office/drawing/2014/main" id="{38E072BD-C912-2E8C-E173-9FA9A409630F}"/>
-              </a:ext>
-            </a:extLst>
-          </p:cNvPr>
+      <p:grpSp>
+        <p:nvGrpSpPr>
+          <p:cNvPr id="7" name="Group 6"/>
+          <p:cNvGrpSpPr>
+            <a:grpSpLocks noChangeAspect="1"/>
+          </p:cNvGrpSpPr>
+          <p:nvPr/>
+        </p:nvGrpSpPr>
+        <p:grpSpPr>
+          <a:xfrm>
+            <a:off x="11401725" y="6229681"/>
+            <a:ext cx="457200" cy="457200"/>
+            <a:chOff x="11361456" y="6195813"/>
+            <a:chExt cx="548640" cy="548640"/>
+          </a:xfrm>
+        </p:grpSpPr>
+        <p:sp>
+          <p:nvSpPr>
+            <p:cNvPr id="8" name="Oval 7"/>
+            <p:cNvSpPr/>
+            <p:nvPr/>
+          </p:nvSpPr>
+          <p:spPr>
+            <a:xfrm>
+              <a:off x="11361456" y="6195813"/>
+              <a:ext cx="548640" cy="548640"/>
+            </a:xfrm>
+            <a:prstGeom prst="ellipse">
+              <a:avLst/>
+            </a:prstGeom>
+            <a:blipFill dpi="0" rotWithShape="1">
+              <a:blip r:embed="rId13">
+                <a:duotone>
+                  <a:schemeClr val="accent1">
+                    <a:shade val="45000"/>
+                    <a:satMod val="135000"/>
+                  </a:schemeClr>
+                  <a:prstClr val="white"/>
+                </a:duotone>
+                <a:extLst>
+                  <a:ext uri="{BEBA8EAE-BF5A-486C-A8C5-ECC9F3942E4B}">
+                    <a14:imgProps xmlns:a14="http://schemas.microsoft.com/office/drawing/2010/main">
+                      <a14:imgLayer r:embed="rId14">
+                        <a14:imgEffect>
+                          <a14:saturation sat="95000"/>
+                        </a14:imgEffect>
+                        <a14:imgEffect>
+                          <a14:brightnessContrast bright="-40000" contrast="20000"/>
+                        </a14:imgEffect>
+                      </a14:imgLayer>
+                    </a14:imgProps>
+                  </a:ext>
+                </a:extLst>
+              </a:blip>
+              <a:srcRect/>
+              <a:tile tx="50800" ty="0" sx="85000" sy="85000" flip="none" algn="tl"/>
+            </a:blipFill>
+            <a:ln w="25400" cap="flat" cmpd="sng" algn="ctr">
+              <a:noFill/>
+              <a:prstDash val="solid"/>
+            </a:ln>
+            <a:effectLst/>
+          </p:spPr>
+        </p:sp>
+        <p:sp>
+          <p:nvSpPr>
+            <p:cNvPr id="9" name="Oval 8"/>
+            <p:cNvSpPr/>
+            <p:nvPr/>
+          </p:nvSpPr>
+          <p:spPr>
+            <a:xfrm>
+              <a:off x="11396488" y="6230844"/>
+              <a:ext cx="478576" cy="478578"/>
+            </a:xfrm>
+            <a:prstGeom prst="ellipse">
+              <a:avLst/>
+            </a:prstGeom>
+            <a:noFill/>
+            <a:ln w="12700" cap="flat" cmpd="sng" algn="ctr">
+              <a:solidFill>
+                <a:srgbClr val="FFFFFF"/>
+              </a:solidFill>
+              <a:prstDash val="solid"/>
+            </a:ln>
+            <a:effectLst/>
+          </p:spPr>
+        </p:sp>
+      </p:grpSp>
+      <p:sp>
+        <p:nvSpPr>
+          <p:cNvPr id="6" name="Slide Number Placeholder 5"/>
           <p:cNvSpPr>
             <a:spLocks noGrp="1"/>
           </p:cNvSpPr>
@@ -2971,8 +3591,8 @@
         </p:nvSpPr>
         <p:spPr>
           <a:xfrm>
-            <a:off x="8610600" y="6356350"/>
-            <a:ext cx="2743200" cy="365125"/>
+            <a:off x="11311128" y="6272784"/>
+            <a:ext cx="640080" cy="365125"/>
           </a:xfrm>
           <a:prstGeom prst="rect">
             <a:avLst/>
@@ -2981,13 +3601,12 @@
         <p:txBody>
           <a:bodyPr vert="horz" lIns="91440" tIns="45720" rIns="91440" bIns="45720" rtlCol="0" anchor="ctr"/>
           <a:lstStyle>
-            <a:lvl1pPr algn="r">
-              <a:defRPr sz="1200">
+            <a:lvl1pPr algn="ctr">
+              <a:defRPr sz="1400" b="1">
                 <a:solidFill>
-                  <a:schemeClr val="tx1">
-                    <a:tint val="75000"/>
-                  </a:schemeClr>
+                  <a:srgbClr val="FFFFFF"/>
                 </a:solidFill>
+                <a:latin typeface="+mj-lt"/>
               </a:defRPr>
             </a:lvl1pPr>
           </a:lstStyle>
@@ -3003,23 +3622,23 @@
     </p:spTree>
     <p:extLst>
       <p:ext uri="{BB962C8B-B14F-4D97-AF65-F5344CB8AC3E}">
-        <p14:creationId xmlns:p14="http://schemas.microsoft.com/office/powerpoint/2010/main" val="2301693415"/>
+        <p14:creationId xmlns:p14="http://schemas.microsoft.com/office/powerpoint/2010/main" val="2921493987"/>
       </p:ext>
     </p:extLst>
   </p:cSld>
   <p:clrMap bg1="lt1" tx1="dk1" bg2="lt2" tx2="dk2" accent1="accent1" accent2="accent2" accent3="accent3" accent4="accent4" accent5="accent5" accent6="accent6" hlink="hlink" folHlink="folHlink"/>
   <p:sldLayoutIdLst>
-    <p:sldLayoutId id="2147483649" r:id="rId1"/>
-    <p:sldLayoutId id="2147483650" r:id="rId2"/>
-    <p:sldLayoutId id="2147483651" r:id="rId3"/>
-    <p:sldLayoutId id="2147483652" r:id="rId4"/>
-    <p:sldLayoutId id="2147483653" r:id="rId5"/>
-    <p:sldLayoutId id="2147483654" r:id="rId6"/>
-    <p:sldLayoutId id="2147483655" r:id="rId7"/>
-    <p:sldLayoutId id="2147483656" r:id="rId8"/>
-    <p:sldLayoutId id="2147483657" r:id="rId9"/>
-    <p:sldLayoutId id="2147483658" r:id="rId10"/>
-    <p:sldLayoutId id="2147483659" r:id="rId11"/>
+    <p:sldLayoutId id="2147483661" r:id="rId1"/>
+    <p:sldLayoutId id="2147483662" r:id="rId2"/>
+    <p:sldLayoutId id="2147483663" r:id="rId3"/>
+    <p:sldLayoutId id="2147483664" r:id="rId4"/>
+    <p:sldLayoutId id="2147483665" r:id="rId5"/>
+    <p:sldLayoutId id="2147483666" r:id="rId6"/>
+    <p:sldLayoutId id="2147483667" r:id="rId7"/>
+    <p:sldLayoutId id="2147483668" r:id="rId8"/>
+    <p:sldLayoutId id="2147483669" r:id="rId9"/>
+    <p:sldLayoutId id="2147483670" r:id="rId10"/>
+    <p:sldLayoutId id="2147483671" r:id="rId11"/>
   </p:sldLayoutIdLst>
   <p:txStyles>
     <p:titleStyle>
@@ -3031,10 +3650,17 @@
           <a:spcPct val="0"/>
         </a:spcBef>
         <a:buNone/>
-        <a:defRPr sz="4400" kern="1200">
-          <a:solidFill>
-            <a:schemeClr val="tx1"/>
-          </a:solidFill>
+        <a:defRPr sz="5400" kern="1200" cap="all" baseline="0">
+          <a:blipFill>
+            <a:blip r:embed="rId15">
+              <a:extLst>
+                <a:ext uri="{28A0092B-C50C-407E-A947-70E740481C1C}">
+                  <a14:useLocalDpi xmlns:a14="http://schemas.microsoft.com/office/drawing/2010/main" val="0"/>
+                </a:ext>
+              </a:extLst>
+            </a:blip>
+            <a:tile tx="6350" ty="-127000" sx="65000" sy="64000" flip="none" algn="tl"/>
+          </a:blipFill>
           <a:latin typeface="+mj-lt"/>
           <a:ea typeface="+mj-ea"/>
           <a:cs typeface="+mj-cs"/>
@@ -3042,16 +3668,22 @@
       </a:lvl1pPr>
     </p:titleStyle>
     <p:bodyStyle>
-      <a:lvl1pPr marL="228600" indent="-228600" algn="l" defTabSz="914400" rtl="0" eaLnBrk="1" latinLnBrk="0" hangingPunct="1">
+      <a:lvl1pPr marL="182880" indent="-182880" algn="l" defTabSz="914400" rtl="0" eaLnBrk="1" latinLnBrk="0" hangingPunct="1">
         <a:lnSpc>
           <a:spcPct val="90000"/>
         </a:lnSpc>
         <a:spcBef>
-          <a:spcPts val="1000"/>
+          <a:spcPts val="1200"/>
         </a:spcBef>
-        <a:buFont typeface="Arial" panose="020B0604020202020204" pitchFamily="34" charset="0"/>
-        <a:buChar char="•"/>
-        <a:defRPr sz="2800" kern="1200">
+        <a:buClr>
+          <a:schemeClr val="accent1">
+            <a:lumMod val="75000"/>
+          </a:schemeClr>
+        </a:buClr>
+        <a:buSzPct val="85000"/>
+        <a:buFont typeface="Wingdings" pitchFamily="2" charset="2"/>
+        <a:buChar char="§"/>
+        <a:defRPr sz="2000" kern="1200">
           <a:solidFill>
             <a:schemeClr val="tx1"/>
           </a:solidFill>
@@ -3060,16 +3692,25 @@
           <a:cs typeface="+mn-cs"/>
         </a:defRPr>
       </a:lvl1pPr>
-      <a:lvl2pPr marL="685800" indent="-228600" algn="l" defTabSz="914400" rtl="0" eaLnBrk="1" latinLnBrk="0" hangingPunct="1">
+      <a:lvl2pPr marL="457200" indent="-182880" algn="l" defTabSz="914400" rtl="0" eaLnBrk="1" latinLnBrk="0" hangingPunct="1">
         <a:lnSpc>
           <a:spcPct val="90000"/>
         </a:lnSpc>
         <a:spcBef>
-          <a:spcPts val="500"/>
+          <a:spcPts val="400"/>
         </a:spcBef>
-        <a:buFont typeface="Arial" panose="020B0604020202020204" pitchFamily="34" charset="0"/>
-        <a:buChar char="•"/>
-        <a:defRPr sz="2400" kern="1200">
+        <a:spcAft>
+          <a:spcPts val="200"/>
+        </a:spcAft>
+        <a:buClr>
+          <a:schemeClr val="accent1">
+            <a:lumMod val="75000"/>
+          </a:schemeClr>
+        </a:buClr>
+        <a:buSzPct val="85000"/>
+        <a:buFont typeface="Wingdings" pitchFamily="2" charset="2"/>
+        <a:buChar char="§"/>
+        <a:defRPr sz="1800" kern="1200">
           <a:solidFill>
             <a:schemeClr val="tx1"/>
           </a:solidFill>
@@ -3078,16 +3719,25 @@
           <a:cs typeface="+mn-cs"/>
         </a:defRPr>
       </a:lvl2pPr>
-      <a:lvl3pPr marL="1143000" indent="-228600" algn="l" defTabSz="914400" rtl="0" eaLnBrk="1" latinLnBrk="0" hangingPunct="1">
+      <a:lvl3pPr marL="731520" indent="-182880" algn="l" defTabSz="914400" rtl="0" eaLnBrk="1" latinLnBrk="0" hangingPunct="1">
         <a:lnSpc>
           <a:spcPct val="90000"/>
         </a:lnSpc>
         <a:spcBef>
-          <a:spcPts val="500"/>
+          <a:spcPts val="400"/>
         </a:spcBef>
-        <a:buFont typeface="Arial" panose="020B0604020202020204" pitchFamily="34" charset="0"/>
-        <a:buChar char="•"/>
-        <a:defRPr sz="2000" kern="1200">
+        <a:spcAft>
+          <a:spcPts val="200"/>
+        </a:spcAft>
+        <a:buClr>
+          <a:schemeClr val="accent1">
+            <a:lumMod val="75000"/>
+          </a:schemeClr>
+        </a:buClr>
+        <a:buSzPct val="85000"/>
+        <a:buFont typeface="Wingdings" pitchFamily="2" charset="2"/>
+        <a:buChar char="§"/>
+        <a:defRPr sz="1600" kern="1200">
           <a:solidFill>
             <a:schemeClr val="tx1"/>
           </a:solidFill>
@@ -3096,16 +3746,25 @@
           <a:cs typeface="+mn-cs"/>
         </a:defRPr>
       </a:lvl3pPr>
-      <a:lvl4pPr marL="1600200" indent="-228600" algn="l" defTabSz="914400" rtl="0" eaLnBrk="1" latinLnBrk="0" hangingPunct="1">
+      <a:lvl4pPr marL="1005840" indent="-182880" algn="l" defTabSz="914400" rtl="0" eaLnBrk="1" latinLnBrk="0" hangingPunct="1">
         <a:lnSpc>
           <a:spcPct val="90000"/>
         </a:lnSpc>
         <a:spcBef>
-          <a:spcPts val="500"/>
+          <a:spcPts val="400"/>
         </a:spcBef>
-        <a:buFont typeface="Arial" panose="020B0604020202020204" pitchFamily="34" charset="0"/>
-        <a:buChar char="•"/>
-        <a:defRPr sz="1800" kern="1200">
+        <a:spcAft>
+          <a:spcPts val="200"/>
+        </a:spcAft>
+        <a:buClr>
+          <a:schemeClr val="accent1">
+            <a:lumMod val="75000"/>
+          </a:schemeClr>
+        </a:buClr>
+        <a:buSzPct val="85000"/>
+        <a:buFont typeface="Wingdings" pitchFamily="2" charset="2"/>
+        <a:buChar char="§"/>
+        <a:defRPr sz="1600" kern="1200">
           <a:solidFill>
             <a:schemeClr val="tx1"/>
           </a:solidFill>
@@ -3114,16 +3773,25 @@
           <a:cs typeface="+mn-cs"/>
         </a:defRPr>
       </a:lvl4pPr>
-      <a:lvl5pPr marL="2057400" indent="-228600" algn="l" defTabSz="914400" rtl="0" eaLnBrk="1" latinLnBrk="0" hangingPunct="1">
+      <a:lvl5pPr marL="1280160" indent="-182880" algn="l" defTabSz="914400" rtl="0" eaLnBrk="1" latinLnBrk="0" hangingPunct="1">
         <a:lnSpc>
           <a:spcPct val="90000"/>
         </a:lnSpc>
         <a:spcBef>
-          <a:spcPts val="500"/>
+          <a:spcPts val="400"/>
         </a:spcBef>
-        <a:buFont typeface="Arial" panose="020B0604020202020204" pitchFamily="34" charset="0"/>
-        <a:buChar char="•"/>
-        <a:defRPr sz="1800" kern="1200">
+        <a:spcAft>
+          <a:spcPts val="200"/>
+        </a:spcAft>
+        <a:buClr>
+          <a:schemeClr val="accent1">
+            <a:lumMod val="75000"/>
+          </a:schemeClr>
+        </a:buClr>
+        <a:buSzPct val="85000"/>
+        <a:buFont typeface="Wingdings" pitchFamily="2" charset="2"/>
+        <a:buChar char="§"/>
+        <a:defRPr sz="1600" kern="1200">
           <a:solidFill>
             <a:schemeClr val="tx1"/>
           </a:solidFill>
@@ -3132,16 +3800,25 @@
           <a:cs typeface="+mn-cs"/>
         </a:defRPr>
       </a:lvl5pPr>
-      <a:lvl6pPr marL="2514600" indent="-228600" algn="l" defTabSz="914400" rtl="0" eaLnBrk="1" latinLnBrk="0" hangingPunct="1">
+      <a:lvl6pPr marL="1600000" indent="-228600" algn="l" defTabSz="914400" rtl="0" eaLnBrk="1" latinLnBrk="0" hangingPunct="1">
         <a:lnSpc>
           <a:spcPct val="90000"/>
         </a:lnSpc>
         <a:spcBef>
-          <a:spcPts val="500"/>
+          <a:spcPts val="400"/>
         </a:spcBef>
-        <a:buFont typeface="Arial" panose="020B0604020202020204" pitchFamily="34" charset="0"/>
-        <a:buChar char="•"/>
-        <a:defRPr sz="1800" kern="1200">
+        <a:spcAft>
+          <a:spcPts val="200"/>
+        </a:spcAft>
+        <a:buClr>
+          <a:schemeClr val="accent1">
+            <a:lumMod val="75000"/>
+          </a:schemeClr>
+        </a:buClr>
+        <a:buSzPct val="85000"/>
+        <a:buFont typeface="Wingdings" pitchFamily="2" charset="2"/>
+        <a:buChar char="§"/>
+        <a:defRPr sz="1600" kern="1200">
           <a:solidFill>
             <a:schemeClr val="tx1"/>
           </a:solidFill>
@@ -3150,16 +3827,25 @@
           <a:cs typeface="+mn-cs"/>
         </a:defRPr>
       </a:lvl6pPr>
-      <a:lvl7pPr marL="2971800" indent="-228600" algn="l" defTabSz="914400" rtl="0" eaLnBrk="1" latinLnBrk="0" hangingPunct="1">
+      <a:lvl7pPr marL="1900000" indent="-228600" algn="l" defTabSz="914400" rtl="0" eaLnBrk="1" latinLnBrk="0" hangingPunct="1">
         <a:lnSpc>
           <a:spcPct val="90000"/>
         </a:lnSpc>
         <a:spcBef>
-          <a:spcPts val="500"/>
+          <a:spcPts val="400"/>
         </a:spcBef>
-        <a:buFont typeface="Arial" panose="020B0604020202020204" pitchFamily="34" charset="0"/>
-        <a:buChar char="•"/>
-        <a:defRPr sz="1800" kern="1200">
+        <a:spcAft>
+          <a:spcPts val="200"/>
+        </a:spcAft>
+        <a:buClr>
+          <a:schemeClr val="accent1">
+            <a:lumMod val="75000"/>
+          </a:schemeClr>
+        </a:buClr>
+        <a:buSzPct val="85000"/>
+        <a:buFont typeface="Wingdings" pitchFamily="2" charset="2"/>
+        <a:buChar char="§"/>
+        <a:defRPr sz="1600" kern="1200">
           <a:solidFill>
             <a:schemeClr val="tx1"/>
           </a:solidFill>
@@ -3168,16 +3854,25 @@
           <a:cs typeface="+mn-cs"/>
         </a:defRPr>
       </a:lvl7pPr>
-      <a:lvl8pPr marL="3429000" indent="-228600" algn="l" defTabSz="914400" rtl="0" eaLnBrk="1" latinLnBrk="0" hangingPunct="1">
+      <a:lvl8pPr marL="2200000" indent="-228600" algn="l" defTabSz="914400" rtl="0" eaLnBrk="1" latinLnBrk="0" hangingPunct="1">
         <a:lnSpc>
           <a:spcPct val="90000"/>
         </a:lnSpc>
         <a:spcBef>
-          <a:spcPts val="500"/>
+          <a:spcPts val="400"/>
         </a:spcBef>
-        <a:buFont typeface="Arial" panose="020B0604020202020204" pitchFamily="34" charset="0"/>
-        <a:buChar char="•"/>
-        <a:defRPr sz="1800" kern="1200">
+        <a:spcAft>
+          <a:spcPts val="200"/>
+        </a:spcAft>
+        <a:buClr>
+          <a:schemeClr val="accent1">
+            <a:lumMod val="75000"/>
+          </a:schemeClr>
+        </a:buClr>
+        <a:buSzPct val="85000"/>
+        <a:buFont typeface="Wingdings" pitchFamily="2" charset="2"/>
+        <a:buChar char="§"/>
+        <a:defRPr sz="1600" kern="1200">
           <a:solidFill>
             <a:schemeClr val="tx1"/>
           </a:solidFill>
@@ -3186,16 +3881,25 @@
           <a:cs typeface="+mn-cs"/>
         </a:defRPr>
       </a:lvl8pPr>
-      <a:lvl9pPr marL="3886200" indent="-228600" algn="l" defTabSz="914400" rtl="0" eaLnBrk="1" latinLnBrk="0" hangingPunct="1">
+      <a:lvl9pPr marL="2500000" indent="-228600" algn="l" defTabSz="914400" rtl="0" eaLnBrk="1" latinLnBrk="0" hangingPunct="1">
         <a:lnSpc>
           <a:spcPct val="90000"/>
         </a:lnSpc>
         <a:spcBef>
-          <a:spcPts val="500"/>
+          <a:spcPts val="400"/>
         </a:spcBef>
-        <a:buFont typeface="Arial" panose="020B0604020202020204" pitchFamily="34" charset="0"/>
-        <a:buChar char="•"/>
-        <a:defRPr sz="1800" kern="1200">
+        <a:spcAft>
+          <a:spcPts val="200"/>
+        </a:spcAft>
+        <a:buClr>
+          <a:schemeClr val="accent1">
+            <a:lumMod val="75000"/>
+          </a:schemeClr>
+        </a:buClr>
+        <a:buSzPct val="85000"/>
+        <a:buFont typeface="Wingdings" pitchFamily="2" charset="2"/>
+        <a:buChar char="§"/>
+        <a:defRPr sz="1600" kern="1200">
           <a:solidFill>
             <a:schemeClr val="tx1"/>
           </a:solidFill>
@@ -3207,7 +3911,7 @@
     </p:bodyStyle>
     <p:otherStyle>
       <a:defPPr>
-        <a:defRPr lang="zh-TW"/>
+        <a:defRPr lang="en-US"/>
       </a:defPPr>
       <a:lvl1pPr marL="0" algn="l" defTabSz="914400" rtl="0" eaLnBrk="1" latinLnBrk="0" hangingPunct="1">
         <a:defRPr sz="1800" kern="1200">
@@ -3323,64 +4027,129 @@
       </p:grpSpPr>
       <p:sp>
         <p:nvSpPr>
-          <p:cNvPr id="25" name="矩形 24">
+          <p:cNvPr id="2" name="標題 1">
             <a:extLst>
               <a:ext uri="{FF2B5EF4-FFF2-40B4-BE49-F238E27FC236}">
-                <a16:creationId xmlns:a16="http://schemas.microsoft.com/office/drawing/2014/main" id="{3948653B-4E3C-592D-2483-7D871258502A}"/>
+                <a16:creationId xmlns:a16="http://schemas.microsoft.com/office/drawing/2014/main" id="{911FD7F1-023E-7785-6174-02C23313C49B}"/>
               </a:ext>
             </a:extLst>
           </p:cNvPr>
-          <p:cNvSpPr/>
-          <p:nvPr/>
+          <p:cNvSpPr>
+            <a:spLocks noGrp="1"/>
+          </p:cNvSpPr>
+          <p:nvPr>
+            <p:ph type="ctrTitle"/>
+          </p:nvPr>
+        </p:nvSpPr>
+        <p:spPr/>
+        <p:txBody>
+          <a:bodyPr/>
+          <a:lstStyle/>
+          <a:p>
+            <a:r>
+              <a:rPr lang="zh-TW" altLang="en-US" dirty="0"/>
+              <a:t>智慧衣櫃</a:t>
+            </a:r>
+          </a:p>
+        </p:txBody>
+      </p:sp>
+      <p:sp>
+        <p:nvSpPr>
+          <p:cNvPr id="3" name="副標題 2">
+            <a:extLst>
+              <a:ext uri="{FF2B5EF4-FFF2-40B4-BE49-F238E27FC236}">
+                <a16:creationId xmlns:a16="http://schemas.microsoft.com/office/drawing/2014/main" id="{3D18A5AE-904E-8A3A-B9CE-BE4D24435668}"/>
+              </a:ext>
+            </a:extLst>
+          </p:cNvPr>
+          <p:cNvSpPr>
+            <a:spLocks noGrp="1"/>
+          </p:cNvSpPr>
+          <p:nvPr>
+            <p:ph type="subTitle" idx="1"/>
+          </p:nvPr>
+        </p:nvSpPr>
+        <p:spPr/>
+        <p:txBody>
+          <a:bodyPr/>
+          <a:lstStyle/>
+          <a:p>
+            <a:endParaRPr lang="zh-TW" altLang="en-US"/>
+          </a:p>
+        </p:txBody>
+      </p:sp>
+    </p:spTree>
+    <p:extLst>
+      <p:ext uri="{BB962C8B-B14F-4D97-AF65-F5344CB8AC3E}">
+        <p14:creationId xmlns:p14="http://schemas.microsoft.com/office/powerpoint/2010/main" val="1751196580"/>
+      </p:ext>
+    </p:extLst>
+  </p:cSld>
+  <p:clrMapOvr>
+    <a:masterClrMapping/>
+  </p:clrMapOvr>
+</p:sld>
+</file>
+
+<file path=ppt/slides/slide2.xml><?xml version="1.0" encoding="utf-8"?>
+<p:sld xmlns:a="http://schemas.openxmlformats.org/drawingml/2006/main" xmlns:r="http://schemas.openxmlformats.org/officeDocument/2006/relationships" xmlns:p="http://schemas.openxmlformats.org/presentationml/2006/main">
+  <p:cSld>
+    <p:spTree>
+      <p:nvGrpSpPr>
+        <p:cNvPr id="1" name=""/>
+        <p:cNvGrpSpPr/>
+        <p:nvPr/>
+      </p:nvGrpSpPr>
+      <p:grpSpPr>
+        <a:xfrm>
+          <a:off x="0" y="0"/>
+          <a:ext cx="0" cy="0"/>
+          <a:chOff x="0" y="0"/>
+          <a:chExt cx="0" cy="0"/>
+        </a:xfrm>
+      </p:grpSpPr>
+      <p:sp>
+        <p:nvSpPr>
+          <p:cNvPr id="2" name="標題 1">
+            <a:extLst>
+              <a:ext uri="{FF2B5EF4-FFF2-40B4-BE49-F238E27FC236}">
+                <a16:creationId xmlns:a16="http://schemas.microsoft.com/office/drawing/2014/main" id="{B680BC82-27F2-F079-CFDB-4C57977A5F60}"/>
+              </a:ext>
+            </a:extLst>
+          </p:cNvPr>
+          <p:cNvSpPr>
+            <a:spLocks noGrp="1"/>
+          </p:cNvSpPr>
+          <p:nvPr>
+            <p:ph type="title"/>
+          </p:nvPr>
         </p:nvSpPr>
         <p:spPr>
           <a:xfrm>
-            <a:off x="473243" y="4283242"/>
-            <a:ext cx="4201750" cy="2037348"/>
+            <a:off x="1943100" y="193686"/>
+            <a:ext cx="1704110" cy="1609344"/>
           </a:xfrm>
-          <a:prstGeom prst="rect">
-            <a:avLst/>
-          </a:prstGeom>
-          <a:noFill/>
-          <a:ln w="57150">
-            <a:solidFill>
-              <a:schemeClr val="accent1">
-                <a:lumMod val="50000"/>
-              </a:schemeClr>
-            </a:solidFill>
-          </a:ln>
         </p:spPr>
-        <p:style>
-          <a:lnRef idx="2">
-            <a:schemeClr val="accent1">
-              <a:shade val="50000"/>
-            </a:schemeClr>
-          </a:lnRef>
-          <a:fillRef idx="1">
-            <a:schemeClr val="accent1"/>
-          </a:fillRef>
-          <a:effectRef idx="0">
-            <a:schemeClr val="accent1"/>
-          </a:effectRef>
-          <a:fontRef idx="minor">
-            <a:schemeClr val="lt1"/>
-          </a:fontRef>
-        </p:style>
-        <p:txBody>
-          <a:bodyPr rtlCol="0" anchor="ctr"/>
+        <p:txBody>
+          <a:bodyPr/>
           <a:lstStyle/>
           <a:p>
-            <a:pPr algn="ctr"/>
-            <a:endParaRPr lang="zh-TW" altLang="en-US"/>
+            <a:r>
+              <a:rPr lang="zh-TW" altLang="en-US" dirty="0">
+                <a:latin typeface="UD Digi Kyokasho NK-B" panose="02020700000000000000" pitchFamily="18" charset="-128"/>
+                <a:ea typeface="UD Digi Kyokasho NK-B" panose="02020700000000000000" pitchFamily="18" charset="-128"/>
+              </a:rPr>
+              <a:t>目標</a:t>
+            </a:r>
           </a:p>
         </p:txBody>
       </p:sp>
       <p:cxnSp>
         <p:nvCxnSpPr>
-          <p:cNvPr id="17" name="直線單箭頭接點 16">
+          <p:cNvPr id="11" name="直線接點 10">
             <a:extLst>
               <a:ext uri="{FF2B5EF4-FFF2-40B4-BE49-F238E27FC236}">
-                <a16:creationId xmlns:a16="http://schemas.microsoft.com/office/drawing/2014/main" id="{7BF64D82-DB21-14AD-53A1-239FADB35CBA}"/>
+                <a16:creationId xmlns:a16="http://schemas.microsoft.com/office/drawing/2014/main" id="{0EBEB8F1-3D56-B680-81DF-DEE0B6851B6F}"/>
               </a:ext>
             </a:extLst>
           </p:cNvPr>
@@ -3391,22 +4160,24 @@
         </p:nvCxnSpPr>
         <p:spPr>
           <a:xfrm>
-            <a:off x="3800596" y="5625910"/>
-            <a:ext cx="3747215" cy="0"/>
+            <a:off x="0" y="1330036"/>
+            <a:ext cx="3366655" cy="0"/>
           </a:xfrm>
-          <a:prstGeom prst="straightConnector1">
+          <a:prstGeom prst="line">
             <a:avLst/>
           </a:prstGeom>
-          <a:ln w="76200">
+          <a:ln w="76200" cmpd="dbl">
             <a:solidFill>
-              <a:schemeClr val="accent5">
-                <a:lumMod val="60000"/>
-                <a:lumOff val="40000"/>
+              <a:schemeClr val="tx2">
+                <a:lumMod val="75000"/>
+                <a:alpha val="78000"/>
               </a:schemeClr>
             </a:solidFill>
-            <a:headEnd type="triangle"/>
-            <a:tailEnd type="triangle"/>
+            <a:bevel/>
           </a:ln>
+          <a:effectLst>
+            <a:reflection blurRad="6350" stA="50000" endA="300" endPos="55500" dist="50800" dir="5400000" sy="-100000" algn="bl" rotWithShape="0"/>
+          </a:effectLst>
         </p:spPr>
         <p:style>
           <a:lnRef idx="1">
@@ -3423,12 +4194,78 @@
           </a:fontRef>
         </p:style>
       </p:cxnSp>
+    </p:spTree>
+    <p:extLst>
+      <p:ext uri="{BB962C8B-B14F-4D97-AF65-F5344CB8AC3E}">
+        <p14:creationId xmlns:p14="http://schemas.microsoft.com/office/powerpoint/2010/main" val="918735499"/>
+      </p:ext>
+    </p:extLst>
+  </p:cSld>
+  <p:clrMapOvr>
+    <a:masterClrMapping/>
+  </p:clrMapOvr>
+</p:sld>
+</file>
+
+<file path=ppt/slides/slide3.xml><?xml version="1.0" encoding="utf-8"?>
+<p:sld xmlns:a="http://schemas.openxmlformats.org/drawingml/2006/main" xmlns:r="http://schemas.openxmlformats.org/officeDocument/2006/relationships" xmlns:p="http://schemas.openxmlformats.org/presentationml/2006/main">
+  <p:cSld>
+    <p:spTree>
+      <p:nvGrpSpPr>
+        <p:cNvPr id="1" name=""/>
+        <p:cNvGrpSpPr/>
+        <p:nvPr/>
+      </p:nvGrpSpPr>
+      <p:grpSpPr>
+        <a:xfrm>
+          <a:off x="0" y="0"/>
+          <a:ext cx="0" cy="0"/>
+          <a:chOff x="0" y="0"/>
+          <a:chExt cx="0" cy="0"/>
+        </a:xfrm>
+      </p:grpSpPr>
+      <p:sp>
+        <p:nvSpPr>
+          <p:cNvPr id="2" name="標題 1">
+            <a:extLst>
+              <a:ext uri="{FF2B5EF4-FFF2-40B4-BE49-F238E27FC236}">
+                <a16:creationId xmlns:a16="http://schemas.microsoft.com/office/drawing/2014/main" id="{B680BC82-27F2-F079-CFDB-4C57977A5F60}"/>
+              </a:ext>
+            </a:extLst>
+          </p:cNvPr>
+          <p:cNvSpPr>
+            <a:spLocks noGrp="1"/>
+          </p:cNvSpPr>
+          <p:nvPr>
+            <p:ph type="title"/>
+          </p:nvPr>
+        </p:nvSpPr>
+        <p:spPr>
+          <a:xfrm>
+            <a:off x="321703" y="193686"/>
+            <a:ext cx="3325507" cy="1609344"/>
+          </a:xfrm>
+        </p:spPr>
+        <p:txBody>
+          <a:bodyPr/>
+          <a:lstStyle/>
+          <a:p>
+            <a:r>
+              <a:rPr lang="zh-TW" altLang="en-US" dirty="0">
+                <a:latin typeface="UD Digi Kyokasho NK-B" panose="02020700000000000000" pitchFamily="18" charset="-128"/>
+                <a:ea typeface="UD Digi Kyokasho NK-B" panose="02020700000000000000" pitchFamily="18" charset="-128"/>
+              </a:rPr>
+              <a:t>整體架構</a:t>
+            </a:r>
+          </a:p>
+        </p:txBody>
+      </p:sp>
       <p:pic>
         <p:nvPicPr>
-          <p:cNvPr id="5" name="圖片 4">
+          <p:cNvPr id="4" name="圖片 3">
             <a:extLst>
               <a:ext uri="{FF2B5EF4-FFF2-40B4-BE49-F238E27FC236}">
-                <a16:creationId xmlns:a16="http://schemas.microsoft.com/office/drawing/2014/main" id="{6FE73440-335C-A891-9478-C9799D638338}"/>
+                <a16:creationId xmlns:a16="http://schemas.microsoft.com/office/drawing/2014/main" id="{5EB0F5D7-0552-7B87-7C66-998EC462A29C}"/>
               </a:ext>
             </a:extLst>
           </p:cNvPr>
@@ -3439,16 +4276,6 @@
         </p:nvPicPr>
         <p:blipFill>
           <a:blip r:embed="rId2">
-            <a:clrChange>
-              <a:clrFrom>
-                <a:srgbClr val="FFFFFF"/>
-              </a:clrFrom>
-              <a:clrTo>
-                <a:srgbClr val="FFFFFF">
-                  <a:alpha val="0"/>
-                </a:srgbClr>
-              </a:clrTo>
-            </a:clrChange>
             <a:extLst>
               <a:ext uri="{28A0092B-C50C-407E-A947-70E740481C1C}">
                 <a14:useLocalDpi xmlns:a14="http://schemas.microsoft.com/office/drawing/2010/main" val="0"/>
@@ -3461,365 +4288,20 @@
         </p:blipFill>
         <p:spPr>
           <a:xfrm>
-            <a:off x="7754391" y="807768"/>
-            <a:ext cx="2907556" cy="1272055"/>
+            <a:off x="4529588" y="354734"/>
+            <a:ext cx="6124575" cy="5886450"/>
           </a:xfrm>
           <a:prstGeom prst="rect">
             <a:avLst/>
           </a:prstGeom>
         </p:spPr>
       </p:pic>
-      <p:pic>
-        <p:nvPicPr>
-          <p:cNvPr id="7" name="圖片 6">
+      <p:cxnSp>
+        <p:nvCxnSpPr>
+          <p:cNvPr id="11" name="直線接點 10">
             <a:extLst>
               <a:ext uri="{FF2B5EF4-FFF2-40B4-BE49-F238E27FC236}">
-                <a16:creationId xmlns:a16="http://schemas.microsoft.com/office/drawing/2014/main" id="{54FE2E98-116E-F003-4783-52517A43E5C3}"/>
-              </a:ext>
-            </a:extLst>
-          </p:cNvPr>
-          <p:cNvPicPr>
-            <a:picLocks noChangeAspect="1"/>
-          </p:cNvPicPr>
-          <p:nvPr/>
-        </p:nvPicPr>
-        <p:blipFill>
-          <a:blip r:embed="rId3">
-            <a:extLst>
-              <a:ext uri="{28A0092B-C50C-407E-A947-70E740481C1C}">
-                <a14:useLocalDpi xmlns:a14="http://schemas.microsoft.com/office/drawing/2010/main" val="0"/>
-              </a:ext>
-            </a:extLst>
-          </a:blip>
-          <a:stretch>
-            <a:fillRect/>
-          </a:stretch>
-        </p:blipFill>
-        <p:spPr>
-          <a:xfrm>
-            <a:off x="4042466" y="1847186"/>
-            <a:ext cx="2007874" cy="1367027"/>
-          </a:xfrm>
-          <a:prstGeom prst="rect">
-            <a:avLst/>
-          </a:prstGeom>
-        </p:spPr>
-      </p:pic>
-      <p:pic>
-        <p:nvPicPr>
-          <p:cNvPr id="9" name="圖片 8">
-            <a:extLst>
-              <a:ext uri="{FF2B5EF4-FFF2-40B4-BE49-F238E27FC236}">
-                <a16:creationId xmlns:a16="http://schemas.microsoft.com/office/drawing/2014/main" id="{CAE0265E-6552-660A-9A5A-B56AD1A1F104}"/>
-              </a:ext>
-            </a:extLst>
-          </p:cNvPr>
-          <p:cNvPicPr>
-            <a:picLocks noChangeAspect="1"/>
-          </p:cNvPicPr>
-          <p:nvPr/>
-        </p:nvPicPr>
-        <p:blipFill>
-          <a:blip r:embed="rId4">
-            <a:extLst>
-              <a:ext uri="{28A0092B-C50C-407E-A947-70E740481C1C}">
-                <a14:useLocalDpi xmlns:a14="http://schemas.microsoft.com/office/drawing/2010/main" val="0"/>
-              </a:ext>
-            </a:extLst>
-          </a:blip>
-          <a:stretch>
-            <a:fillRect/>
-          </a:stretch>
-        </p:blipFill>
-        <p:spPr>
-          <a:xfrm>
-            <a:off x="7873511" y="3784144"/>
-            <a:ext cx="2650096" cy="2650096"/>
-          </a:xfrm>
-          <a:prstGeom prst="rect">
-            <a:avLst/>
-          </a:prstGeom>
-        </p:spPr>
-      </p:pic>
-      <p:pic>
-        <p:nvPicPr>
-          <p:cNvPr id="11" name="圖片 10">
-            <a:extLst>
-              <a:ext uri="{FF2B5EF4-FFF2-40B4-BE49-F238E27FC236}">
-                <a16:creationId xmlns:a16="http://schemas.microsoft.com/office/drawing/2014/main" id="{08CBD34C-8B07-F641-B4B4-B10F6546660D}"/>
-              </a:ext>
-            </a:extLst>
-          </p:cNvPr>
-          <p:cNvPicPr>
-            <a:picLocks noChangeAspect="1"/>
-          </p:cNvPicPr>
-          <p:nvPr/>
-        </p:nvPicPr>
-        <p:blipFill>
-          <a:blip r:embed="rId5">
-            <a:clrChange>
-              <a:clrFrom>
-                <a:srgbClr val="FBFBFB"/>
-              </a:clrFrom>
-              <a:clrTo>
-                <a:srgbClr val="FBFBFB">
-                  <a:alpha val="0"/>
-                </a:srgbClr>
-              </a:clrTo>
-            </a:clrChange>
-          </a:blip>
-          <a:stretch>
-            <a:fillRect/>
-          </a:stretch>
-        </p:blipFill>
-        <p:spPr>
-          <a:xfrm>
-            <a:off x="1072559" y="4945911"/>
-            <a:ext cx="2607798" cy="1359999"/>
-          </a:xfrm>
-          <a:prstGeom prst="rect">
-            <a:avLst/>
-          </a:prstGeom>
-        </p:spPr>
-      </p:pic>
-      <p:pic>
-        <p:nvPicPr>
-          <p:cNvPr id="13" name="圖片 12">
-            <a:extLst>
-              <a:ext uri="{FF2B5EF4-FFF2-40B4-BE49-F238E27FC236}">
-                <a16:creationId xmlns:a16="http://schemas.microsoft.com/office/drawing/2014/main" id="{D4CEB308-F534-2707-A09F-0F8426D4826B}"/>
-              </a:ext>
-            </a:extLst>
-          </p:cNvPr>
-          <p:cNvPicPr>
-            <a:picLocks noChangeAspect="1"/>
-          </p:cNvPicPr>
-          <p:nvPr/>
-        </p:nvPicPr>
-        <p:blipFill>
-          <a:blip r:embed="rId6">
-            <a:clrChange>
-              <a:clrFrom>
-                <a:srgbClr val="FFFFFF"/>
-              </a:clrFrom>
-              <a:clrTo>
-                <a:srgbClr val="FFFFFF">
-                  <a:alpha val="0"/>
-                </a:srgbClr>
-              </a:clrTo>
-            </a:clrChange>
-          </a:blip>
-          <a:stretch>
-            <a:fillRect/>
-          </a:stretch>
-        </p:blipFill>
-        <p:spPr>
-          <a:xfrm>
-            <a:off x="2649469" y="4350677"/>
-            <a:ext cx="601946" cy="612432"/>
-          </a:xfrm>
-          <a:prstGeom prst="rect">
-            <a:avLst/>
-          </a:prstGeom>
-        </p:spPr>
-      </p:pic>
-      <p:pic>
-        <p:nvPicPr>
-          <p:cNvPr id="15" name="圖片 14">
-            <a:extLst>
-              <a:ext uri="{FF2B5EF4-FFF2-40B4-BE49-F238E27FC236}">
-                <a16:creationId xmlns:a16="http://schemas.microsoft.com/office/drawing/2014/main" id="{1994FD69-187E-41EF-3C21-60BBDE874FE7}"/>
-              </a:ext>
-            </a:extLst>
-          </p:cNvPr>
-          <p:cNvPicPr>
-            <a:picLocks noChangeAspect="1"/>
-          </p:cNvPicPr>
-          <p:nvPr/>
-        </p:nvPicPr>
-        <p:blipFill>
-          <a:blip r:embed="rId7">
-            <a:clrChange>
-              <a:clrFrom>
-                <a:srgbClr val="F8FAFB"/>
-              </a:clrFrom>
-              <a:clrTo>
-                <a:srgbClr val="F8FAFB">
-                  <a:alpha val="0"/>
-                </a:srgbClr>
-              </a:clrTo>
-            </a:clrChange>
-          </a:blip>
-          <a:stretch>
-            <a:fillRect/>
-          </a:stretch>
-        </p:blipFill>
-        <p:spPr>
-          <a:xfrm>
-            <a:off x="5145070" y="5109192"/>
-            <a:ext cx="1218685" cy="947072"/>
-          </a:xfrm>
-          <a:prstGeom prst="rect">
-            <a:avLst/>
-          </a:prstGeom>
-        </p:spPr>
-      </p:pic>
-      <p:sp>
-        <p:nvSpPr>
-          <p:cNvPr id="26" name="文字方塊 25">
-            <a:extLst>
-              <a:ext uri="{FF2B5EF4-FFF2-40B4-BE49-F238E27FC236}">
-                <a16:creationId xmlns:a16="http://schemas.microsoft.com/office/drawing/2014/main" id="{ABC64BC1-E1E8-9628-8768-A5340FCC9272}"/>
-              </a:ext>
-            </a:extLst>
-          </p:cNvPr>
-          <p:cNvSpPr txBox="1"/>
-          <p:nvPr/>
-        </p:nvSpPr>
-        <p:spPr>
-          <a:xfrm>
-            <a:off x="362108" y="3883132"/>
-            <a:ext cx="710451" cy="400110"/>
-          </a:xfrm>
-          <a:prstGeom prst="rect">
-            <a:avLst/>
-          </a:prstGeom>
-          <a:noFill/>
-        </p:spPr>
-        <p:txBody>
-          <a:bodyPr wrap="none" rtlCol="0">
-            <a:spAutoFit/>
-          </a:bodyPr>
-          <a:lstStyle/>
-          <a:p>
-            <a:r>
-              <a:rPr lang="zh-TW" altLang="en-US" sz="2000" b="1" dirty="0">
-                <a:latin typeface="Noto Sans HK Medium" panose="020B0600000000000000" pitchFamily="34" charset="-120"/>
-                <a:ea typeface="Noto Sans HK Medium" panose="020B0600000000000000" pitchFamily="34" charset="-120"/>
-              </a:rPr>
-              <a:t>前端</a:t>
-            </a:r>
-          </a:p>
-        </p:txBody>
-      </p:sp>
-      <p:sp>
-        <p:nvSpPr>
-          <p:cNvPr id="27" name="文字方塊 26">
-            <a:extLst>
-              <a:ext uri="{FF2B5EF4-FFF2-40B4-BE49-F238E27FC236}">
-                <a16:creationId xmlns:a16="http://schemas.microsoft.com/office/drawing/2014/main" id="{8F14B6CC-E0D0-1B80-A4D3-032DCE458F32}"/>
-              </a:ext>
-            </a:extLst>
-          </p:cNvPr>
-          <p:cNvSpPr txBox="1"/>
-          <p:nvPr/>
-        </p:nvSpPr>
-        <p:spPr>
-          <a:xfrm>
-            <a:off x="4904011" y="4578305"/>
-            <a:ext cx="2135521" cy="707886"/>
-          </a:xfrm>
-          <a:prstGeom prst="rect">
-            <a:avLst/>
-          </a:prstGeom>
-          <a:noFill/>
-        </p:spPr>
-        <p:txBody>
-          <a:bodyPr wrap="none" rtlCol="0">
-            <a:spAutoFit/>
-          </a:bodyPr>
-          <a:lstStyle/>
-          <a:p>
-            <a:r>
-              <a:rPr lang="en-US" altLang="zh-TW" sz="2000" b="1" dirty="0">
-                <a:latin typeface="Noto Sans HK Medium" panose="020B0600000000000000" pitchFamily="34" charset="-120"/>
-                <a:ea typeface="Noto Sans HK Medium" panose="020B0600000000000000" pitchFamily="34" charset="-120"/>
-              </a:rPr>
-              <a:t>EEL</a:t>
-            </a:r>
-          </a:p>
-          <a:p>
-            <a:r>
-              <a:rPr lang="zh-TW" altLang="en-US" sz="2000" b="1" dirty="0">
-                <a:latin typeface="Noto Sans HK Medium" panose="020B0600000000000000" pitchFamily="34" charset="-120"/>
-                <a:ea typeface="Noto Sans HK Medium" panose="020B0600000000000000" pitchFamily="34" charset="-120"/>
-              </a:rPr>
-              <a:t>連接</a:t>
-            </a:r>
-            <a:r>
-              <a:rPr lang="en-US" altLang="zh-TW" sz="2000" b="1" dirty="0" err="1">
-                <a:latin typeface="Noto Sans HK Medium" panose="020B0600000000000000" pitchFamily="34" charset="-120"/>
-                <a:ea typeface="Noto Sans HK Medium" panose="020B0600000000000000" pitchFamily="34" charset="-120"/>
-              </a:rPr>
-              <a:t>Python&amp;JS</a:t>
-            </a:r>
-            <a:endParaRPr lang="en-US" altLang="zh-TW" sz="2000" b="1" dirty="0">
-              <a:latin typeface="Noto Sans HK Medium" panose="020B0600000000000000" pitchFamily="34" charset="-120"/>
-              <a:ea typeface="Noto Sans HK Medium" panose="020B0600000000000000" pitchFamily="34" charset="-120"/>
-            </a:endParaRPr>
-          </a:p>
-        </p:txBody>
-      </p:sp>
-      <p:sp>
-        <p:nvSpPr>
-          <p:cNvPr id="28" name="矩形 27">
-            <a:extLst>
-              <a:ext uri="{FF2B5EF4-FFF2-40B4-BE49-F238E27FC236}">
-                <a16:creationId xmlns:a16="http://schemas.microsoft.com/office/drawing/2014/main" id="{BE73A635-3A55-F092-EC06-327C1E0E4766}"/>
-              </a:ext>
-            </a:extLst>
-          </p:cNvPr>
-          <p:cNvSpPr/>
-          <p:nvPr/>
-        </p:nvSpPr>
-        <p:spPr>
-          <a:xfrm>
-            <a:off x="3800596" y="1633698"/>
-            <a:ext cx="2546682" cy="1795302"/>
-          </a:xfrm>
-          <a:prstGeom prst="rect">
-            <a:avLst/>
-          </a:prstGeom>
-          <a:noFill/>
-          <a:ln w="57150">
-            <a:solidFill>
-              <a:schemeClr val="accent1">
-                <a:lumMod val="50000"/>
-              </a:schemeClr>
-            </a:solidFill>
-          </a:ln>
-        </p:spPr>
-        <p:style>
-          <a:lnRef idx="2">
-            <a:schemeClr val="accent1">
-              <a:shade val="50000"/>
-            </a:schemeClr>
-          </a:lnRef>
-          <a:fillRef idx="1">
-            <a:schemeClr val="accent1"/>
-          </a:fillRef>
-          <a:effectRef idx="0">
-            <a:schemeClr val="accent1"/>
-          </a:effectRef>
-          <a:fontRef idx="minor">
-            <a:schemeClr val="lt1"/>
-          </a:fontRef>
-        </p:style>
-        <p:txBody>
-          <a:bodyPr rtlCol="0" anchor="ctr"/>
-          <a:lstStyle/>
-          <a:p>
-            <a:pPr algn="ctr"/>
-            <a:endParaRPr lang="zh-TW" altLang="en-US"/>
-          </a:p>
-        </p:txBody>
-      </p:sp>
-      <p:cxnSp>
-        <p:nvCxnSpPr>
-          <p:cNvPr id="29" name="直線單箭頭接點 28">
-            <a:extLst>
-              <a:ext uri="{FF2B5EF4-FFF2-40B4-BE49-F238E27FC236}">
-                <a16:creationId xmlns:a16="http://schemas.microsoft.com/office/drawing/2014/main" id="{F60659B8-3A0E-0F89-6FB5-671C3859A8F7}"/>
+                <a16:creationId xmlns:a16="http://schemas.microsoft.com/office/drawing/2014/main" id="{0EBEB8F1-3D56-B680-81DF-DEE0B6851B6F}"/>
               </a:ext>
             </a:extLst>
           </p:cNvPr>
@@ -3830,22 +4312,24 @@
         </p:nvCxnSpPr>
         <p:spPr>
           <a:xfrm>
-            <a:off x="9208169" y="2261937"/>
-            <a:ext cx="0" cy="1470862"/>
+            <a:off x="0" y="1330036"/>
+            <a:ext cx="3366655" cy="0"/>
           </a:xfrm>
-          <a:prstGeom prst="straightConnector1">
+          <a:prstGeom prst="line">
             <a:avLst/>
           </a:prstGeom>
-          <a:ln w="76200">
+          <a:ln w="76200" cmpd="dbl">
             <a:solidFill>
-              <a:schemeClr val="accent5">
-                <a:lumMod val="60000"/>
-                <a:lumOff val="40000"/>
+              <a:schemeClr val="tx2">
+                <a:lumMod val="75000"/>
+                <a:alpha val="78000"/>
               </a:schemeClr>
             </a:solidFill>
-            <a:headEnd type="triangle"/>
-            <a:tailEnd type="triangle"/>
+            <a:bevel/>
           </a:ln>
+          <a:effectLst>
+            <a:reflection blurRad="6350" stA="50000" endA="300" endPos="55500" dist="50800" dir="5400000" sy="-100000" algn="bl" rotWithShape="0"/>
+          </a:effectLst>
         </p:spPr>
         <p:style>
           <a:lnRef idx="1">
@@ -3862,50 +4346,91 @@
           </a:fontRef>
         </p:style>
       </p:cxnSp>
-      <p:sp>
-        <p:nvSpPr>
-          <p:cNvPr id="33" name="文字方塊 32">
+    </p:spTree>
+    <p:extLst>
+      <p:ext uri="{BB962C8B-B14F-4D97-AF65-F5344CB8AC3E}">
+        <p14:creationId xmlns:p14="http://schemas.microsoft.com/office/powerpoint/2010/main" val="2243697983"/>
+      </p:ext>
+    </p:extLst>
+  </p:cSld>
+  <p:clrMapOvr>
+    <a:masterClrMapping/>
+  </p:clrMapOvr>
+</p:sld>
+</file>
+
+<file path=ppt/slides/slide4.xml><?xml version="1.0" encoding="utf-8"?>
+<p:sld xmlns:a="http://schemas.openxmlformats.org/drawingml/2006/main" xmlns:r="http://schemas.openxmlformats.org/officeDocument/2006/relationships" xmlns:p="http://schemas.openxmlformats.org/presentationml/2006/main">
+  <p:cSld>
+    <p:spTree>
+      <p:nvGrpSpPr>
+        <p:cNvPr id="1" name=""/>
+        <p:cNvGrpSpPr/>
+        <p:nvPr/>
+      </p:nvGrpSpPr>
+      <p:grpSpPr>
+        <a:xfrm>
+          <a:off x="0" y="0"/>
+          <a:ext cx="0" cy="0"/>
+          <a:chOff x="0" y="0"/>
+          <a:chExt cx="0" cy="0"/>
+        </a:xfrm>
+      </p:grpSpPr>
+      <p:sp>
+        <p:nvSpPr>
+          <p:cNvPr id="2" name="標題 1">
             <a:extLst>
               <a:ext uri="{FF2B5EF4-FFF2-40B4-BE49-F238E27FC236}">
-                <a16:creationId xmlns:a16="http://schemas.microsoft.com/office/drawing/2014/main" id="{BC49B58D-09F2-59CA-A37B-3965503136EB}"/>
+                <a16:creationId xmlns:a16="http://schemas.microsoft.com/office/drawing/2014/main" id="{B680BC82-27F2-F079-CFDB-4C57977A5F60}"/>
               </a:ext>
             </a:extLst>
           </p:cNvPr>
-          <p:cNvSpPr txBox="1"/>
-          <p:nvPr/>
+          <p:cNvSpPr>
+            <a:spLocks noGrp="1"/>
+          </p:cNvSpPr>
+          <p:nvPr>
+            <p:ph type="title"/>
+          </p:nvPr>
         </p:nvSpPr>
         <p:spPr>
           <a:xfrm>
-            <a:off x="9932661" y="498248"/>
-            <a:ext cx="973343" cy="400110"/>
+            <a:off x="425301" y="161788"/>
+            <a:ext cx="8282763" cy="1609344"/>
           </a:xfrm>
-          <a:prstGeom prst="rect">
-            <a:avLst/>
-          </a:prstGeom>
-          <a:noFill/>
         </p:spPr>
         <p:txBody>
-          <a:bodyPr wrap="none" rtlCol="0">
-            <a:spAutoFit/>
+          <a:bodyPr>
+            <a:normAutofit/>
           </a:bodyPr>
           <a:lstStyle/>
           <a:p>
             <a:r>
-              <a:rPr lang="zh-TW" altLang="en-US" sz="2000" b="1" dirty="0">
-                <a:latin typeface="Noto Sans HK Medium" panose="020B0600000000000000" pitchFamily="34" charset="-120"/>
-                <a:ea typeface="Noto Sans HK Medium" panose="020B0600000000000000" pitchFamily="34" charset="-120"/>
+              <a:rPr lang="zh-TW" altLang="en-US" dirty="0">
+                <a:latin typeface="UD Digi Kyokasho NK-B" panose="02020700000000000000" pitchFamily="18" charset="-128"/>
+                <a:ea typeface="UD Digi Kyokasho NK-B" panose="02020700000000000000" pitchFamily="18" charset="-128"/>
               </a:rPr>
-              <a:t>資料庫</a:t>
-            </a:r>
+              <a:t>操作功能</a:t>
+            </a:r>
+            <a:r>
+              <a:rPr lang="en-US" altLang="zh-TW" dirty="0">
+                <a:latin typeface="UD Digi Kyokasho NK-B" panose="02020700000000000000" pitchFamily="18" charset="-128"/>
+                <a:ea typeface="UD Digi Kyokasho NK-B" panose="02020700000000000000" pitchFamily="18" charset="-128"/>
+              </a:rPr>
+              <a:t>-</a:t>
+            </a:r>
+            <a:endParaRPr lang="zh-TW" altLang="en-US" dirty="0">
+              <a:latin typeface="UD Digi Kyokasho NK-B" panose="02020700000000000000" pitchFamily="18" charset="-128"/>
+              <a:ea typeface="UD Digi Kyokasho NK-B" panose="02020700000000000000" pitchFamily="18" charset="-128"/>
+            </a:endParaRPr>
           </a:p>
         </p:txBody>
       </p:sp>
       <p:cxnSp>
         <p:nvCxnSpPr>
-          <p:cNvPr id="34" name="直線單箭頭接點 33">
+          <p:cNvPr id="11" name="直線接點 10">
             <a:extLst>
               <a:ext uri="{FF2B5EF4-FFF2-40B4-BE49-F238E27FC236}">
-                <a16:creationId xmlns:a16="http://schemas.microsoft.com/office/drawing/2014/main" id="{37B6E06F-093B-EE20-D497-4192CE34B516}"/>
+                <a16:creationId xmlns:a16="http://schemas.microsoft.com/office/drawing/2014/main" id="{0EBEB8F1-3D56-B680-81DF-DEE0B6851B6F}"/>
               </a:ext>
             </a:extLst>
           </p:cNvPr>
@@ -3916,22 +4441,24 @@
         </p:nvCxnSpPr>
         <p:spPr>
           <a:xfrm>
-            <a:off x="6449933" y="3501899"/>
-            <a:ext cx="1547056" cy="848778"/>
+            <a:off x="0" y="1330036"/>
+            <a:ext cx="3366655" cy="0"/>
           </a:xfrm>
-          <a:prstGeom prst="straightConnector1">
+          <a:prstGeom prst="line">
             <a:avLst/>
           </a:prstGeom>
-          <a:ln w="76200">
+          <a:ln w="76200" cmpd="dbl">
             <a:solidFill>
-              <a:schemeClr val="accent5">
-                <a:lumMod val="60000"/>
-                <a:lumOff val="40000"/>
+              <a:schemeClr val="tx2">
+                <a:lumMod val="75000"/>
+                <a:alpha val="78000"/>
               </a:schemeClr>
             </a:solidFill>
-            <a:headEnd type="triangle"/>
-            <a:tailEnd type="triangle"/>
+            <a:bevel/>
           </a:ln>
+          <a:effectLst>
+            <a:reflection blurRad="6350" stA="50000" endA="300" endPos="55500" dist="50800" dir="5400000" sy="-100000" algn="bl" rotWithShape="0"/>
+          </a:effectLst>
         </p:spPr>
         <p:style>
           <a:lnRef idx="1">
@@ -3948,157 +4475,10 @@
           </a:fontRef>
         </p:style>
       </p:cxnSp>
-      <p:sp>
-        <p:nvSpPr>
-          <p:cNvPr id="38" name="矩形 37">
-            <a:extLst>
-              <a:ext uri="{FF2B5EF4-FFF2-40B4-BE49-F238E27FC236}">
-                <a16:creationId xmlns:a16="http://schemas.microsoft.com/office/drawing/2014/main" id="{1A9373D0-73CC-79F4-7B8E-6199D9FC9F49}"/>
-              </a:ext>
-            </a:extLst>
-          </p:cNvPr>
-          <p:cNvSpPr/>
-          <p:nvPr/>
-        </p:nvSpPr>
-        <p:spPr>
-          <a:xfrm>
-            <a:off x="7700211" y="898358"/>
-            <a:ext cx="3039976" cy="1181465"/>
-          </a:xfrm>
-          <a:prstGeom prst="rect">
-            <a:avLst/>
-          </a:prstGeom>
-          <a:noFill/>
-          <a:ln w="57150">
-            <a:solidFill>
-              <a:schemeClr val="accent1">
-                <a:lumMod val="50000"/>
-              </a:schemeClr>
-            </a:solidFill>
-          </a:ln>
-        </p:spPr>
-        <p:style>
-          <a:lnRef idx="2">
-            <a:schemeClr val="accent1">
-              <a:shade val="50000"/>
-            </a:schemeClr>
-          </a:lnRef>
-          <a:fillRef idx="1">
-            <a:schemeClr val="accent1"/>
-          </a:fillRef>
-          <a:effectRef idx="0">
-            <a:schemeClr val="accent1"/>
-          </a:effectRef>
-          <a:fontRef idx="minor">
-            <a:schemeClr val="lt1"/>
-          </a:fontRef>
-        </p:style>
-        <p:txBody>
-          <a:bodyPr rtlCol="0" anchor="ctr"/>
-          <a:lstStyle/>
-          <a:p>
-            <a:pPr algn="ctr"/>
-            <a:endParaRPr lang="zh-TW" altLang="en-US"/>
-          </a:p>
-        </p:txBody>
-      </p:sp>
-      <p:sp>
-        <p:nvSpPr>
-          <p:cNvPr id="39" name="文字方塊 38">
-            <a:extLst>
-              <a:ext uri="{FF2B5EF4-FFF2-40B4-BE49-F238E27FC236}">
-                <a16:creationId xmlns:a16="http://schemas.microsoft.com/office/drawing/2014/main" id="{1BD3F50D-43EC-18EF-F4D8-DD3415B1F00C}"/>
-              </a:ext>
-            </a:extLst>
-          </p:cNvPr>
-          <p:cNvSpPr txBox="1"/>
-          <p:nvPr/>
-        </p:nvSpPr>
-        <p:spPr>
-          <a:xfrm>
-            <a:off x="3680357" y="1243740"/>
-            <a:ext cx="1236236" cy="400110"/>
-          </a:xfrm>
-          <a:prstGeom prst="rect">
-            <a:avLst/>
-          </a:prstGeom>
-          <a:noFill/>
-        </p:spPr>
-        <p:txBody>
-          <a:bodyPr wrap="none" rtlCol="0">
-            <a:spAutoFit/>
-          </a:bodyPr>
-          <a:lstStyle/>
-          <a:p>
-            <a:r>
-              <a:rPr lang="zh-TW" altLang="en-US" sz="2000" b="1" dirty="0">
-                <a:latin typeface="Noto Sans HK Medium" panose="020B0600000000000000" pitchFamily="34" charset="-120"/>
-                <a:ea typeface="Noto Sans HK Medium" panose="020B0600000000000000" pitchFamily="34" charset="-120"/>
-              </a:rPr>
-              <a:t>硬體架構</a:t>
-            </a:r>
-          </a:p>
-        </p:txBody>
-      </p:sp>
-      <p:sp>
-        <p:nvSpPr>
-          <p:cNvPr id="41" name="文字方塊 40">
-            <a:extLst>
-              <a:ext uri="{FF2B5EF4-FFF2-40B4-BE49-F238E27FC236}">
-                <a16:creationId xmlns:a16="http://schemas.microsoft.com/office/drawing/2014/main" id="{E3F8BDCD-D7EB-E1CA-6280-11F97D3D2E05}"/>
-              </a:ext>
-            </a:extLst>
-          </p:cNvPr>
-          <p:cNvSpPr txBox="1"/>
-          <p:nvPr/>
-        </p:nvSpPr>
-        <p:spPr>
-          <a:xfrm>
-            <a:off x="10523607" y="4880494"/>
-            <a:ext cx="1236236" cy="707886"/>
-          </a:xfrm>
-          <a:prstGeom prst="rect">
-            <a:avLst/>
-          </a:prstGeom>
-          <a:noFill/>
-        </p:spPr>
-        <p:txBody>
-          <a:bodyPr wrap="none" rtlCol="0">
-            <a:spAutoFit/>
-          </a:bodyPr>
-          <a:lstStyle/>
-          <a:p>
-            <a:r>
-              <a:rPr lang="zh-TW" altLang="en-US" sz="2000" b="1" dirty="0">
-                <a:latin typeface="Noto Sans HK Medium" panose="020B0600000000000000" pitchFamily="34" charset="-120"/>
-                <a:ea typeface="Noto Sans HK Medium" panose="020B0600000000000000" pitchFamily="34" charset="-120"/>
-              </a:rPr>
-              <a:t>演算法</a:t>
-            </a:r>
-            <a:endParaRPr lang="en-US" altLang="zh-TW" sz="2000" b="1" dirty="0">
-              <a:latin typeface="Noto Sans HK Medium" panose="020B0600000000000000" pitchFamily="34" charset="-120"/>
-              <a:ea typeface="Noto Sans HK Medium" panose="020B0600000000000000" pitchFamily="34" charset="-120"/>
-            </a:endParaRPr>
-          </a:p>
-          <a:p>
-            <a:r>
-              <a:rPr lang="zh-TW" altLang="en-US" sz="2000" b="1" dirty="0">
-                <a:latin typeface="Noto Sans HK Medium" panose="020B0600000000000000" pitchFamily="34" charset="-120"/>
-                <a:ea typeface="Noto Sans HK Medium" panose="020B0600000000000000" pitchFamily="34" charset="-120"/>
-              </a:rPr>
-              <a:t>影像辨識</a:t>
-            </a:r>
-            <a:endParaRPr lang="en-US" altLang="zh-TW" sz="2000" b="1" dirty="0">
-              <a:latin typeface="Noto Sans HK Medium" panose="020B0600000000000000" pitchFamily="34" charset="-120"/>
-              <a:ea typeface="Noto Sans HK Medium" panose="020B0600000000000000" pitchFamily="34" charset="-120"/>
-            </a:endParaRPr>
-          </a:p>
-        </p:txBody>
-      </p:sp>
     </p:spTree>
     <p:extLst>
       <p:ext uri="{BB962C8B-B14F-4D97-AF65-F5344CB8AC3E}">
-        <p14:creationId xmlns:p14="http://schemas.microsoft.com/office/powerpoint/2010/main" val="1019714654"/>
+        <p14:creationId xmlns:p14="http://schemas.microsoft.com/office/powerpoint/2010/main" val="3152369340"/>
       </p:ext>
     </p:extLst>
   </p:cSld>
@@ -4109,9 +4489,9 @@
 </file>
 
 <file path=ppt/theme/theme1.xml><?xml version="1.0" encoding="utf-8"?>
-<a:theme xmlns:a="http://schemas.openxmlformats.org/drawingml/2006/main" name="Office 佈景主題">
+<a:theme xmlns:a="http://schemas.openxmlformats.org/drawingml/2006/main" name="木刻字型">
   <a:themeElements>
-    <a:clrScheme name="Office">
+    <a:clrScheme name="木刻字型">
       <a:dk1>
         <a:sysClr val="windowText" lastClr="000000"/>
       </a:dk1>
@@ -4119,48 +4499,86 @@
         <a:sysClr val="window" lastClr="FFFFFF"/>
       </a:lt1>
       <a:dk2>
-        <a:srgbClr val="44546A"/>
+        <a:srgbClr val="696464"/>
       </a:dk2>
       <a:lt2>
-        <a:srgbClr val="E7E6E6"/>
+        <a:srgbClr val="E9E5DC"/>
       </a:lt2>
       <a:accent1>
-        <a:srgbClr val="4472C4"/>
+        <a:srgbClr val="D34817"/>
       </a:accent1>
       <a:accent2>
-        <a:srgbClr val="ED7D31"/>
+        <a:srgbClr val="9B2D1F"/>
       </a:accent2>
       <a:accent3>
-        <a:srgbClr val="A5A5A5"/>
+        <a:srgbClr val="A28E6A"/>
       </a:accent3>
       <a:accent4>
-        <a:srgbClr val="FFC000"/>
+        <a:srgbClr val="956251"/>
       </a:accent4>
       <a:accent5>
-        <a:srgbClr val="5B9BD5"/>
+        <a:srgbClr val="918485"/>
       </a:accent5>
       <a:accent6>
-        <a:srgbClr val="70AD47"/>
+        <a:srgbClr val="855D5D"/>
       </a:accent6>
       <a:hlink>
-        <a:srgbClr val="0563C1"/>
+        <a:srgbClr val="CC9900"/>
       </a:hlink>
       <a:folHlink>
-        <a:srgbClr val="954F72"/>
+        <a:srgbClr val="96A9A9"/>
       </a:folHlink>
     </a:clrScheme>
-    <a:fontScheme name="Office">
+    <a:fontScheme name="木刻字型">
       <a:majorFont>
-        <a:latin typeface="Calibri Light" panose="020F0302020204030204"/>
+        <a:latin typeface="Rockwell Condensed" panose="02060603050405020104"/>
         <a:ea typeface=""/>
         <a:cs typeface=""/>
-        <a:font script="Jpan" typeface="游ゴシック Light"/>
-        <a:font script="Hang" typeface="맑은 고딕"/>
-        <a:font script="Hans" typeface="等线 Light"/>
-        <a:font script="Hant" typeface="新細明體"/>
+        <a:font script="Grek" typeface="Cambria"/>
+        <a:font script="Cyrl" typeface="Cambria"/>
+        <a:font script="Jpan" typeface="HG明朝B"/>
+        <a:font script="Hang" typeface="바탕"/>
+        <a:font script="Hans" typeface="方正姚体"/>
+        <a:font script="Hant" typeface="微軟正黑體"/>
         <a:font script="Arab" typeface="Times New Roman"/>
-        <a:font script="Hebr" typeface="Times New Roman"/>
-        <a:font script="Thai" typeface="Angsana New"/>
+        <a:font script="Hebr" typeface="David"/>
+        <a:font script="Thai" typeface="JasmineUPC"/>
+        <a:font script="Ethi" typeface="Nyala"/>
+        <a:font script="Beng" typeface="Vrinda"/>
+        <a:font script="Gujr" typeface="Shruti"/>
+        <a:font script="Khmr" typeface="MoolBoran"/>
+        <a:font script="Knda" typeface="Tunga"/>
+        <a:font script="Guru" typeface="Raavi"/>
+        <a:font script="Cans" typeface="Euphemia"/>
+        <a:font script="Cher" typeface="Plantagenet Cherokee"/>
+        <a:font script="Yiii" typeface="Microsoft Yi Baiti"/>
+        <a:font script="Tibt" typeface="Microsoft Himalaya"/>
+        <a:font script="Thaa" typeface="MV Boli"/>
+        <a:font script="Deva" typeface="Mangal"/>
+        <a:font script="Telu" typeface="Gautami"/>
+        <a:font script="Taml" typeface="Latha"/>
+        <a:font script="Syrc" typeface="Estrangelo Edessa"/>
+        <a:font script="Orya" typeface="Kalinga"/>
+        <a:font script="Mlym" typeface="Kartika"/>
+        <a:font script="Laoo" typeface="DokChampa"/>
+        <a:font script="Sinh" typeface="Iskoola Pota"/>
+        <a:font script="Mong" typeface="Mongolian Baiti"/>
+        <a:font script="Viet" typeface="Arial"/>
+        <a:font script="Uigh" typeface="Microsoft Uighur"/>
+      </a:majorFont>
+      <a:minorFont>
+        <a:latin typeface="Rockwell" panose="02060603020205020403"/>
+        <a:ea typeface=""/>
+        <a:cs typeface=""/>
+        <a:font script="Grek" typeface="Cambria"/>
+        <a:font script="Cyrl" typeface="Cambria"/>
+        <a:font script="Jpan" typeface="HG明朝B"/>
+        <a:font script="Hang" typeface="바탕"/>
+        <a:font script="Hans" typeface="方正姚体"/>
+        <a:font script="Hant" typeface="標楷體"/>
+        <a:font script="Arab" typeface="Times New Roman"/>
+        <a:font script="Hebr" typeface="David"/>
+        <a:font script="Thai" typeface="JasmineUPC"/>
         <a:font script="Ethi" typeface="Nyala"/>
         <a:font script="Beng" typeface="Vrinda"/>
         <a:font script="Gujr" typeface="Shruti"/>
@@ -4183,135 +4601,42 @@
         <a:font script="Mong" typeface="Mongolian Baiti"/>
         <a:font script="Viet" typeface="Times New Roman"/>
         <a:font script="Uigh" typeface="Microsoft Uighur"/>
-        <a:font script="Geor" typeface="Sylfaen"/>
-        <a:font script="Armn" typeface="Arial"/>
-        <a:font script="Bugi" typeface="Leelawadee UI"/>
-        <a:font script="Bopo" typeface="Microsoft JhengHei"/>
-        <a:font script="Java" typeface="Javanese Text"/>
-        <a:font script="Lisu" typeface="Segoe UI"/>
-        <a:font script="Mymr" typeface="Myanmar Text"/>
-        <a:font script="Nkoo" typeface="Ebrima"/>
-        <a:font script="Olck" typeface="Nirmala UI"/>
-        <a:font script="Osma" typeface="Ebrima"/>
-        <a:font script="Phag" typeface="Phagspa"/>
-        <a:font script="Syrn" typeface="Estrangelo Edessa"/>
-        <a:font script="Syrj" typeface="Estrangelo Edessa"/>
-        <a:font script="Syre" typeface="Estrangelo Edessa"/>
-        <a:font script="Sora" typeface="Nirmala UI"/>
-        <a:font script="Tale" typeface="Microsoft Tai Le"/>
-        <a:font script="Talu" typeface="Microsoft New Tai Lue"/>
-        <a:font script="Tfng" typeface="Ebrima"/>
-      </a:majorFont>
-      <a:minorFont>
-        <a:latin typeface="Calibri" panose="020F0502020204030204"/>
-        <a:ea typeface=""/>
-        <a:cs typeface=""/>
-        <a:font script="Jpan" typeface="游ゴシック"/>
-        <a:font script="Hang" typeface="맑은 고딕"/>
-        <a:font script="Hans" typeface="等线"/>
-        <a:font script="Hant" typeface="新細明體"/>
-        <a:font script="Arab" typeface="Arial"/>
-        <a:font script="Hebr" typeface="Arial"/>
-        <a:font script="Thai" typeface="Cordia New"/>
-        <a:font script="Ethi" typeface="Nyala"/>
-        <a:font script="Beng" typeface="Vrinda"/>
-        <a:font script="Gujr" typeface="Shruti"/>
-        <a:font script="Khmr" typeface="DaunPenh"/>
-        <a:font script="Knda" typeface="Tunga"/>
-        <a:font script="Guru" typeface="Raavi"/>
-        <a:font script="Cans" typeface="Euphemia"/>
-        <a:font script="Cher" typeface="Plantagenet Cherokee"/>
-        <a:font script="Yiii" typeface="Microsoft Yi Baiti"/>
-        <a:font script="Tibt" typeface="Microsoft Himalaya"/>
-        <a:font script="Thaa" typeface="MV Boli"/>
-        <a:font script="Deva" typeface="Mangal"/>
-        <a:font script="Telu" typeface="Gautami"/>
-        <a:font script="Taml" typeface="Latha"/>
-        <a:font script="Syrc" typeface="Estrangelo Edessa"/>
-        <a:font script="Orya" typeface="Kalinga"/>
-        <a:font script="Mlym" typeface="Kartika"/>
-        <a:font script="Laoo" typeface="DokChampa"/>
-        <a:font script="Sinh" typeface="Iskoola Pota"/>
-        <a:font script="Mong" typeface="Mongolian Baiti"/>
-        <a:font script="Viet" typeface="Arial"/>
-        <a:font script="Uigh" typeface="Microsoft Uighur"/>
-        <a:font script="Geor" typeface="Sylfaen"/>
-        <a:font script="Armn" typeface="Arial"/>
-        <a:font script="Bugi" typeface="Leelawadee UI"/>
-        <a:font script="Bopo" typeface="Microsoft JhengHei"/>
-        <a:font script="Java" typeface="Javanese Text"/>
-        <a:font script="Lisu" typeface="Segoe UI"/>
-        <a:font script="Mymr" typeface="Myanmar Text"/>
-        <a:font script="Nkoo" typeface="Ebrima"/>
-        <a:font script="Olck" typeface="Nirmala UI"/>
-        <a:font script="Osma" typeface="Ebrima"/>
-        <a:font script="Phag" typeface="Phagspa"/>
-        <a:font script="Syrn" typeface="Estrangelo Edessa"/>
-        <a:font script="Syrj" typeface="Estrangelo Edessa"/>
-        <a:font script="Syre" typeface="Estrangelo Edessa"/>
-        <a:font script="Sora" typeface="Nirmala UI"/>
-        <a:font script="Tale" typeface="Microsoft Tai Le"/>
-        <a:font script="Talu" typeface="Microsoft New Tai Lue"/>
-        <a:font script="Tfng" typeface="Ebrima"/>
       </a:minorFont>
     </a:fontScheme>
-    <a:fmtScheme name="Office">
+    <a:fmtScheme name="木刻字型">
       <a:fillStyleLst>
         <a:solidFill>
           <a:schemeClr val="phClr"/>
         </a:solidFill>
-        <a:gradFill rotWithShape="1">
-          <a:gsLst>
-            <a:gs pos="0">
+        <a:blipFill rotWithShape="1">
+          <a:blip xmlns:r="http://schemas.openxmlformats.org/officeDocument/2006/relationships" r:embed="rId1">
+            <a:duotone>
               <a:schemeClr val="phClr">
-                <a:lumMod val="110000"/>
-                <a:satMod val="105000"/>
-                <a:tint val="67000"/>
+                <a:tint val="70000"/>
+                <a:shade val="63000"/>
               </a:schemeClr>
-            </a:gs>
-            <a:gs pos="50000">
               <a:schemeClr val="phClr">
-                <a:lumMod val="105000"/>
-                <a:satMod val="103000"/>
-                <a:tint val="73000"/>
+                <a:tint val="10000"/>
+                <a:satMod val="150000"/>
               </a:schemeClr>
-            </a:gs>
-            <a:gs pos="100000">
+            </a:duotone>
+          </a:blip>
+          <a:tile tx="0" ty="0" sx="60000" sy="59000" flip="none" algn="tl"/>
+        </a:blipFill>
+        <a:blipFill rotWithShape="1">
+          <a:blip xmlns:r="http://schemas.openxmlformats.org/officeDocument/2006/relationships" r:embed="rId1">
+            <a:duotone>
               <a:schemeClr val="phClr">
-                <a:lumMod val="105000"/>
-                <a:satMod val="109000"/>
-                <a:tint val="81000"/>
+                <a:shade val="36000"/>
+                <a:satMod val="120000"/>
               </a:schemeClr>
-            </a:gs>
-          </a:gsLst>
-          <a:lin ang="5400000" scaled="0"/>
-        </a:gradFill>
-        <a:gradFill rotWithShape="1">
-          <a:gsLst>
-            <a:gs pos="0">
               <a:schemeClr val="phClr">
-                <a:satMod val="103000"/>
-                <a:lumMod val="102000"/>
-                <a:tint val="94000"/>
+                <a:tint val="40000"/>
               </a:schemeClr>
-            </a:gs>
-            <a:gs pos="50000">
-              <a:schemeClr val="phClr">
-                <a:satMod val="110000"/>
-                <a:lumMod val="100000"/>
-                <a:shade val="100000"/>
-              </a:schemeClr>
-            </a:gs>
-            <a:gs pos="100000">
-              <a:schemeClr val="phClr">
-                <a:lumMod val="99000"/>
-                <a:satMod val="120000"/>
-                <a:shade val="78000"/>
-              </a:schemeClr>
-            </a:gs>
-          </a:gsLst>
-          <a:lin ang="5400000" scaled="0"/>
-        </a:gradFill>
+            </a:duotone>
+          </a:blip>
+          <a:tile tx="0" ty="0" sx="60000" sy="59000" flip="none" algn="tl"/>
+        </a:blipFill>
       </a:fillStyleLst>
       <a:lnStyleLst>
         <a:ln w="6350" cap="flat" cmpd="sng" algn="ctr">
@@ -4319,21 +4644,18 @@
             <a:schemeClr val="phClr"/>
           </a:solidFill>
           <a:prstDash val="solid"/>
-          <a:miter lim="800000"/>
         </a:ln>
         <a:ln w="12700" cap="flat" cmpd="sng" algn="ctr">
           <a:solidFill>
             <a:schemeClr val="phClr"/>
           </a:solidFill>
           <a:prstDash val="solid"/>
-          <a:miter lim="800000"/>
         </a:ln>
         <a:ln w="19050" cap="flat" cmpd="sng" algn="ctr">
           <a:solidFill>
             <a:schemeClr val="phClr"/>
           </a:solidFill>
           <a:prstDash val="solid"/>
-          <a:miter lim="800000"/>
         </a:ln>
       </a:lnStyleLst>
       <a:effectStyleLst>
@@ -4341,15 +4663,18 @@
           <a:effectLst/>
         </a:effectStyle>
         <a:effectStyle>
-          <a:effectLst/>
+          <a:effectLst>
+            <a:softEdge rad="12700"/>
+          </a:effectLst>
         </a:effectStyle>
         <a:effectStyle>
           <a:effectLst>
-            <a:outerShdw blurRad="57150" dist="19050" dir="5400000" algn="ctr" rotWithShape="0">
+            <a:outerShdw blurRad="50800" dist="19050" dir="5400000" algn="tl" rotWithShape="0">
               <a:srgbClr val="000000">
-                <a:alpha val="63000"/>
+                <a:alpha val="60000"/>
               </a:srgbClr>
             </a:outerShdw>
+            <a:softEdge rad="12700"/>
           </a:effectLst>
         </a:effectStyle>
       </a:effectStyleLst>
@@ -4359,37 +4684,26 @@
         </a:solidFill>
         <a:solidFill>
           <a:schemeClr val="phClr">
-            <a:tint val="95000"/>
-            <a:satMod val="170000"/>
+            <a:shade val="97000"/>
+            <a:satMod val="150000"/>
           </a:schemeClr>
         </a:solidFill>
-        <a:gradFill rotWithShape="1">
-          <a:gsLst>
-            <a:gs pos="0">
+        <a:blipFill rotWithShape="1">
+          <a:blip xmlns:r="http://schemas.openxmlformats.org/officeDocument/2006/relationships" r:embed="rId1">
+            <a:duotone>
               <a:schemeClr val="phClr">
-                <a:tint val="93000"/>
-                <a:satMod val="150000"/>
-                <a:shade val="98000"/>
-                <a:lumMod val="102000"/>
-              </a:schemeClr>
-            </a:gs>
-            <a:gs pos="50000">
-              <a:schemeClr val="phClr">
-                <a:tint val="98000"/>
-                <a:satMod val="130000"/>
-                <a:shade val="90000"/>
-                <a:lumMod val="103000"/>
-              </a:schemeClr>
-            </a:gs>
-            <a:gs pos="100000">
-              <a:schemeClr val="phClr">
-                <a:shade val="63000"/>
+                <a:tint val="75000"/>
+                <a:shade val="58000"/>
                 <a:satMod val="120000"/>
               </a:schemeClr>
-            </a:gs>
-          </a:gsLst>
-          <a:lin ang="5400000" scaled="0"/>
-        </a:gradFill>
+              <a:schemeClr val="phClr">
+                <a:tint val="50000"/>
+                <a:shade val="96000"/>
+              </a:schemeClr>
+            </a:duotone>
+          </a:blip>
+          <a:tile tx="0" ty="0" sx="100000" sy="100000" flip="none" algn="tl"/>
+        </a:blipFill>
       </a:bgFillStyleLst>
     </a:fmtScheme>
   </a:themeElements>
@@ -4397,7 +4711,7 @@
   <a:extraClrSchemeLst/>
   <a:extLst>
     <a:ext uri="{05A4C25C-085E-4340-85A3-A5531E510DB2}">
-      <thm15:themeFamily xmlns:thm15="http://schemas.microsoft.com/office/thememl/2012/main" name="Office Theme" id="{62F939B6-93AF-4DB8-9C6B-D6C7DFDC589F}" vid="{4A3C46E8-61CC-4603-A589-7422A47A8E4A}"/>
+      <thm15:themeFamily xmlns:thm15="http://schemas.microsoft.com/office/thememl/2012/main" name="Wood Type" id="{7ACABC62-BF99-48CF-A9DC-4DB89C7B13DC}" vid="{142A1326-48AB-42A9-8428-CB14AA30176D}"/>
     </a:ext>
   </a:extLst>
 </a:theme>
